--- a/tekton ppt/Tekton.pptx
+++ b/tekton ppt/Tekton.pptx
@@ -18,6 +18,7 @@
     <p:sldId id="265" r:id="rId13"/>
     <p:sldId id="266" r:id="rId14"/>
     <p:sldId id="267" r:id="rId15"/>
+    <p:sldId id="268" r:id="rId16"/>
   </p:sldIdLst>
   <p:sldSz cx="12192000" cy="6858000"/>
   <p:notesSz cx="7559675" cy="10691813"/>
@@ -48,7 +49,7 @@
             <a:spLocks noGrp="1"/>
           </p:cNvSpPr>
           <p:nvPr>
-            <p:ph type="ftr" idx="2"/>
+            <p:ph type="ftr" idx="1"/>
           </p:nvPr>
         </p:nvSpPr>
         <p:spPr/>
@@ -68,14 +69,14 @@
             <a:spLocks noGrp="1"/>
           </p:cNvSpPr>
           <p:nvPr>
-            <p:ph type="sldNum" idx="3"/>
+            <p:ph type="sldNum" idx="2"/>
           </p:nvPr>
         </p:nvSpPr>
         <p:spPr/>
         <p:txBody>
           <a:bodyPr/>
           <a:p>
-            <a:fld id="{A3DDEE5D-CEB7-434E-92B4-5C443B169E16}" type="slidenum">
+            <a:fld id="{62B31788-EB99-4F6A-8E6F-3AEA1C6760DE}" type="slidenum">
               <a:t>&lt;#&gt;</a:t>
             </a:fld>
           </a:p>
@@ -88,7 +89,7 @@
             <a:spLocks noGrp="1"/>
           </p:cNvSpPr>
           <p:nvPr>
-            <p:ph type="dt" idx="1"/>
+            <p:ph type="dt" idx="3"/>
           </p:nvPr>
         </p:nvSpPr>
         <p:spPr/>
@@ -136,8 +137,8 @@
         </p:nvSpPr>
         <p:spPr>
           <a:xfrm>
-            <a:off x="838080" y="365040"/>
-            <a:ext cx="10515240" cy="1325160"/>
+            <a:off x="609480" y="273600"/>
+            <a:ext cx="10972440" cy="1144800"/>
           </a:xfrm>
           <a:prstGeom prst="rect">
             <a:avLst/>
@@ -152,11 +153,11 @@
             <a:noAutofit/>
           </a:bodyPr>
           <a:p>
-            <a:endParaRPr b="0" lang="en-US" sz="1800" spc="-1" strike="noStrike">
-              <a:solidFill>
-                <a:srgbClr val="000000"/>
-              </a:solidFill>
-              <a:latin typeface="Calibri"/>
+            <a:pPr algn="ctr">
+              <a:buNone/>
+            </a:pPr>
+            <a:endParaRPr b="0" lang="en-IN" sz="4400" spc="-1" strike="noStrike">
+              <a:latin typeface="Arial"/>
             </a:endParaRPr>
           </a:p>
         </p:txBody>
@@ -173,8 +174,8 @@
         </p:nvSpPr>
         <p:spPr>
           <a:xfrm>
-            <a:off x="838080" y="1825560"/>
-            <a:ext cx="10515240" cy="2075040"/>
+            <a:off x="609480" y="1604520"/>
+            <a:ext cx="10972440" cy="1896840"/>
           </a:xfrm>
           <a:prstGeom prst="rect">
             <a:avLst/>
@@ -189,20 +190,8 @@
             <a:normAutofit/>
           </a:bodyPr>
           <a:p>
-            <a:pPr>
-              <a:lnSpc>
-                <a:spcPct val="90000"/>
-              </a:lnSpc>
-              <a:spcBef>
-                <a:spcPts val="1417"/>
-              </a:spcBef>
-              <a:buNone/>
-            </a:pPr>
-            <a:endParaRPr b="0" lang="en-US" sz="2800" spc="-1" strike="noStrike">
-              <a:solidFill>
-                <a:srgbClr val="000000"/>
-              </a:solidFill>
-              <a:latin typeface="Calibri"/>
+            <a:endParaRPr b="0" lang="en-IN" sz="3200" spc="-1" strike="noStrike">
+              <a:latin typeface="Arial"/>
             </a:endParaRPr>
           </a:p>
         </p:txBody>
@@ -219,8 +208,8 @@
         </p:nvSpPr>
         <p:spPr>
           <a:xfrm>
-            <a:off x="838080" y="4098240"/>
-            <a:ext cx="10515240" cy="2075040"/>
+            <a:off x="609480" y="3682080"/>
+            <a:ext cx="10972440" cy="1896840"/>
           </a:xfrm>
           <a:prstGeom prst="rect">
             <a:avLst/>
@@ -235,20 +224,8 @@
             <a:normAutofit/>
           </a:bodyPr>
           <a:p>
-            <a:pPr>
-              <a:lnSpc>
-                <a:spcPct val="90000"/>
-              </a:lnSpc>
-              <a:spcBef>
-                <a:spcPts val="1417"/>
-              </a:spcBef>
-              <a:buNone/>
-            </a:pPr>
-            <a:endParaRPr b="0" lang="en-US" sz="2800" spc="-1" strike="noStrike">
-              <a:solidFill>
-                <a:srgbClr val="000000"/>
-              </a:solidFill>
-              <a:latin typeface="Calibri"/>
+            <a:endParaRPr b="0" lang="en-IN" sz="3200" spc="-1" strike="noStrike">
+              <a:latin typeface="Arial"/>
             </a:endParaRPr>
           </a:p>
         </p:txBody>
@@ -260,7 +237,7 @@
             <a:spLocks noGrp="1"/>
           </p:cNvSpPr>
           <p:nvPr>
-            <p:ph type="ftr" idx="2"/>
+            <p:ph type="ftr" idx="1"/>
           </p:nvPr>
         </p:nvSpPr>
         <p:spPr/>
@@ -280,14 +257,14 @@
             <a:spLocks noGrp="1"/>
           </p:cNvSpPr>
           <p:nvPr>
-            <p:ph type="sldNum" idx="3"/>
+            <p:ph type="sldNum" idx="2"/>
           </p:nvPr>
         </p:nvSpPr>
         <p:spPr/>
         <p:txBody>
           <a:bodyPr/>
           <a:p>
-            <a:fld id="{D9A0B279-D57E-4A02-A325-D292070124DF}" type="slidenum">
+            <a:fld id="{E977EEF6-5D08-47DF-8A8A-E042DDF049EB}" type="slidenum">
               <a:t>&lt;#&gt;</a:t>
             </a:fld>
           </a:p>
@@ -300,7 +277,7 @@
             <a:spLocks noGrp="1"/>
           </p:cNvSpPr>
           <p:nvPr>
-            <p:ph type="dt" idx="1"/>
+            <p:ph type="dt" idx="3"/>
           </p:nvPr>
         </p:nvSpPr>
         <p:spPr/>
@@ -348,8 +325,8 @@
         </p:nvSpPr>
         <p:spPr>
           <a:xfrm>
-            <a:off x="838080" y="365040"/>
-            <a:ext cx="10515240" cy="1325160"/>
+            <a:off x="609480" y="273600"/>
+            <a:ext cx="10972440" cy="1144800"/>
           </a:xfrm>
           <a:prstGeom prst="rect">
             <a:avLst/>
@@ -364,11 +341,11 @@
             <a:noAutofit/>
           </a:bodyPr>
           <a:p>
-            <a:endParaRPr b="0" lang="en-US" sz="1800" spc="-1" strike="noStrike">
-              <a:solidFill>
-                <a:srgbClr val="000000"/>
-              </a:solidFill>
-              <a:latin typeface="Calibri"/>
+            <a:pPr algn="ctr">
+              <a:buNone/>
+            </a:pPr>
+            <a:endParaRPr b="0" lang="en-IN" sz="4400" spc="-1" strike="noStrike">
+              <a:latin typeface="Arial"/>
             </a:endParaRPr>
           </a:p>
         </p:txBody>
@@ -385,8 +362,8 @@
         </p:nvSpPr>
         <p:spPr>
           <a:xfrm>
-            <a:off x="838080" y="1825560"/>
-            <a:ext cx="5131080" cy="2075040"/>
+            <a:off x="609480" y="1604520"/>
+            <a:ext cx="5354280" cy="1896840"/>
           </a:xfrm>
           <a:prstGeom prst="rect">
             <a:avLst/>
@@ -401,20 +378,8 @@
             <a:normAutofit/>
           </a:bodyPr>
           <a:p>
-            <a:pPr>
-              <a:lnSpc>
-                <a:spcPct val="90000"/>
-              </a:lnSpc>
-              <a:spcBef>
-                <a:spcPts val="1417"/>
-              </a:spcBef>
-              <a:buNone/>
-            </a:pPr>
-            <a:endParaRPr b="0" lang="en-US" sz="2800" spc="-1" strike="noStrike">
-              <a:solidFill>
-                <a:srgbClr val="000000"/>
-              </a:solidFill>
-              <a:latin typeface="Calibri"/>
+            <a:endParaRPr b="0" lang="en-IN" sz="3200" spc="-1" strike="noStrike">
+              <a:latin typeface="Arial"/>
             </a:endParaRPr>
           </a:p>
         </p:txBody>
@@ -431,8 +396,8 @@
         </p:nvSpPr>
         <p:spPr>
           <a:xfrm>
-            <a:off x="6226200" y="1825560"/>
-            <a:ext cx="5131080" cy="2075040"/>
+            <a:off x="6231960" y="1604520"/>
+            <a:ext cx="5354280" cy="1896840"/>
           </a:xfrm>
           <a:prstGeom prst="rect">
             <a:avLst/>
@@ -447,20 +412,8 @@
             <a:normAutofit/>
           </a:bodyPr>
           <a:p>
-            <a:pPr>
-              <a:lnSpc>
-                <a:spcPct val="90000"/>
-              </a:lnSpc>
-              <a:spcBef>
-                <a:spcPts val="1417"/>
-              </a:spcBef>
-              <a:buNone/>
-            </a:pPr>
-            <a:endParaRPr b="0" lang="en-US" sz="2800" spc="-1" strike="noStrike">
-              <a:solidFill>
-                <a:srgbClr val="000000"/>
-              </a:solidFill>
-              <a:latin typeface="Calibri"/>
+            <a:endParaRPr b="0" lang="en-IN" sz="3200" spc="-1" strike="noStrike">
+              <a:latin typeface="Arial"/>
             </a:endParaRPr>
           </a:p>
         </p:txBody>
@@ -477,8 +430,8 @@
         </p:nvSpPr>
         <p:spPr>
           <a:xfrm>
-            <a:off x="838080" y="4098240"/>
-            <a:ext cx="5131080" cy="2075040"/>
+            <a:off x="609480" y="3682080"/>
+            <a:ext cx="5354280" cy="1896840"/>
           </a:xfrm>
           <a:prstGeom prst="rect">
             <a:avLst/>
@@ -493,20 +446,8 @@
             <a:normAutofit/>
           </a:bodyPr>
           <a:p>
-            <a:pPr>
-              <a:lnSpc>
-                <a:spcPct val="90000"/>
-              </a:lnSpc>
-              <a:spcBef>
-                <a:spcPts val="1417"/>
-              </a:spcBef>
-              <a:buNone/>
-            </a:pPr>
-            <a:endParaRPr b="0" lang="en-US" sz="2800" spc="-1" strike="noStrike">
-              <a:solidFill>
-                <a:srgbClr val="000000"/>
-              </a:solidFill>
-              <a:latin typeface="Calibri"/>
+            <a:endParaRPr b="0" lang="en-IN" sz="3200" spc="-1" strike="noStrike">
+              <a:latin typeface="Arial"/>
             </a:endParaRPr>
           </a:p>
         </p:txBody>
@@ -523,8 +464,8 @@
         </p:nvSpPr>
         <p:spPr>
           <a:xfrm>
-            <a:off x="6226200" y="4098240"/>
-            <a:ext cx="5131080" cy="2075040"/>
+            <a:off x="6231960" y="3682080"/>
+            <a:ext cx="5354280" cy="1896840"/>
           </a:xfrm>
           <a:prstGeom prst="rect">
             <a:avLst/>
@@ -539,20 +480,8 @@
             <a:normAutofit/>
           </a:bodyPr>
           <a:p>
-            <a:pPr>
-              <a:lnSpc>
-                <a:spcPct val="90000"/>
-              </a:lnSpc>
-              <a:spcBef>
-                <a:spcPts val="1417"/>
-              </a:spcBef>
-              <a:buNone/>
-            </a:pPr>
-            <a:endParaRPr b="0" lang="en-US" sz="2800" spc="-1" strike="noStrike">
-              <a:solidFill>
-                <a:srgbClr val="000000"/>
-              </a:solidFill>
-              <a:latin typeface="Calibri"/>
+            <a:endParaRPr b="0" lang="en-IN" sz="3200" spc="-1" strike="noStrike">
+              <a:latin typeface="Arial"/>
             </a:endParaRPr>
           </a:p>
         </p:txBody>
@@ -564,7 +493,7 @@
             <a:spLocks noGrp="1"/>
           </p:cNvSpPr>
           <p:nvPr>
-            <p:ph type="ftr" idx="2"/>
+            <p:ph type="ftr" idx="1"/>
           </p:nvPr>
         </p:nvSpPr>
         <p:spPr/>
@@ -584,14 +513,14 @@
             <a:spLocks noGrp="1"/>
           </p:cNvSpPr>
           <p:nvPr>
-            <p:ph type="sldNum" idx="3"/>
+            <p:ph type="sldNum" idx="2"/>
           </p:nvPr>
         </p:nvSpPr>
         <p:spPr/>
         <p:txBody>
           <a:bodyPr/>
           <a:p>
-            <a:fld id="{FD0D8B2A-2A3E-4997-AB75-1B56033C15E8}" type="slidenum">
+            <a:fld id="{9AB97FB3-A23E-4AB4-BA22-1BAD0094C186}" type="slidenum">
               <a:t>&lt;#&gt;</a:t>
             </a:fld>
           </a:p>
@@ -604,7 +533,7 @@
             <a:spLocks noGrp="1"/>
           </p:cNvSpPr>
           <p:nvPr>
-            <p:ph type="dt" idx="1"/>
+            <p:ph type="dt" idx="3"/>
           </p:nvPr>
         </p:nvSpPr>
         <p:spPr/>
@@ -652,8 +581,8 @@
         </p:nvSpPr>
         <p:spPr>
           <a:xfrm>
-            <a:off x="838080" y="365040"/>
-            <a:ext cx="10515240" cy="1325160"/>
+            <a:off x="609480" y="273600"/>
+            <a:ext cx="10972440" cy="1144800"/>
           </a:xfrm>
           <a:prstGeom prst="rect">
             <a:avLst/>
@@ -668,11 +597,11 @@
             <a:noAutofit/>
           </a:bodyPr>
           <a:p>
-            <a:endParaRPr b="0" lang="en-US" sz="1800" spc="-1" strike="noStrike">
-              <a:solidFill>
-                <a:srgbClr val="000000"/>
-              </a:solidFill>
-              <a:latin typeface="Calibri"/>
+            <a:pPr algn="ctr">
+              <a:buNone/>
+            </a:pPr>
+            <a:endParaRPr b="0" lang="en-IN" sz="4400" spc="-1" strike="noStrike">
+              <a:latin typeface="Arial"/>
             </a:endParaRPr>
           </a:p>
         </p:txBody>
@@ -689,8 +618,8 @@
         </p:nvSpPr>
         <p:spPr>
           <a:xfrm>
-            <a:off x="838080" y="1825560"/>
-            <a:ext cx="3385800" cy="2075040"/>
+            <a:off x="609480" y="1604520"/>
+            <a:ext cx="3533040" cy="1896840"/>
           </a:xfrm>
           <a:prstGeom prst="rect">
             <a:avLst/>
@@ -705,20 +634,8 @@
             <a:normAutofit/>
           </a:bodyPr>
           <a:p>
-            <a:pPr>
-              <a:lnSpc>
-                <a:spcPct val="90000"/>
-              </a:lnSpc>
-              <a:spcBef>
-                <a:spcPts val="1417"/>
-              </a:spcBef>
-              <a:buNone/>
-            </a:pPr>
-            <a:endParaRPr b="0" lang="en-US" sz="2800" spc="-1" strike="noStrike">
-              <a:solidFill>
-                <a:srgbClr val="000000"/>
-              </a:solidFill>
-              <a:latin typeface="Calibri"/>
+            <a:endParaRPr b="0" lang="en-IN" sz="3200" spc="-1" strike="noStrike">
+              <a:latin typeface="Arial"/>
             </a:endParaRPr>
           </a:p>
         </p:txBody>
@@ -735,8 +652,8 @@
         </p:nvSpPr>
         <p:spPr>
           <a:xfrm>
-            <a:off x="4393440" y="1825560"/>
-            <a:ext cx="3385800" cy="2075040"/>
+            <a:off x="4319640" y="1604520"/>
+            <a:ext cx="3533040" cy="1896840"/>
           </a:xfrm>
           <a:prstGeom prst="rect">
             <a:avLst/>
@@ -751,20 +668,8 @@
             <a:normAutofit/>
           </a:bodyPr>
           <a:p>
-            <a:pPr>
-              <a:lnSpc>
-                <a:spcPct val="90000"/>
-              </a:lnSpc>
-              <a:spcBef>
-                <a:spcPts val="1417"/>
-              </a:spcBef>
-              <a:buNone/>
-            </a:pPr>
-            <a:endParaRPr b="0" lang="en-US" sz="2800" spc="-1" strike="noStrike">
-              <a:solidFill>
-                <a:srgbClr val="000000"/>
-              </a:solidFill>
-              <a:latin typeface="Calibri"/>
+            <a:endParaRPr b="0" lang="en-IN" sz="3200" spc="-1" strike="noStrike">
+              <a:latin typeface="Arial"/>
             </a:endParaRPr>
           </a:p>
         </p:txBody>
@@ -781,8 +686,8 @@
         </p:nvSpPr>
         <p:spPr>
           <a:xfrm>
-            <a:off x="7949160" y="1825560"/>
-            <a:ext cx="3385800" cy="2075040"/>
+            <a:off x="8029800" y="1604520"/>
+            <a:ext cx="3533040" cy="1896840"/>
           </a:xfrm>
           <a:prstGeom prst="rect">
             <a:avLst/>
@@ -797,20 +702,8 @@
             <a:normAutofit/>
           </a:bodyPr>
           <a:p>
-            <a:pPr>
-              <a:lnSpc>
-                <a:spcPct val="90000"/>
-              </a:lnSpc>
-              <a:spcBef>
-                <a:spcPts val="1417"/>
-              </a:spcBef>
-              <a:buNone/>
-            </a:pPr>
-            <a:endParaRPr b="0" lang="en-US" sz="2800" spc="-1" strike="noStrike">
-              <a:solidFill>
-                <a:srgbClr val="000000"/>
-              </a:solidFill>
-              <a:latin typeface="Calibri"/>
+            <a:endParaRPr b="0" lang="en-IN" sz="3200" spc="-1" strike="noStrike">
+              <a:latin typeface="Arial"/>
             </a:endParaRPr>
           </a:p>
         </p:txBody>
@@ -827,8 +720,8 @@
         </p:nvSpPr>
         <p:spPr>
           <a:xfrm>
-            <a:off x="838080" y="4098240"/>
-            <a:ext cx="3385800" cy="2075040"/>
+            <a:off x="609480" y="3682080"/>
+            <a:ext cx="3533040" cy="1896840"/>
           </a:xfrm>
           <a:prstGeom prst="rect">
             <a:avLst/>
@@ -843,20 +736,8 @@
             <a:normAutofit/>
           </a:bodyPr>
           <a:p>
-            <a:pPr>
-              <a:lnSpc>
-                <a:spcPct val="90000"/>
-              </a:lnSpc>
-              <a:spcBef>
-                <a:spcPts val="1417"/>
-              </a:spcBef>
-              <a:buNone/>
-            </a:pPr>
-            <a:endParaRPr b="0" lang="en-US" sz="2800" spc="-1" strike="noStrike">
-              <a:solidFill>
-                <a:srgbClr val="000000"/>
-              </a:solidFill>
-              <a:latin typeface="Calibri"/>
+            <a:endParaRPr b="0" lang="en-IN" sz="3200" spc="-1" strike="noStrike">
+              <a:latin typeface="Arial"/>
             </a:endParaRPr>
           </a:p>
         </p:txBody>
@@ -873,8 +754,8 @@
         </p:nvSpPr>
         <p:spPr>
           <a:xfrm>
-            <a:off x="4393440" y="4098240"/>
-            <a:ext cx="3385800" cy="2075040"/>
+            <a:off x="4319640" y="3682080"/>
+            <a:ext cx="3533040" cy="1896840"/>
           </a:xfrm>
           <a:prstGeom prst="rect">
             <a:avLst/>
@@ -889,20 +770,8 @@
             <a:normAutofit/>
           </a:bodyPr>
           <a:p>
-            <a:pPr>
-              <a:lnSpc>
-                <a:spcPct val="90000"/>
-              </a:lnSpc>
-              <a:spcBef>
-                <a:spcPts val="1417"/>
-              </a:spcBef>
-              <a:buNone/>
-            </a:pPr>
-            <a:endParaRPr b="0" lang="en-US" sz="2800" spc="-1" strike="noStrike">
-              <a:solidFill>
-                <a:srgbClr val="000000"/>
-              </a:solidFill>
-              <a:latin typeface="Calibri"/>
+            <a:endParaRPr b="0" lang="en-IN" sz="3200" spc="-1" strike="noStrike">
+              <a:latin typeface="Arial"/>
             </a:endParaRPr>
           </a:p>
         </p:txBody>
@@ -919,8 +788,8 @@
         </p:nvSpPr>
         <p:spPr>
           <a:xfrm>
-            <a:off x="7949160" y="4098240"/>
-            <a:ext cx="3385800" cy="2075040"/>
+            <a:off x="8029800" y="3682080"/>
+            <a:ext cx="3533040" cy="1896840"/>
           </a:xfrm>
           <a:prstGeom prst="rect">
             <a:avLst/>
@@ -935,20 +804,8 @@
             <a:normAutofit/>
           </a:bodyPr>
           <a:p>
-            <a:pPr>
-              <a:lnSpc>
-                <a:spcPct val="90000"/>
-              </a:lnSpc>
-              <a:spcBef>
-                <a:spcPts val="1417"/>
-              </a:spcBef>
-              <a:buNone/>
-            </a:pPr>
-            <a:endParaRPr b="0" lang="en-US" sz="2800" spc="-1" strike="noStrike">
-              <a:solidFill>
-                <a:srgbClr val="000000"/>
-              </a:solidFill>
-              <a:latin typeface="Calibri"/>
+            <a:endParaRPr b="0" lang="en-IN" sz="3200" spc="-1" strike="noStrike">
+              <a:latin typeface="Arial"/>
             </a:endParaRPr>
           </a:p>
         </p:txBody>
@@ -960,7 +817,7 @@
             <a:spLocks noGrp="1"/>
           </p:cNvSpPr>
           <p:nvPr>
-            <p:ph type="ftr" idx="2"/>
+            <p:ph type="ftr" idx="1"/>
           </p:nvPr>
         </p:nvSpPr>
         <p:spPr/>
@@ -980,14 +837,14 @@
             <a:spLocks noGrp="1"/>
           </p:cNvSpPr>
           <p:nvPr>
-            <p:ph type="sldNum" idx="3"/>
+            <p:ph type="sldNum" idx="2"/>
           </p:nvPr>
         </p:nvSpPr>
         <p:spPr/>
         <p:txBody>
           <a:bodyPr/>
           <a:p>
-            <a:fld id="{9A88EA07-5724-4D06-B7B5-40E33B9203BB}" type="slidenum">
+            <a:fld id="{9D95EC20-7320-4F26-B058-941D370C8808}" type="slidenum">
               <a:t>&lt;#&gt;</a:t>
             </a:fld>
           </a:p>
@@ -1000,7 +857,7 @@
             <a:spLocks noGrp="1"/>
           </p:cNvSpPr>
           <p:nvPr>
-            <p:ph type="dt" idx="1"/>
+            <p:ph type="dt" idx="3"/>
           </p:nvPr>
         </p:nvSpPr>
         <p:spPr/>
@@ -1043,7 +900,7 @@
             <a:spLocks noGrp="1"/>
           </p:cNvSpPr>
           <p:nvPr>
-            <p:ph type="ftr" idx="5"/>
+            <p:ph type="ftr" idx="4"/>
           </p:nvPr>
         </p:nvSpPr>
         <p:spPr/>
@@ -1063,14 +920,14 @@
             <a:spLocks noGrp="1"/>
           </p:cNvSpPr>
           <p:nvPr>
-            <p:ph type="sldNum" idx="6"/>
+            <p:ph type="sldNum" idx="5"/>
           </p:nvPr>
         </p:nvSpPr>
         <p:spPr/>
         <p:txBody>
           <a:bodyPr/>
           <a:p>
-            <a:fld id="{9754894A-51E0-4BB7-BBC6-AA88E06566B2}" type="slidenum">
+            <a:fld id="{A280B5FA-2B7C-45F4-97CF-A9919C648A0D}" type="slidenum">
               <a:t>&lt;#&gt;</a:t>
             </a:fld>
           </a:p>
@@ -1083,7 +940,7 @@
             <a:spLocks noGrp="1"/>
           </p:cNvSpPr>
           <p:nvPr>
-            <p:ph type="dt" idx="4"/>
+            <p:ph type="dt" idx="6"/>
           </p:nvPr>
         </p:nvSpPr>
         <p:spPr/>
@@ -1131,8 +988,8 @@
         </p:nvSpPr>
         <p:spPr>
           <a:xfrm>
-            <a:off x="838080" y="365040"/>
-            <a:ext cx="10515240" cy="1325160"/>
+            <a:off x="609480" y="273600"/>
+            <a:ext cx="10972440" cy="1144800"/>
           </a:xfrm>
           <a:prstGeom prst="rect">
             <a:avLst/>
@@ -1147,11 +1004,11 @@
             <a:noAutofit/>
           </a:bodyPr>
           <a:p>
-            <a:endParaRPr b="0" lang="en-US" sz="1800" spc="-1" strike="noStrike">
-              <a:solidFill>
-                <a:srgbClr val="000000"/>
-              </a:solidFill>
-              <a:latin typeface="Calibri"/>
+            <a:pPr algn="ctr">
+              <a:buNone/>
+            </a:pPr>
+            <a:endParaRPr b="0" lang="en-IN" sz="4400" spc="-1" strike="noStrike">
+              <a:latin typeface="Arial"/>
             </a:endParaRPr>
           </a:p>
         </p:txBody>
@@ -1168,8 +1025,8 @@
         </p:nvSpPr>
         <p:spPr>
           <a:xfrm>
-            <a:off x="838080" y="1825560"/>
-            <a:ext cx="10515240" cy="4350960"/>
+            <a:off x="609480" y="1604520"/>
+            <a:ext cx="10972440" cy="3977280"/>
           </a:xfrm>
           <a:prstGeom prst="rect">
             <a:avLst/>
@@ -1200,7 +1057,7 @@
             <a:spLocks noGrp="1"/>
           </p:cNvSpPr>
           <p:nvPr>
-            <p:ph type="ftr" idx="5"/>
+            <p:ph type="ftr" idx="4"/>
           </p:nvPr>
         </p:nvSpPr>
         <p:spPr/>
@@ -1220,14 +1077,14 @@
             <a:spLocks noGrp="1"/>
           </p:cNvSpPr>
           <p:nvPr>
-            <p:ph type="sldNum" idx="6"/>
+            <p:ph type="sldNum" idx="5"/>
           </p:nvPr>
         </p:nvSpPr>
         <p:spPr/>
         <p:txBody>
           <a:bodyPr/>
           <a:p>
-            <a:fld id="{976056D2-46F2-4AC6-AEF7-DB4553D35A5D}" type="slidenum">
+            <a:fld id="{5389E72A-78AD-4FED-8DA4-75BF9F75564B}" type="slidenum">
               <a:t>&lt;#&gt;</a:t>
             </a:fld>
           </a:p>
@@ -1240,7 +1097,7 @@
             <a:spLocks noGrp="1"/>
           </p:cNvSpPr>
           <p:nvPr>
-            <p:ph type="dt" idx="4"/>
+            <p:ph type="dt" idx="6"/>
           </p:nvPr>
         </p:nvSpPr>
         <p:spPr/>
@@ -1288,8 +1145,8 @@
         </p:nvSpPr>
         <p:spPr>
           <a:xfrm>
-            <a:off x="838080" y="365040"/>
-            <a:ext cx="10515240" cy="1325160"/>
+            <a:off x="609480" y="273600"/>
+            <a:ext cx="10972440" cy="1144800"/>
           </a:xfrm>
           <a:prstGeom prst="rect">
             <a:avLst/>
@@ -1304,11 +1161,11 @@
             <a:noAutofit/>
           </a:bodyPr>
           <a:p>
-            <a:endParaRPr b="0" lang="en-US" sz="1800" spc="-1" strike="noStrike">
-              <a:solidFill>
-                <a:srgbClr val="000000"/>
-              </a:solidFill>
-              <a:latin typeface="Calibri"/>
+            <a:pPr algn="ctr">
+              <a:buNone/>
+            </a:pPr>
+            <a:endParaRPr b="0" lang="en-IN" sz="4400" spc="-1" strike="noStrike">
+              <a:latin typeface="Arial"/>
             </a:endParaRPr>
           </a:p>
         </p:txBody>
@@ -1325,8 +1182,8 @@
         </p:nvSpPr>
         <p:spPr>
           <a:xfrm>
-            <a:off x="838080" y="1825560"/>
-            <a:ext cx="10515240" cy="4350960"/>
+            <a:off x="609480" y="1604520"/>
+            <a:ext cx="10972440" cy="3977280"/>
           </a:xfrm>
           <a:prstGeom prst="rect">
             <a:avLst/>
@@ -1341,20 +1198,8 @@
             <a:normAutofit/>
           </a:bodyPr>
           <a:p>
-            <a:pPr>
-              <a:lnSpc>
-                <a:spcPct val="90000"/>
-              </a:lnSpc>
-              <a:spcBef>
-                <a:spcPts val="1417"/>
-              </a:spcBef>
-              <a:buNone/>
-            </a:pPr>
-            <a:endParaRPr b="0" lang="en-US" sz="2800" spc="-1" strike="noStrike">
-              <a:solidFill>
-                <a:srgbClr val="000000"/>
-              </a:solidFill>
-              <a:latin typeface="Calibri"/>
+            <a:endParaRPr b="0" lang="en-IN" sz="3200" spc="-1" strike="noStrike">
+              <a:latin typeface="Arial"/>
             </a:endParaRPr>
           </a:p>
         </p:txBody>
@@ -1366,7 +1211,7 @@
             <a:spLocks noGrp="1"/>
           </p:cNvSpPr>
           <p:nvPr>
-            <p:ph type="ftr" idx="5"/>
+            <p:ph type="ftr" idx="4"/>
           </p:nvPr>
         </p:nvSpPr>
         <p:spPr/>
@@ -1386,14 +1231,14 @@
             <a:spLocks noGrp="1"/>
           </p:cNvSpPr>
           <p:nvPr>
-            <p:ph type="sldNum" idx="6"/>
+            <p:ph type="sldNum" idx="5"/>
           </p:nvPr>
         </p:nvSpPr>
         <p:spPr/>
         <p:txBody>
           <a:bodyPr/>
           <a:p>
-            <a:fld id="{6EDAD869-C197-4531-A126-0D7898BAFADC}" type="slidenum">
+            <a:fld id="{74648738-761A-4493-AA12-4C5A8C985E4B}" type="slidenum">
               <a:t>&lt;#&gt;</a:t>
             </a:fld>
           </a:p>
@@ -1406,7 +1251,7 @@
             <a:spLocks noGrp="1"/>
           </p:cNvSpPr>
           <p:nvPr>
-            <p:ph type="dt" idx="4"/>
+            <p:ph type="dt" idx="6"/>
           </p:nvPr>
         </p:nvSpPr>
         <p:spPr/>
@@ -1454,8 +1299,8 @@
         </p:nvSpPr>
         <p:spPr>
           <a:xfrm>
-            <a:off x="838080" y="365040"/>
-            <a:ext cx="10515240" cy="1325160"/>
+            <a:off x="609480" y="273600"/>
+            <a:ext cx="10972440" cy="1144800"/>
           </a:xfrm>
           <a:prstGeom prst="rect">
             <a:avLst/>
@@ -1470,11 +1315,11 @@
             <a:noAutofit/>
           </a:bodyPr>
           <a:p>
-            <a:endParaRPr b="0" lang="en-US" sz="1800" spc="-1" strike="noStrike">
-              <a:solidFill>
-                <a:srgbClr val="000000"/>
-              </a:solidFill>
-              <a:latin typeface="Calibri"/>
+            <a:pPr algn="ctr">
+              <a:buNone/>
+            </a:pPr>
+            <a:endParaRPr b="0" lang="en-IN" sz="4400" spc="-1" strike="noStrike">
+              <a:latin typeface="Arial"/>
             </a:endParaRPr>
           </a:p>
         </p:txBody>
@@ -1491,8 +1336,8 @@
         </p:nvSpPr>
         <p:spPr>
           <a:xfrm>
-            <a:off x="838080" y="1825560"/>
-            <a:ext cx="5131080" cy="4350960"/>
+            <a:off x="609480" y="1604520"/>
+            <a:ext cx="5354280" cy="3977280"/>
           </a:xfrm>
           <a:prstGeom prst="rect">
             <a:avLst/>
@@ -1507,20 +1352,8 @@
             <a:normAutofit/>
           </a:bodyPr>
           <a:p>
-            <a:pPr>
-              <a:lnSpc>
-                <a:spcPct val="90000"/>
-              </a:lnSpc>
-              <a:spcBef>
-                <a:spcPts val="1417"/>
-              </a:spcBef>
-              <a:buNone/>
-            </a:pPr>
-            <a:endParaRPr b="0" lang="en-US" sz="2800" spc="-1" strike="noStrike">
-              <a:solidFill>
-                <a:srgbClr val="000000"/>
-              </a:solidFill>
-              <a:latin typeface="Calibri"/>
+            <a:endParaRPr b="0" lang="en-IN" sz="3200" spc="-1" strike="noStrike">
+              <a:latin typeface="Arial"/>
             </a:endParaRPr>
           </a:p>
         </p:txBody>
@@ -1537,8 +1370,8 @@
         </p:nvSpPr>
         <p:spPr>
           <a:xfrm>
-            <a:off x="6226200" y="1825560"/>
-            <a:ext cx="5131080" cy="4350960"/>
+            <a:off x="6231960" y="1604520"/>
+            <a:ext cx="5354280" cy="3977280"/>
           </a:xfrm>
           <a:prstGeom prst="rect">
             <a:avLst/>
@@ -1553,20 +1386,8 @@
             <a:normAutofit/>
           </a:bodyPr>
           <a:p>
-            <a:pPr>
-              <a:lnSpc>
-                <a:spcPct val="90000"/>
-              </a:lnSpc>
-              <a:spcBef>
-                <a:spcPts val="1417"/>
-              </a:spcBef>
-              <a:buNone/>
-            </a:pPr>
-            <a:endParaRPr b="0" lang="en-US" sz="2800" spc="-1" strike="noStrike">
-              <a:solidFill>
-                <a:srgbClr val="000000"/>
-              </a:solidFill>
-              <a:latin typeface="Calibri"/>
+            <a:endParaRPr b="0" lang="en-IN" sz="3200" spc="-1" strike="noStrike">
+              <a:latin typeface="Arial"/>
             </a:endParaRPr>
           </a:p>
         </p:txBody>
@@ -1578,7 +1399,7 @@
             <a:spLocks noGrp="1"/>
           </p:cNvSpPr>
           <p:nvPr>
-            <p:ph type="ftr" idx="5"/>
+            <p:ph type="ftr" idx="4"/>
           </p:nvPr>
         </p:nvSpPr>
         <p:spPr/>
@@ -1598,14 +1419,14 @@
             <a:spLocks noGrp="1"/>
           </p:cNvSpPr>
           <p:nvPr>
-            <p:ph type="sldNum" idx="6"/>
+            <p:ph type="sldNum" idx="5"/>
           </p:nvPr>
         </p:nvSpPr>
         <p:spPr/>
         <p:txBody>
           <a:bodyPr/>
           <a:p>
-            <a:fld id="{F4D70A3F-A1DC-4D43-BCBA-A31978DFD96B}" type="slidenum">
+            <a:fld id="{E18E49B3-DE7F-4D47-9DD6-C41C75B7B9E5}" type="slidenum">
               <a:t>&lt;#&gt;</a:t>
             </a:fld>
           </a:p>
@@ -1618,7 +1439,7 @@
             <a:spLocks noGrp="1"/>
           </p:cNvSpPr>
           <p:nvPr>
-            <p:ph type="dt" idx="4"/>
+            <p:ph type="dt" idx="6"/>
           </p:nvPr>
         </p:nvSpPr>
         <p:spPr/>
@@ -1666,8 +1487,8 @@
         </p:nvSpPr>
         <p:spPr>
           <a:xfrm>
-            <a:off x="838080" y="365040"/>
-            <a:ext cx="10515240" cy="1325160"/>
+            <a:off x="609480" y="273600"/>
+            <a:ext cx="10972440" cy="1144800"/>
           </a:xfrm>
           <a:prstGeom prst="rect">
             <a:avLst/>
@@ -1682,11 +1503,11 @@
             <a:noAutofit/>
           </a:bodyPr>
           <a:p>
-            <a:endParaRPr b="0" lang="en-US" sz="1800" spc="-1" strike="noStrike">
-              <a:solidFill>
-                <a:srgbClr val="000000"/>
-              </a:solidFill>
-              <a:latin typeface="Calibri"/>
+            <a:pPr algn="ctr">
+              <a:buNone/>
+            </a:pPr>
+            <a:endParaRPr b="0" lang="en-IN" sz="4400" spc="-1" strike="noStrike">
+              <a:latin typeface="Arial"/>
             </a:endParaRPr>
           </a:p>
         </p:txBody>
@@ -1698,7 +1519,7 @@
             <a:spLocks noGrp="1"/>
           </p:cNvSpPr>
           <p:nvPr>
-            <p:ph type="ftr" idx="5"/>
+            <p:ph type="ftr" idx="4"/>
           </p:nvPr>
         </p:nvSpPr>
         <p:spPr/>
@@ -1718,14 +1539,14 @@
             <a:spLocks noGrp="1"/>
           </p:cNvSpPr>
           <p:nvPr>
-            <p:ph type="sldNum" idx="6"/>
+            <p:ph type="sldNum" idx="5"/>
           </p:nvPr>
         </p:nvSpPr>
         <p:spPr/>
         <p:txBody>
           <a:bodyPr/>
           <a:p>
-            <a:fld id="{BA7EB96C-50F4-4B58-87A2-E31D8BAB1BDD}" type="slidenum">
+            <a:fld id="{133B3A7E-21F7-4352-A6A1-2928D17B3563}" type="slidenum">
               <a:t>&lt;#&gt;</a:t>
             </a:fld>
           </a:p>
@@ -1738,7 +1559,7 @@
             <a:spLocks noGrp="1"/>
           </p:cNvSpPr>
           <p:nvPr>
-            <p:ph type="dt" idx="4"/>
+            <p:ph type="dt" idx="6"/>
           </p:nvPr>
         </p:nvSpPr>
         <p:spPr/>
@@ -1786,8 +1607,8 @@
         </p:nvSpPr>
         <p:spPr>
           <a:xfrm>
-            <a:off x="838080" y="365040"/>
-            <a:ext cx="10515240" cy="6144120"/>
+            <a:off x="609480" y="273600"/>
+            <a:ext cx="10972440" cy="5307840"/>
           </a:xfrm>
           <a:prstGeom prst="rect">
             <a:avLst/>
@@ -1818,7 +1639,7 @@
             <a:spLocks noGrp="1"/>
           </p:cNvSpPr>
           <p:nvPr>
-            <p:ph type="ftr" idx="5"/>
+            <p:ph type="ftr" idx="4"/>
           </p:nvPr>
         </p:nvSpPr>
         <p:spPr/>
@@ -1838,14 +1659,14 @@
             <a:spLocks noGrp="1"/>
           </p:cNvSpPr>
           <p:nvPr>
-            <p:ph type="sldNum" idx="6"/>
+            <p:ph type="sldNum" idx="5"/>
           </p:nvPr>
         </p:nvSpPr>
         <p:spPr/>
         <p:txBody>
           <a:bodyPr/>
           <a:p>
-            <a:fld id="{1317169B-1350-4541-925C-8E50BCCC64AC}" type="slidenum">
+            <a:fld id="{74B50FCB-AC47-4204-9BC4-36FF69AE85CD}" type="slidenum">
               <a:t>&lt;#&gt;</a:t>
             </a:fld>
           </a:p>
@@ -1858,7 +1679,7 @@
             <a:spLocks noGrp="1"/>
           </p:cNvSpPr>
           <p:nvPr>
-            <p:ph type="dt" idx="4"/>
+            <p:ph type="dt" idx="6"/>
           </p:nvPr>
         </p:nvSpPr>
         <p:spPr/>
@@ -1906,8 +1727,8 @@
         </p:nvSpPr>
         <p:spPr>
           <a:xfrm>
-            <a:off x="838080" y="365040"/>
-            <a:ext cx="10515240" cy="1325160"/>
+            <a:off x="609480" y="273600"/>
+            <a:ext cx="10972440" cy="1144800"/>
           </a:xfrm>
           <a:prstGeom prst="rect">
             <a:avLst/>
@@ -1922,11 +1743,11 @@
             <a:noAutofit/>
           </a:bodyPr>
           <a:p>
-            <a:endParaRPr b="0" lang="en-US" sz="1800" spc="-1" strike="noStrike">
-              <a:solidFill>
-                <a:srgbClr val="000000"/>
-              </a:solidFill>
-              <a:latin typeface="Calibri"/>
+            <a:pPr algn="ctr">
+              <a:buNone/>
+            </a:pPr>
+            <a:endParaRPr b="0" lang="en-IN" sz="4400" spc="-1" strike="noStrike">
+              <a:latin typeface="Arial"/>
             </a:endParaRPr>
           </a:p>
         </p:txBody>
@@ -1943,8 +1764,8 @@
         </p:nvSpPr>
         <p:spPr>
           <a:xfrm>
-            <a:off x="838080" y="1825560"/>
-            <a:ext cx="5131080" cy="2075040"/>
+            <a:off x="609480" y="1604520"/>
+            <a:ext cx="5354280" cy="1896840"/>
           </a:xfrm>
           <a:prstGeom prst="rect">
             <a:avLst/>
@@ -1959,20 +1780,8 @@
             <a:normAutofit/>
           </a:bodyPr>
           <a:p>
-            <a:pPr>
-              <a:lnSpc>
-                <a:spcPct val="90000"/>
-              </a:lnSpc>
-              <a:spcBef>
-                <a:spcPts val="1417"/>
-              </a:spcBef>
-              <a:buNone/>
-            </a:pPr>
-            <a:endParaRPr b="0" lang="en-US" sz="2800" spc="-1" strike="noStrike">
-              <a:solidFill>
-                <a:srgbClr val="000000"/>
-              </a:solidFill>
-              <a:latin typeface="Calibri"/>
+            <a:endParaRPr b="0" lang="en-IN" sz="3200" spc="-1" strike="noStrike">
+              <a:latin typeface="Arial"/>
             </a:endParaRPr>
           </a:p>
         </p:txBody>
@@ -1989,8 +1798,8 @@
         </p:nvSpPr>
         <p:spPr>
           <a:xfrm>
-            <a:off x="6226200" y="1825560"/>
-            <a:ext cx="5131080" cy="4350960"/>
+            <a:off x="6231960" y="1604520"/>
+            <a:ext cx="5354280" cy="3977280"/>
           </a:xfrm>
           <a:prstGeom prst="rect">
             <a:avLst/>
@@ -2005,20 +1814,8 @@
             <a:normAutofit/>
           </a:bodyPr>
           <a:p>
-            <a:pPr>
-              <a:lnSpc>
-                <a:spcPct val="90000"/>
-              </a:lnSpc>
-              <a:spcBef>
-                <a:spcPts val="1417"/>
-              </a:spcBef>
-              <a:buNone/>
-            </a:pPr>
-            <a:endParaRPr b="0" lang="en-US" sz="2800" spc="-1" strike="noStrike">
-              <a:solidFill>
-                <a:srgbClr val="000000"/>
-              </a:solidFill>
-              <a:latin typeface="Calibri"/>
+            <a:endParaRPr b="0" lang="en-IN" sz="3200" spc="-1" strike="noStrike">
+              <a:latin typeface="Arial"/>
             </a:endParaRPr>
           </a:p>
         </p:txBody>
@@ -2035,8 +1832,8 @@
         </p:nvSpPr>
         <p:spPr>
           <a:xfrm>
-            <a:off x="838080" y="4098240"/>
-            <a:ext cx="5131080" cy="2075040"/>
+            <a:off x="609480" y="3682080"/>
+            <a:ext cx="5354280" cy="1896840"/>
           </a:xfrm>
           <a:prstGeom prst="rect">
             <a:avLst/>
@@ -2051,20 +1848,8 @@
             <a:normAutofit/>
           </a:bodyPr>
           <a:p>
-            <a:pPr>
-              <a:lnSpc>
-                <a:spcPct val="90000"/>
-              </a:lnSpc>
-              <a:spcBef>
-                <a:spcPts val="1417"/>
-              </a:spcBef>
-              <a:buNone/>
-            </a:pPr>
-            <a:endParaRPr b="0" lang="en-US" sz="2800" spc="-1" strike="noStrike">
-              <a:solidFill>
-                <a:srgbClr val="000000"/>
-              </a:solidFill>
-              <a:latin typeface="Calibri"/>
+            <a:endParaRPr b="0" lang="en-IN" sz="3200" spc="-1" strike="noStrike">
+              <a:latin typeface="Arial"/>
             </a:endParaRPr>
           </a:p>
         </p:txBody>
@@ -2076,7 +1861,7 @@
             <a:spLocks noGrp="1"/>
           </p:cNvSpPr>
           <p:nvPr>
-            <p:ph type="ftr" idx="5"/>
+            <p:ph type="ftr" idx="4"/>
           </p:nvPr>
         </p:nvSpPr>
         <p:spPr/>
@@ -2096,14 +1881,14 @@
             <a:spLocks noGrp="1"/>
           </p:cNvSpPr>
           <p:nvPr>
-            <p:ph type="sldNum" idx="6"/>
+            <p:ph type="sldNum" idx="5"/>
           </p:nvPr>
         </p:nvSpPr>
         <p:spPr/>
         <p:txBody>
           <a:bodyPr/>
           <a:p>
-            <a:fld id="{612A1576-DC6C-47EE-A803-4B1CD6EF8005}" type="slidenum">
+            <a:fld id="{47E01FA6-B785-466B-B39C-F5D7D291C428}" type="slidenum">
               <a:t>&lt;#&gt;</a:t>
             </a:fld>
           </a:p>
@@ -2116,7 +1901,7 @@
             <a:spLocks noGrp="1"/>
           </p:cNvSpPr>
           <p:nvPr>
-            <p:ph type="dt" idx="4"/>
+            <p:ph type="dt" idx="6"/>
           </p:nvPr>
         </p:nvSpPr>
         <p:spPr/>
@@ -2164,8 +1949,8 @@
         </p:nvSpPr>
         <p:spPr>
           <a:xfrm>
-            <a:off x="838080" y="365040"/>
-            <a:ext cx="10515240" cy="1325160"/>
+            <a:off x="609480" y="273600"/>
+            <a:ext cx="10972440" cy="1144800"/>
           </a:xfrm>
           <a:prstGeom prst="rect">
             <a:avLst/>
@@ -2180,11 +1965,11 @@
             <a:noAutofit/>
           </a:bodyPr>
           <a:p>
-            <a:endParaRPr b="0" lang="en-US" sz="1800" spc="-1" strike="noStrike">
-              <a:solidFill>
-                <a:srgbClr val="000000"/>
-              </a:solidFill>
-              <a:latin typeface="Calibri"/>
+            <a:pPr algn="ctr">
+              <a:buNone/>
+            </a:pPr>
+            <a:endParaRPr b="0" lang="en-IN" sz="4400" spc="-1" strike="noStrike">
+              <a:latin typeface="Arial"/>
             </a:endParaRPr>
           </a:p>
         </p:txBody>
@@ -2201,8 +1986,8 @@
         </p:nvSpPr>
         <p:spPr>
           <a:xfrm>
-            <a:off x="838080" y="1825560"/>
-            <a:ext cx="10515240" cy="4350960"/>
+            <a:off x="609480" y="1604520"/>
+            <a:ext cx="10972440" cy="3977280"/>
           </a:xfrm>
           <a:prstGeom prst="rect">
             <a:avLst/>
@@ -2233,7 +2018,7 @@
             <a:spLocks noGrp="1"/>
           </p:cNvSpPr>
           <p:nvPr>
-            <p:ph type="ftr" idx="2"/>
+            <p:ph type="ftr" idx="1"/>
           </p:nvPr>
         </p:nvSpPr>
         <p:spPr/>
@@ -2253,14 +2038,14 @@
             <a:spLocks noGrp="1"/>
           </p:cNvSpPr>
           <p:nvPr>
-            <p:ph type="sldNum" idx="3"/>
+            <p:ph type="sldNum" idx="2"/>
           </p:nvPr>
         </p:nvSpPr>
         <p:spPr/>
         <p:txBody>
           <a:bodyPr/>
           <a:p>
-            <a:fld id="{6E0277F5-01D9-4928-9A45-CC8C584A3B31}" type="slidenum">
+            <a:fld id="{C026432C-9B71-476A-98C0-419A6675CC9C}" type="slidenum">
               <a:t>&lt;#&gt;</a:t>
             </a:fld>
           </a:p>
@@ -2273,7 +2058,7 @@
             <a:spLocks noGrp="1"/>
           </p:cNvSpPr>
           <p:nvPr>
-            <p:ph type="dt" idx="1"/>
+            <p:ph type="dt" idx="3"/>
           </p:nvPr>
         </p:nvSpPr>
         <p:spPr/>
@@ -2321,8 +2106,8 @@
         </p:nvSpPr>
         <p:spPr>
           <a:xfrm>
-            <a:off x="838080" y="365040"/>
-            <a:ext cx="10515240" cy="1325160"/>
+            <a:off x="609480" y="273600"/>
+            <a:ext cx="10972440" cy="1144800"/>
           </a:xfrm>
           <a:prstGeom prst="rect">
             <a:avLst/>
@@ -2337,11 +2122,11 @@
             <a:noAutofit/>
           </a:bodyPr>
           <a:p>
-            <a:endParaRPr b="0" lang="en-US" sz="1800" spc="-1" strike="noStrike">
-              <a:solidFill>
-                <a:srgbClr val="000000"/>
-              </a:solidFill>
-              <a:latin typeface="Calibri"/>
+            <a:pPr algn="ctr">
+              <a:buNone/>
+            </a:pPr>
+            <a:endParaRPr b="0" lang="en-IN" sz="4400" spc="-1" strike="noStrike">
+              <a:latin typeface="Arial"/>
             </a:endParaRPr>
           </a:p>
         </p:txBody>
@@ -2358,8 +2143,8 @@
         </p:nvSpPr>
         <p:spPr>
           <a:xfrm>
-            <a:off x="838080" y="1825560"/>
-            <a:ext cx="5131080" cy="4350960"/>
+            <a:off x="609480" y="1604520"/>
+            <a:ext cx="5354280" cy="3977280"/>
           </a:xfrm>
           <a:prstGeom prst="rect">
             <a:avLst/>
@@ -2374,20 +2159,8 @@
             <a:normAutofit/>
           </a:bodyPr>
           <a:p>
-            <a:pPr>
-              <a:lnSpc>
-                <a:spcPct val="90000"/>
-              </a:lnSpc>
-              <a:spcBef>
-                <a:spcPts val="1417"/>
-              </a:spcBef>
-              <a:buNone/>
-            </a:pPr>
-            <a:endParaRPr b="0" lang="en-US" sz="2800" spc="-1" strike="noStrike">
-              <a:solidFill>
-                <a:srgbClr val="000000"/>
-              </a:solidFill>
-              <a:latin typeface="Calibri"/>
+            <a:endParaRPr b="0" lang="en-IN" sz="3200" spc="-1" strike="noStrike">
+              <a:latin typeface="Arial"/>
             </a:endParaRPr>
           </a:p>
         </p:txBody>
@@ -2404,8 +2177,8 @@
         </p:nvSpPr>
         <p:spPr>
           <a:xfrm>
-            <a:off x="6226200" y="1825560"/>
-            <a:ext cx="5131080" cy="2075040"/>
+            <a:off x="6231960" y="1604520"/>
+            <a:ext cx="5354280" cy="1896840"/>
           </a:xfrm>
           <a:prstGeom prst="rect">
             <a:avLst/>
@@ -2420,20 +2193,8 @@
             <a:normAutofit/>
           </a:bodyPr>
           <a:p>
-            <a:pPr>
-              <a:lnSpc>
-                <a:spcPct val="90000"/>
-              </a:lnSpc>
-              <a:spcBef>
-                <a:spcPts val="1417"/>
-              </a:spcBef>
-              <a:buNone/>
-            </a:pPr>
-            <a:endParaRPr b="0" lang="en-US" sz="2800" spc="-1" strike="noStrike">
-              <a:solidFill>
-                <a:srgbClr val="000000"/>
-              </a:solidFill>
-              <a:latin typeface="Calibri"/>
+            <a:endParaRPr b="0" lang="en-IN" sz="3200" spc="-1" strike="noStrike">
+              <a:latin typeface="Arial"/>
             </a:endParaRPr>
           </a:p>
         </p:txBody>
@@ -2450,8 +2211,8 @@
         </p:nvSpPr>
         <p:spPr>
           <a:xfrm>
-            <a:off x="6226200" y="4098240"/>
-            <a:ext cx="5131080" cy="2075040"/>
+            <a:off x="6231960" y="3682080"/>
+            <a:ext cx="5354280" cy="1896840"/>
           </a:xfrm>
           <a:prstGeom prst="rect">
             <a:avLst/>
@@ -2466,20 +2227,8 @@
             <a:normAutofit/>
           </a:bodyPr>
           <a:p>
-            <a:pPr>
-              <a:lnSpc>
-                <a:spcPct val="90000"/>
-              </a:lnSpc>
-              <a:spcBef>
-                <a:spcPts val="1417"/>
-              </a:spcBef>
-              <a:buNone/>
-            </a:pPr>
-            <a:endParaRPr b="0" lang="en-US" sz="2800" spc="-1" strike="noStrike">
-              <a:solidFill>
-                <a:srgbClr val="000000"/>
-              </a:solidFill>
-              <a:latin typeface="Calibri"/>
+            <a:endParaRPr b="0" lang="en-IN" sz="3200" spc="-1" strike="noStrike">
+              <a:latin typeface="Arial"/>
             </a:endParaRPr>
           </a:p>
         </p:txBody>
@@ -2491,7 +2240,7 @@
             <a:spLocks noGrp="1"/>
           </p:cNvSpPr>
           <p:nvPr>
-            <p:ph type="ftr" idx="5"/>
+            <p:ph type="ftr" idx="4"/>
           </p:nvPr>
         </p:nvSpPr>
         <p:spPr/>
@@ -2511,14 +2260,14 @@
             <a:spLocks noGrp="1"/>
           </p:cNvSpPr>
           <p:nvPr>
-            <p:ph type="sldNum" idx="6"/>
+            <p:ph type="sldNum" idx="5"/>
           </p:nvPr>
         </p:nvSpPr>
         <p:spPr/>
         <p:txBody>
           <a:bodyPr/>
           <a:p>
-            <a:fld id="{CF5AA8CA-C81E-44C5-97C3-DF43C17014E3}" type="slidenum">
+            <a:fld id="{1ADB454D-5B5A-4371-B804-133C533C2755}" type="slidenum">
               <a:t>&lt;#&gt;</a:t>
             </a:fld>
           </a:p>
@@ -2531,7 +2280,7 @@
             <a:spLocks noGrp="1"/>
           </p:cNvSpPr>
           <p:nvPr>
-            <p:ph type="dt" idx="4"/>
+            <p:ph type="dt" idx="6"/>
           </p:nvPr>
         </p:nvSpPr>
         <p:spPr/>
@@ -2579,8 +2328,8 @@
         </p:nvSpPr>
         <p:spPr>
           <a:xfrm>
-            <a:off x="838080" y="365040"/>
-            <a:ext cx="10515240" cy="1325160"/>
+            <a:off x="609480" y="273600"/>
+            <a:ext cx="10972440" cy="1144800"/>
           </a:xfrm>
           <a:prstGeom prst="rect">
             <a:avLst/>
@@ -2595,11 +2344,11 @@
             <a:noAutofit/>
           </a:bodyPr>
           <a:p>
-            <a:endParaRPr b="0" lang="en-US" sz="1800" spc="-1" strike="noStrike">
-              <a:solidFill>
-                <a:srgbClr val="000000"/>
-              </a:solidFill>
-              <a:latin typeface="Calibri"/>
+            <a:pPr algn="ctr">
+              <a:buNone/>
+            </a:pPr>
+            <a:endParaRPr b="0" lang="en-IN" sz="4400" spc="-1" strike="noStrike">
+              <a:latin typeface="Arial"/>
             </a:endParaRPr>
           </a:p>
         </p:txBody>
@@ -2616,8 +2365,8 @@
         </p:nvSpPr>
         <p:spPr>
           <a:xfrm>
-            <a:off x="838080" y="1825560"/>
-            <a:ext cx="5131080" cy="2075040"/>
+            <a:off x="609480" y="1604520"/>
+            <a:ext cx="5354280" cy="1896840"/>
           </a:xfrm>
           <a:prstGeom prst="rect">
             <a:avLst/>
@@ -2632,20 +2381,8 @@
             <a:normAutofit/>
           </a:bodyPr>
           <a:p>
-            <a:pPr>
-              <a:lnSpc>
-                <a:spcPct val="90000"/>
-              </a:lnSpc>
-              <a:spcBef>
-                <a:spcPts val="1417"/>
-              </a:spcBef>
-              <a:buNone/>
-            </a:pPr>
-            <a:endParaRPr b="0" lang="en-US" sz="2800" spc="-1" strike="noStrike">
-              <a:solidFill>
-                <a:srgbClr val="000000"/>
-              </a:solidFill>
-              <a:latin typeface="Calibri"/>
+            <a:endParaRPr b="0" lang="en-IN" sz="3200" spc="-1" strike="noStrike">
+              <a:latin typeface="Arial"/>
             </a:endParaRPr>
           </a:p>
         </p:txBody>
@@ -2662,8 +2399,8 @@
         </p:nvSpPr>
         <p:spPr>
           <a:xfrm>
-            <a:off x="6226200" y="1825560"/>
-            <a:ext cx="5131080" cy="2075040"/>
+            <a:off x="6231960" y="1604520"/>
+            <a:ext cx="5354280" cy="1896840"/>
           </a:xfrm>
           <a:prstGeom prst="rect">
             <a:avLst/>
@@ -2678,20 +2415,8 @@
             <a:normAutofit/>
           </a:bodyPr>
           <a:p>
-            <a:pPr>
-              <a:lnSpc>
-                <a:spcPct val="90000"/>
-              </a:lnSpc>
-              <a:spcBef>
-                <a:spcPts val="1417"/>
-              </a:spcBef>
-              <a:buNone/>
-            </a:pPr>
-            <a:endParaRPr b="0" lang="en-US" sz="2800" spc="-1" strike="noStrike">
-              <a:solidFill>
-                <a:srgbClr val="000000"/>
-              </a:solidFill>
-              <a:latin typeface="Calibri"/>
+            <a:endParaRPr b="0" lang="en-IN" sz="3200" spc="-1" strike="noStrike">
+              <a:latin typeface="Arial"/>
             </a:endParaRPr>
           </a:p>
         </p:txBody>
@@ -2708,8 +2433,8 @@
         </p:nvSpPr>
         <p:spPr>
           <a:xfrm>
-            <a:off x="838080" y="4098240"/>
-            <a:ext cx="10515240" cy="2075040"/>
+            <a:off x="609480" y="3682080"/>
+            <a:ext cx="10972440" cy="1896840"/>
           </a:xfrm>
           <a:prstGeom prst="rect">
             <a:avLst/>
@@ -2724,20 +2449,8 @@
             <a:normAutofit/>
           </a:bodyPr>
           <a:p>
-            <a:pPr>
-              <a:lnSpc>
-                <a:spcPct val="90000"/>
-              </a:lnSpc>
-              <a:spcBef>
-                <a:spcPts val="1417"/>
-              </a:spcBef>
-              <a:buNone/>
-            </a:pPr>
-            <a:endParaRPr b="0" lang="en-US" sz="2800" spc="-1" strike="noStrike">
-              <a:solidFill>
-                <a:srgbClr val="000000"/>
-              </a:solidFill>
-              <a:latin typeface="Calibri"/>
+            <a:endParaRPr b="0" lang="en-IN" sz="3200" spc="-1" strike="noStrike">
+              <a:latin typeface="Arial"/>
             </a:endParaRPr>
           </a:p>
         </p:txBody>
@@ -2749,7 +2462,7 @@
             <a:spLocks noGrp="1"/>
           </p:cNvSpPr>
           <p:nvPr>
-            <p:ph type="ftr" idx="5"/>
+            <p:ph type="ftr" idx="4"/>
           </p:nvPr>
         </p:nvSpPr>
         <p:spPr/>
@@ -2769,14 +2482,14 @@
             <a:spLocks noGrp="1"/>
           </p:cNvSpPr>
           <p:nvPr>
-            <p:ph type="sldNum" idx="6"/>
+            <p:ph type="sldNum" idx="5"/>
           </p:nvPr>
         </p:nvSpPr>
         <p:spPr/>
         <p:txBody>
           <a:bodyPr/>
           <a:p>
-            <a:fld id="{EB5C90AD-2B50-48E7-982A-D28DB332D97F}" type="slidenum">
+            <a:fld id="{6B486266-9E8E-484C-9934-C4A25821C6BD}" type="slidenum">
               <a:t>&lt;#&gt;</a:t>
             </a:fld>
           </a:p>
@@ -2789,7 +2502,7 @@
             <a:spLocks noGrp="1"/>
           </p:cNvSpPr>
           <p:nvPr>
-            <p:ph type="dt" idx="4"/>
+            <p:ph type="dt" idx="6"/>
           </p:nvPr>
         </p:nvSpPr>
         <p:spPr/>
@@ -2837,8 +2550,8 @@
         </p:nvSpPr>
         <p:spPr>
           <a:xfrm>
-            <a:off x="838080" y="365040"/>
-            <a:ext cx="10515240" cy="1325160"/>
+            <a:off x="609480" y="273600"/>
+            <a:ext cx="10972440" cy="1144800"/>
           </a:xfrm>
           <a:prstGeom prst="rect">
             <a:avLst/>
@@ -2853,11 +2566,11 @@
             <a:noAutofit/>
           </a:bodyPr>
           <a:p>
-            <a:endParaRPr b="0" lang="en-US" sz="1800" spc="-1" strike="noStrike">
-              <a:solidFill>
-                <a:srgbClr val="000000"/>
-              </a:solidFill>
-              <a:latin typeface="Calibri"/>
+            <a:pPr algn="ctr">
+              <a:buNone/>
+            </a:pPr>
+            <a:endParaRPr b="0" lang="en-IN" sz="4400" spc="-1" strike="noStrike">
+              <a:latin typeface="Arial"/>
             </a:endParaRPr>
           </a:p>
         </p:txBody>
@@ -2874,8 +2587,8 @@
         </p:nvSpPr>
         <p:spPr>
           <a:xfrm>
-            <a:off x="838080" y="1825560"/>
-            <a:ext cx="10515240" cy="2075040"/>
+            <a:off x="609480" y="1604520"/>
+            <a:ext cx="10972440" cy="1896840"/>
           </a:xfrm>
           <a:prstGeom prst="rect">
             <a:avLst/>
@@ -2890,20 +2603,8 @@
             <a:normAutofit/>
           </a:bodyPr>
           <a:p>
-            <a:pPr>
-              <a:lnSpc>
-                <a:spcPct val="90000"/>
-              </a:lnSpc>
-              <a:spcBef>
-                <a:spcPts val="1417"/>
-              </a:spcBef>
-              <a:buNone/>
-            </a:pPr>
-            <a:endParaRPr b="0" lang="en-US" sz="2800" spc="-1" strike="noStrike">
-              <a:solidFill>
-                <a:srgbClr val="000000"/>
-              </a:solidFill>
-              <a:latin typeface="Calibri"/>
+            <a:endParaRPr b="0" lang="en-IN" sz="3200" spc="-1" strike="noStrike">
+              <a:latin typeface="Arial"/>
             </a:endParaRPr>
           </a:p>
         </p:txBody>
@@ -2920,8 +2621,8 @@
         </p:nvSpPr>
         <p:spPr>
           <a:xfrm>
-            <a:off x="838080" y="4098240"/>
-            <a:ext cx="10515240" cy="2075040"/>
+            <a:off x="609480" y="3682080"/>
+            <a:ext cx="10972440" cy="1896840"/>
           </a:xfrm>
           <a:prstGeom prst="rect">
             <a:avLst/>
@@ -2936,20 +2637,8 @@
             <a:normAutofit/>
           </a:bodyPr>
           <a:p>
-            <a:pPr>
-              <a:lnSpc>
-                <a:spcPct val="90000"/>
-              </a:lnSpc>
-              <a:spcBef>
-                <a:spcPts val="1417"/>
-              </a:spcBef>
-              <a:buNone/>
-            </a:pPr>
-            <a:endParaRPr b="0" lang="en-US" sz="2800" spc="-1" strike="noStrike">
-              <a:solidFill>
-                <a:srgbClr val="000000"/>
-              </a:solidFill>
-              <a:latin typeface="Calibri"/>
+            <a:endParaRPr b="0" lang="en-IN" sz="3200" spc="-1" strike="noStrike">
+              <a:latin typeface="Arial"/>
             </a:endParaRPr>
           </a:p>
         </p:txBody>
@@ -2961,7 +2650,7 @@
             <a:spLocks noGrp="1"/>
           </p:cNvSpPr>
           <p:nvPr>
-            <p:ph type="ftr" idx="5"/>
+            <p:ph type="ftr" idx="4"/>
           </p:nvPr>
         </p:nvSpPr>
         <p:spPr/>
@@ -2981,14 +2670,14 @@
             <a:spLocks noGrp="1"/>
           </p:cNvSpPr>
           <p:nvPr>
-            <p:ph type="sldNum" idx="6"/>
+            <p:ph type="sldNum" idx="5"/>
           </p:nvPr>
         </p:nvSpPr>
         <p:spPr/>
         <p:txBody>
           <a:bodyPr/>
           <a:p>
-            <a:fld id="{1AF12DA8-3937-40C3-9420-ED65CBE957AE}" type="slidenum">
+            <a:fld id="{955923E0-833C-4D20-B679-910B2CCBBF1C}" type="slidenum">
               <a:t>&lt;#&gt;</a:t>
             </a:fld>
           </a:p>
@@ -3001,7 +2690,7 @@
             <a:spLocks noGrp="1"/>
           </p:cNvSpPr>
           <p:nvPr>
-            <p:ph type="dt" idx="4"/>
+            <p:ph type="dt" idx="6"/>
           </p:nvPr>
         </p:nvSpPr>
         <p:spPr/>
@@ -3049,8 +2738,8 @@
         </p:nvSpPr>
         <p:spPr>
           <a:xfrm>
-            <a:off x="838080" y="365040"/>
-            <a:ext cx="10515240" cy="1325160"/>
+            <a:off x="609480" y="273600"/>
+            <a:ext cx="10972440" cy="1144800"/>
           </a:xfrm>
           <a:prstGeom prst="rect">
             <a:avLst/>
@@ -3065,11 +2754,11 @@
             <a:noAutofit/>
           </a:bodyPr>
           <a:p>
-            <a:endParaRPr b="0" lang="en-US" sz="1800" spc="-1" strike="noStrike">
-              <a:solidFill>
-                <a:srgbClr val="000000"/>
-              </a:solidFill>
-              <a:latin typeface="Calibri"/>
+            <a:pPr algn="ctr">
+              <a:buNone/>
+            </a:pPr>
+            <a:endParaRPr b="0" lang="en-IN" sz="4400" spc="-1" strike="noStrike">
+              <a:latin typeface="Arial"/>
             </a:endParaRPr>
           </a:p>
         </p:txBody>
@@ -3086,8 +2775,8 @@
         </p:nvSpPr>
         <p:spPr>
           <a:xfrm>
-            <a:off x="838080" y="1825560"/>
-            <a:ext cx="5131080" cy="2075040"/>
+            <a:off x="609480" y="1604520"/>
+            <a:ext cx="5354280" cy="1896840"/>
           </a:xfrm>
           <a:prstGeom prst="rect">
             <a:avLst/>
@@ -3102,20 +2791,8 @@
             <a:normAutofit/>
           </a:bodyPr>
           <a:p>
-            <a:pPr>
-              <a:lnSpc>
-                <a:spcPct val="90000"/>
-              </a:lnSpc>
-              <a:spcBef>
-                <a:spcPts val="1417"/>
-              </a:spcBef>
-              <a:buNone/>
-            </a:pPr>
-            <a:endParaRPr b="0" lang="en-US" sz="2800" spc="-1" strike="noStrike">
-              <a:solidFill>
-                <a:srgbClr val="000000"/>
-              </a:solidFill>
-              <a:latin typeface="Calibri"/>
+            <a:endParaRPr b="0" lang="en-IN" sz="3200" spc="-1" strike="noStrike">
+              <a:latin typeface="Arial"/>
             </a:endParaRPr>
           </a:p>
         </p:txBody>
@@ -3132,8 +2809,8 @@
         </p:nvSpPr>
         <p:spPr>
           <a:xfrm>
-            <a:off x="6226200" y="1825560"/>
-            <a:ext cx="5131080" cy="2075040"/>
+            <a:off x="6231960" y="1604520"/>
+            <a:ext cx="5354280" cy="1896840"/>
           </a:xfrm>
           <a:prstGeom prst="rect">
             <a:avLst/>
@@ -3148,20 +2825,8 @@
             <a:normAutofit/>
           </a:bodyPr>
           <a:p>
-            <a:pPr>
-              <a:lnSpc>
-                <a:spcPct val="90000"/>
-              </a:lnSpc>
-              <a:spcBef>
-                <a:spcPts val="1417"/>
-              </a:spcBef>
-              <a:buNone/>
-            </a:pPr>
-            <a:endParaRPr b="0" lang="en-US" sz="2800" spc="-1" strike="noStrike">
-              <a:solidFill>
-                <a:srgbClr val="000000"/>
-              </a:solidFill>
-              <a:latin typeface="Calibri"/>
+            <a:endParaRPr b="0" lang="en-IN" sz="3200" spc="-1" strike="noStrike">
+              <a:latin typeface="Arial"/>
             </a:endParaRPr>
           </a:p>
         </p:txBody>
@@ -3178,8 +2843,8 @@
         </p:nvSpPr>
         <p:spPr>
           <a:xfrm>
-            <a:off x="838080" y="4098240"/>
-            <a:ext cx="5131080" cy="2075040"/>
+            <a:off x="609480" y="3682080"/>
+            <a:ext cx="5354280" cy="1896840"/>
           </a:xfrm>
           <a:prstGeom prst="rect">
             <a:avLst/>
@@ -3194,20 +2859,8 @@
             <a:normAutofit/>
           </a:bodyPr>
           <a:p>
-            <a:pPr>
-              <a:lnSpc>
-                <a:spcPct val="90000"/>
-              </a:lnSpc>
-              <a:spcBef>
-                <a:spcPts val="1417"/>
-              </a:spcBef>
-              <a:buNone/>
-            </a:pPr>
-            <a:endParaRPr b="0" lang="en-US" sz="2800" spc="-1" strike="noStrike">
-              <a:solidFill>
-                <a:srgbClr val="000000"/>
-              </a:solidFill>
-              <a:latin typeface="Calibri"/>
+            <a:endParaRPr b="0" lang="en-IN" sz="3200" spc="-1" strike="noStrike">
+              <a:latin typeface="Arial"/>
             </a:endParaRPr>
           </a:p>
         </p:txBody>
@@ -3224,8 +2877,8 @@
         </p:nvSpPr>
         <p:spPr>
           <a:xfrm>
-            <a:off x="6226200" y="4098240"/>
-            <a:ext cx="5131080" cy="2075040"/>
+            <a:off x="6231960" y="3682080"/>
+            <a:ext cx="5354280" cy="1896840"/>
           </a:xfrm>
           <a:prstGeom prst="rect">
             <a:avLst/>
@@ -3240,20 +2893,8 @@
             <a:normAutofit/>
           </a:bodyPr>
           <a:p>
-            <a:pPr>
-              <a:lnSpc>
-                <a:spcPct val="90000"/>
-              </a:lnSpc>
-              <a:spcBef>
-                <a:spcPts val="1417"/>
-              </a:spcBef>
-              <a:buNone/>
-            </a:pPr>
-            <a:endParaRPr b="0" lang="en-US" sz="2800" spc="-1" strike="noStrike">
-              <a:solidFill>
-                <a:srgbClr val="000000"/>
-              </a:solidFill>
-              <a:latin typeface="Calibri"/>
+            <a:endParaRPr b="0" lang="en-IN" sz="3200" spc="-1" strike="noStrike">
+              <a:latin typeface="Arial"/>
             </a:endParaRPr>
           </a:p>
         </p:txBody>
@@ -3265,7 +2906,7 @@
             <a:spLocks noGrp="1"/>
           </p:cNvSpPr>
           <p:nvPr>
-            <p:ph type="ftr" idx="5"/>
+            <p:ph type="ftr" idx="4"/>
           </p:nvPr>
         </p:nvSpPr>
         <p:spPr/>
@@ -3285,14 +2926,14 @@
             <a:spLocks noGrp="1"/>
           </p:cNvSpPr>
           <p:nvPr>
-            <p:ph type="sldNum" idx="6"/>
+            <p:ph type="sldNum" idx="5"/>
           </p:nvPr>
         </p:nvSpPr>
         <p:spPr/>
         <p:txBody>
           <a:bodyPr/>
           <a:p>
-            <a:fld id="{E8601CE5-555D-4184-B487-06D812214AA2}" type="slidenum">
+            <a:fld id="{1AB8AFD5-59A6-48DB-80C6-1899E9D28CF8}" type="slidenum">
               <a:t>&lt;#&gt;</a:t>
             </a:fld>
           </a:p>
@@ -3305,7 +2946,7 @@
             <a:spLocks noGrp="1"/>
           </p:cNvSpPr>
           <p:nvPr>
-            <p:ph type="dt" idx="4"/>
+            <p:ph type="dt" idx="6"/>
           </p:nvPr>
         </p:nvSpPr>
         <p:spPr/>
@@ -3353,8 +2994,8 @@
         </p:nvSpPr>
         <p:spPr>
           <a:xfrm>
-            <a:off x="838080" y="365040"/>
-            <a:ext cx="10515240" cy="1325160"/>
+            <a:off x="609480" y="273600"/>
+            <a:ext cx="10972440" cy="1144800"/>
           </a:xfrm>
           <a:prstGeom prst="rect">
             <a:avLst/>
@@ -3369,11 +3010,11 @@
             <a:noAutofit/>
           </a:bodyPr>
           <a:p>
-            <a:endParaRPr b="0" lang="en-US" sz="1800" spc="-1" strike="noStrike">
-              <a:solidFill>
-                <a:srgbClr val="000000"/>
-              </a:solidFill>
-              <a:latin typeface="Calibri"/>
+            <a:pPr algn="ctr">
+              <a:buNone/>
+            </a:pPr>
+            <a:endParaRPr b="0" lang="en-IN" sz="4400" spc="-1" strike="noStrike">
+              <a:latin typeface="Arial"/>
             </a:endParaRPr>
           </a:p>
         </p:txBody>
@@ -3390,8 +3031,8 @@
         </p:nvSpPr>
         <p:spPr>
           <a:xfrm>
-            <a:off x="838080" y="1825560"/>
-            <a:ext cx="3385800" cy="2075040"/>
+            <a:off x="609480" y="1604520"/>
+            <a:ext cx="3533040" cy="1896840"/>
           </a:xfrm>
           <a:prstGeom prst="rect">
             <a:avLst/>
@@ -3406,20 +3047,8 @@
             <a:normAutofit/>
           </a:bodyPr>
           <a:p>
-            <a:pPr>
-              <a:lnSpc>
-                <a:spcPct val="90000"/>
-              </a:lnSpc>
-              <a:spcBef>
-                <a:spcPts val="1417"/>
-              </a:spcBef>
-              <a:buNone/>
-            </a:pPr>
-            <a:endParaRPr b="0" lang="en-US" sz="2800" spc="-1" strike="noStrike">
-              <a:solidFill>
-                <a:srgbClr val="000000"/>
-              </a:solidFill>
-              <a:latin typeface="Calibri"/>
+            <a:endParaRPr b="0" lang="en-IN" sz="3200" spc="-1" strike="noStrike">
+              <a:latin typeface="Arial"/>
             </a:endParaRPr>
           </a:p>
         </p:txBody>
@@ -3436,8 +3065,8 @@
         </p:nvSpPr>
         <p:spPr>
           <a:xfrm>
-            <a:off x="4393440" y="1825560"/>
-            <a:ext cx="3385800" cy="2075040"/>
+            <a:off x="4319640" y="1604520"/>
+            <a:ext cx="3533040" cy="1896840"/>
           </a:xfrm>
           <a:prstGeom prst="rect">
             <a:avLst/>
@@ -3452,20 +3081,8 @@
             <a:normAutofit/>
           </a:bodyPr>
           <a:p>
-            <a:pPr>
-              <a:lnSpc>
-                <a:spcPct val="90000"/>
-              </a:lnSpc>
-              <a:spcBef>
-                <a:spcPts val="1417"/>
-              </a:spcBef>
-              <a:buNone/>
-            </a:pPr>
-            <a:endParaRPr b="0" lang="en-US" sz="2800" spc="-1" strike="noStrike">
-              <a:solidFill>
-                <a:srgbClr val="000000"/>
-              </a:solidFill>
-              <a:latin typeface="Calibri"/>
+            <a:endParaRPr b="0" lang="en-IN" sz="3200" spc="-1" strike="noStrike">
+              <a:latin typeface="Arial"/>
             </a:endParaRPr>
           </a:p>
         </p:txBody>
@@ -3482,8 +3099,8 @@
         </p:nvSpPr>
         <p:spPr>
           <a:xfrm>
-            <a:off x="7949160" y="1825560"/>
-            <a:ext cx="3385800" cy="2075040"/>
+            <a:off x="8029800" y="1604520"/>
+            <a:ext cx="3533040" cy="1896840"/>
           </a:xfrm>
           <a:prstGeom prst="rect">
             <a:avLst/>
@@ -3498,20 +3115,8 @@
             <a:normAutofit/>
           </a:bodyPr>
           <a:p>
-            <a:pPr>
-              <a:lnSpc>
-                <a:spcPct val="90000"/>
-              </a:lnSpc>
-              <a:spcBef>
-                <a:spcPts val="1417"/>
-              </a:spcBef>
-              <a:buNone/>
-            </a:pPr>
-            <a:endParaRPr b="0" lang="en-US" sz="2800" spc="-1" strike="noStrike">
-              <a:solidFill>
-                <a:srgbClr val="000000"/>
-              </a:solidFill>
-              <a:latin typeface="Calibri"/>
+            <a:endParaRPr b="0" lang="en-IN" sz="3200" spc="-1" strike="noStrike">
+              <a:latin typeface="Arial"/>
             </a:endParaRPr>
           </a:p>
         </p:txBody>
@@ -3528,8 +3133,8 @@
         </p:nvSpPr>
         <p:spPr>
           <a:xfrm>
-            <a:off x="838080" y="4098240"/>
-            <a:ext cx="3385800" cy="2075040"/>
+            <a:off x="609480" y="3682080"/>
+            <a:ext cx="3533040" cy="1896840"/>
           </a:xfrm>
           <a:prstGeom prst="rect">
             <a:avLst/>
@@ -3544,20 +3149,8 @@
             <a:normAutofit/>
           </a:bodyPr>
           <a:p>
-            <a:pPr>
-              <a:lnSpc>
-                <a:spcPct val="90000"/>
-              </a:lnSpc>
-              <a:spcBef>
-                <a:spcPts val="1417"/>
-              </a:spcBef>
-              <a:buNone/>
-            </a:pPr>
-            <a:endParaRPr b="0" lang="en-US" sz="2800" spc="-1" strike="noStrike">
-              <a:solidFill>
-                <a:srgbClr val="000000"/>
-              </a:solidFill>
-              <a:latin typeface="Calibri"/>
+            <a:endParaRPr b="0" lang="en-IN" sz="3200" spc="-1" strike="noStrike">
+              <a:latin typeface="Arial"/>
             </a:endParaRPr>
           </a:p>
         </p:txBody>
@@ -3574,8 +3167,8 @@
         </p:nvSpPr>
         <p:spPr>
           <a:xfrm>
-            <a:off x="4393440" y="4098240"/>
-            <a:ext cx="3385800" cy="2075040"/>
+            <a:off x="4319640" y="3682080"/>
+            <a:ext cx="3533040" cy="1896840"/>
           </a:xfrm>
           <a:prstGeom prst="rect">
             <a:avLst/>
@@ -3590,20 +3183,8 @@
             <a:normAutofit/>
           </a:bodyPr>
           <a:p>
-            <a:pPr>
-              <a:lnSpc>
-                <a:spcPct val="90000"/>
-              </a:lnSpc>
-              <a:spcBef>
-                <a:spcPts val="1417"/>
-              </a:spcBef>
-              <a:buNone/>
-            </a:pPr>
-            <a:endParaRPr b="0" lang="en-US" sz="2800" spc="-1" strike="noStrike">
-              <a:solidFill>
-                <a:srgbClr val="000000"/>
-              </a:solidFill>
-              <a:latin typeface="Calibri"/>
+            <a:endParaRPr b="0" lang="en-IN" sz="3200" spc="-1" strike="noStrike">
+              <a:latin typeface="Arial"/>
             </a:endParaRPr>
           </a:p>
         </p:txBody>
@@ -3620,8 +3201,8 @@
         </p:nvSpPr>
         <p:spPr>
           <a:xfrm>
-            <a:off x="7949160" y="4098240"/>
-            <a:ext cx="3385800" cy="2075040"/>
+            <a:off x="8029800" y="3682080"/>
+            <a:ext cx="3533040" cy="1896840"/>
           </a:xfrm>
           <a:prstGeom prst="rect">
             <a:avLst/>
@@ -3636,20 +3217,8 @@
             <a:normAutofit/>
           </a:bodyPr>
           <a:p>
-            <a:pPr>
-              <a:lnSpc>
-                <a:spcPct val="90000"/>
-              </a:lnSpc>
-              <a:spcBef>
-                <a:spcPts val="1417"/>
-              </a:spcBef>
-              <a:buNone/>
-            </a:pPr>
-            <a:endParaRPr b="0" lang="en-US" sz="2800" spc="-1" strike="noStrike">
-              <a:solidFill>
-                <a:srgbClr val="000000"/>
-              </a:solidFill>
-              <a:latin typeface="Calibri"/>
+            <a:endParaRPr b="0" lang="en-IN" sz="3200" spc="-1" strike="noStrike">
+              <a:latin typeface="Arial"/>
             </a:endParaRPr>
           </a:p>
         </p:txBody>
@@ -3661,7 +3230,7 @@
             <a:spLocks noGrp="1"/>
           </p:cNvSpPr>
           <p:nvPr>
-            <p:ph type="ftr" idx="5"/>
+            <p:ph type="ftr" idx="4"/>
           </p:nvPr>
         </p:nvSpPr>
         <p:spPr/>
@@ -3681,14 +3250,14 @@
             <a:spLocks noGrp="1"/>
           </p:cNvSpPr>
           <p:nvPr>
-            <p:ph type="sldNum" idx="6"/>
+            <p:ph type="sldNum" idx="5"/>
           </p:nvPr>
         </p:nvSpPr>
         <p:spPr/>
         <p:txBody>
           <a:bodyPr/>
           <a:p>
-            <a:fld id="{1C81FEB3-CB07-4175-9662-4DE95596389A}" type="slidenum">
+            <a:fld id="{1054FDD9-424D-47FD-BF63-ED0FFB939BEC}" type="slidenum">
               <a:t>&lt;#&gt;</a:t>
             </a:fld>
           </a:p>
@@ -3701,7 +3270,7 @@
             <a:spLocks noGrp="1"/>
           </p:cNvSpPr>
           <p:nvPr>
-            <p:ph type="dt" idx="4"/>
+            <p:ph type="dt" idx="6"/>
           </p:nvPr>
         </p:nvSpPr>
         <p:spPr/>
@@ -3749,8 +3318,8 @@
         </p:nvSpPr>
         <p:spPr>
           <a:xfrm>
-            <a:off x="838080" y="365040"/>
-            <a:ext cx="10515240" cy="1325160"/>
+            <a:off x="609480" y="273600"/>
+            <a:ext cx="10972440" cy="1144800"/>
           </a:xfrm>
           <a:prstGeom prst="rect">
             <a:avLst/>
@@ -3765,11 +3334,11 @@
             <a:noAutofit/>
           </a:bodyPr>
           <a:p>
-            <a:endParaRPr b="0" lang="en-US" sz="1800" spc="-1" strike="noStrike">
-              <a:solidFill>
-                <a:srgbClr val="000000"/>
-              </a:solidFill>
-              <a:latin typeface="Calibri"/>
+            <a:pPr algn="ctr">
+              <a:buNone/>
+            </a:pPr>
+            <a:endParaRPr b="0" lang="en-IN" sz="4400" spc="-1" strike="noStrike">
+              <a:latin typeface="Arial"/>
             </a:endParaRPr>
           </a:p>
         </p:txBody>
@@ -3786,8 +3355,8 @@
         </p:nvSpPr>
         <p:spPr>
           <a:xfrm>
-            <a:off x="838080" y="1825560"/>
-            <a:ext cx="10515240" cy="4350960"/>
+            <a:off x="609480" y="1604520"/>
+            <a:ext cx="10972440" cy="3977280"/>
           </a:xfrm>
           <a:prstGeom prst="rect">
             <a:avLst/>
@@ -3802,20 +3371,8 @@
             <a:normAutofit/>
           </a:bodyPr>
           <a:p>
-            <a:pPr>
-              <a:lnSpc>
-                <a:spcPct val="90000"/>
-              </a:lnSpc>
-              <a:spcBef>
-                <a:spcPts val="1417"/>
-              </a:spcBef>
-              <a:buNone/>
-            </a:pPr>
-            <a:endParaRPr b="0" lang="en-US" sz="2800" spc="-1" strike="noStrike">
-              <a:solidFill>
-                <a:srgbClr val="000000"/>
-              </a:solidFill>
-              <a:latin typeface="Calibri"/>
+            <a:endParaRPr b="0" lang="en-IN" sz="3200" spc="-1" strike="noStrike">
+              <a:latin typeface="Arial"/>
             </a:endParaRPr>
           </a:p>
         </p:txBody>
@@ -3827,7 +3384,7 @@
             <a:spLocks noGrp="1"/>
           </p:cNvSpPr>
           <p:nvPr>
-            <p:ph type="ftr" idx="2"/>
+            <p:ph type="ftr" idx="1"/>
           </p:nvPr>
         </p:nvSpPr>
         <p:spPr/>
@@ -3847,14 +3404,14 @@
             <a:spLocks noGrp="1"/>
           </p:cNvSpPr>
           <p:nvPr>
-            <p:ph type="sldNum" idx="3"/>
+            <p:ph type="sldNum" idx="2"/>
           </p:nvPr>
         </p:nvSpPr>
         <p:spPr/>
         <p:txBody>
           <a:bodyPr/>
           <a:p>
-            <a:fld id="{22D0AAD9-2483-4842-B7D4-1EABFFDFAC30}" type="slidenum">
+            <a:fld id="{FBC8AFB3-C0F7-4DE5-9C8B-C94F29142DD5}" type="slidenum">
               <a:t>&lt;#&gt;</a:t>
             </a:fld>
           </a:p>
@@ -3867,7 +3424,7 @@
             <a:spLocks noGrp="1"/>
           </p:cNvSpPr>
           <p:nvPr>
-            <p:ph type="dt" idx="1"/>
+            <p:ph type="dt" idx="3"/>
           </p:nvPr>
         </p:nvSpPr>
         <p:spPr/>
@@ -3915,8 +3472,8 @@
         </p:nvSpPr>
         <p:spPr>
           <a:xfrm>
-            <a:off x="838080" y="365040"/>
-            <a:ext cx="10515240" cy="1325160"/>
+            <a:off x="609480" y="273600"/>
+            <a:ext cx="10972440" cy="1144800"/>
           </a:xfrm>
           <a:prstGeom prst="rect">
             <a:avLst/>
@@ -3931,11 +3488,11 @@
             <a:noAutofit/>
           </a:bodyPr>
           <a:p>
-            <a:endParaRPr b="0" lang="en-US" sz="1800" spc="-1" strike="noStrike">
-              <a:solidFill>
-                <a:srgbClr val="000000"/>
-              </a:solidFill>
-              <a:latin typeface="Calibri"/>
+            <a:pPr algn="ctr">
+              <a:buNone/>
+            </a:pPr>
+            <a:endParaRPr b="0" lang="en-IN" sz="4400" spc="-1" strike="noStrike">
+              <a:latin typeface="Arial"/>
             </a:endParaRPr>
           </a:p>
         </p:txBody>
@@ -3952,8 +3509,8 @@
         </p:nvSpPr>
         <p:spPr>
           <a:xfrm>
-            <a:off x="838080" y="1825560"/>
-            <a:ext cx="5131080" cy="4350960"/>
+            <a:off x="609480" y="1604520"/>
+            <a:ext cx="5354280" cy="3977280"/>
           </a:xfrm>
           <a:prstGeom prst="rect">
             <a:avLst/>
@@ -3968,20 +3525,8 @@
             <a:normAutofit/>
           </a:bodyPr>
           <a:p>
-            <a:pPr>
-              <a:lnSpc>
-                <a:spcPct val="90000"/>
-              </a:lnSpc>
-              <a:spcBef>
-                <a:spcPts val="1417"/>
-              </a:spcBef>
-              <a:buNone/>
-            </a:pPr>
-            <a:endParaRPr b="0" lang="en-US" sz="2800" spc="-1" strike="noStrike">
-              <a:solidFill>
-                <a:srgbClr val="000000"/>
-              </a:solidFill>
-              <a:latin typeface="Calibri"/>
+            <a:endParaRPr b="0" lang="en-IN" sz="3200" spc="-1" strike="noStrike">
+              <a:latin typeface="Arial"/>
             </a:endParaRPr>
           </a:p>
         </p:txBody>
@@ -3998,8 +3543,8 @@
         </p:nvSpPr>
         <p:spPr>
           <a:xfrm>
-            <a:off x="6226200" y="1825560"/>
-            <a:ext cx="5131080" cy="4350960"/>
+            <a:off x="6231960" y="1604520"/>
+            <a:ext cx="5354280" cy="3977280"/>
           </a:xfrm>
           <a:prstGeom prst="rect">
             <a:avLst/>
@@ -4014,20 +3559,8 @@
             <a:normAutofit/>
           </a:bodyPr>
           <a:p>
-            <a:pPr>
-              <a:lnSpc>
-                <a:spcPct val="90000"/>
-              </a:lnSpc>
-              <a:spcBef>
-                <a:spcPts val="1417"/>
-              </a:spcBef>
-              <a:buNone/>
-            </a:pPr>
-            <a:endParaRPr b="0" lang="en-US" sz="2800" spc="-1" strike="noStrike">
-              <a:solidFill>
-                <a:srgbClr val="000000"/>
-              </a:solidFill>
-              <a:latin typeface="Calibri"/>
+            <a:endParaRPr b="0" lang="en-IN" sz="3200" spc="-1" strike="noStrike">
+              <a:latin typeface="Arial"/>
             </a:endParaRPr>
           </a:p>
         </p:txBody>
@@ -4039,7 +3572,7 @@
             <a:spLocks noGrp="1"/>
           </p:cNvSpPr>
           <p:nvPr>
-            <p:ph type="ftr" idx="2"/>
+            <p:ph type="ftr" idx="1"/>
           </p:nvPr>
         </p:nvSpPr>
         <p:spPr/>
@@ -4059,14 +3592,14 @@
             <a:spLocks noGrp="1"/>
           </p:cNvSpPr>
           <p:nvPr>
-            <p:ph type="sldNum" idx="3"/>
+            <p:ph type="sldNum" idx="2"/>
           </p:nvPr>
         </p:nvSpPr>
         <p:spPr/>
         <p:txBody>
           <a:bodyPr/>
           <a:p>
-            <a:fld id="{C35CC6F8-E6ED-462A-8D7B-DA52B1D4A15E}" type="slidenum">
+            <a:fld id="{8A3127A7-ADED-4CE2-A5EF-3F350B740BC7}" type="slidenum">
               <a:t>&lt;#&gt;</a:t>
             </a:fld>
           </a:p>
@@ -4079,7 +3612,7 @@
             <a:spLocks noGrp="1"/>
           </p:cNvSpPr>
           <p:nvPr>
-            <p:ph type="dt" idx="1"/>
+            <p:ph type="dt" idx="3"/>
           </p:nvPr>
         </p:nvSpPr>
         <p:spPr/>
@@ -4127,8 +3660,8 @@
         </p:nvSpPr>
         <p:spPr>
           <a:xfrm>
-            <a:off x="838080" y="365040"/>
-            <a:ext cx="10515240" cy="1325160"/>
+            <a:off x="609480" y="273600"/>
+            <a:ext cx="10972440" cy="1144800"/>
           </a:xfrm>
           <a:prstGeom prst="rect">
             <a:avLst/>
@@ -4143,11 +3676,11 @@
             <a:noAutofit/>
           </a:bodyPr>
           <a:p>
-            <a:endParaRPr b="0" lang="en-US" sz="1800" spc="-1" strike="noStrike">
-              <a:solidFill>
-                <a:srgbClr val="000000"/>
-              </a:solidFill>
-              <a:latin typeface="Calibri"/>
+            <a:pPr algn="ctr">
+              <a:buNone/>
+            </a:pPr>
+            <a:endParaRPr b="0" lang="en-IN" sz="4400" spc="-1" strike="noStrike">
+              <a:latin typeface="Arial"/>
             </a:endParaRPr>
           </a:p>
         </p:txBody>
@@ -4159,7 +3692,7 @@
             <a:spLocks noGrp="1"/>
           </p:cNvSpPr>
           <p:nvPr>
-            <p:ph type="ftr" idx="2"/>
+            <p:ph type="ftr" idx="1"/>
           </p:nvPr>
         </p:nvSpPr>
         <p:spPr/>
@@ -4179,14 +3712,14 @@
             <a:spLocks noGrp="1"/>
           </p:cNvSpPr>
           <p:nvPr>
-            <p:ph type="sldNum" idx="3"/>
+            <p:ph type="sldNum" idx="2"/>
           </p:nvPr>
         </p:nvSpPr>
         <p:spPr/>
         <p:txBody>
           <a:bodyPr/>
           <a:p>
-            <a:fld id="{E135BE77-F78F-4AB8-8BDE-392DA61556ED}" type="slidenum">
+            <a:fld id="{876A3EE6-5593-4E2D-837D-53136EC08563}" type="slidenum">
               <a:t>&lt;#&gt;</a:t>
             </a:fld>
           </a:p>
@@ -4199,7 +3732,7 @@
             <a:spLocks noGrp="1"/>
           </p:cNvSpPr>
           <p:nvPr>
-            <p:ph type="dt" idx="1"/>
+            <p:ph type="dt" idx="3"/>
           </p:nvPr>
         </p:nvSpPr>
         <p:spPr/>
@@ -4247,8 +3780,8 @@
         </p:nvSpPr>
         <p:spPr>
           <a:xfrm>
-            <a:off x="838080" y="365040"/>
-            <a:ext cx="10515240" cy="6144120"/>
+            <a:off x="609480" y="273600"/>
+            <a:ext cx="10972440" cy="5307840"/>
           </a:xfrm>
           <a:prstGeom prst="rect">
             <a:avLst/>
@@ -4279,7 +3812,7 @@
             <a:spLocks noGrp="1"/>
           </p:cNvSpPr>
           <p:nvPr>
-            <p:ph type="ftr" idx="2"/>
+            <p:ph type="ftr" idx="1"/>
           </p:nvPr>
         </p:nvSpPr>
         <p:spPr/>
@@ -4299,14 +3832,14 @@
             <a:spLocks noGrp="1"/>
           </p:cNvSpPr>
           <p:nvPr>
-            <p:ph type="sldNum" idx="3"/>
+            <p:ph type="sldNum" idx="2"/>
           </p:nvPr>
         </p:nvSpPr>
         <p:spPr/>
         <p:txBody>
           <a:bodyPr/>
           <a:p>
-            <a:fld id="{6D679B4D-A17F-4F02-B739-8B330D5A73B0}" type="slidenum">
+            <a:fld id="{D147759A-6125-42CA-8A06-D6827E71E838}" type="slidenum">
               <a:t>&lt;#&gt;</a:t>
             </a:fld>
           </a:p>
@@ -4319,7 +3852,7 @@
             <a:spLocks noGrp="1"/>
           </p:cNvSpPr>
           <p:nvPr>
-            <p:ph type="dt" idx="1"/>
+            <p:ph type="dt" idx="3"/>
           </p:nvPr>
         </p:nvSpPr>
         <p:spPr/>
@@ -4367,8 +3900,8 @@
         </p:nvSpPr>
         <p:spPr>
           <a:xfrm>
-            <a:off x="838080" y="365040"/>
-            <a:ext cx="10515240" cy="1325160"/>
+            <a:off x="609480" y="273600"/>
+            <a:ext cx="10972440" cy="1144800"/>
           </a:xfrm>
           <a:prstGeom prst="rect">
             <a:avLst/>
@@ -4383,11 +3916,11 @@
             <a:noAutofit/>
           </a:bodyPr>
           <a:p>
-            <a:endParaRPr b="0" lang="en-US" sz="1800" spc="-1" strike="noStrike">
-              <a:solidFill>
-                <a:srgbClr val="000000"/>
-              </a:solidFill>
-              <a:latin typeface="Calibri"/>
+            <a:pPr algn="ctr">
+              <a:buNone/>
+            </a:pPr>
+            <a:endParaRPr b="0" lang="en-IN" sz="4400" spc="-1" strike="noStrike">
+              <a:latin typeface="Arial"/>
             </a:endParaRPr>
           </a:p>
         </p:txBody>
@@ -4404,8 +3937,8 @@
         </p:nvSpPr>
         <p:spPr>
           <a:xfrm>
-            <a:off x="838080" y="1825560"/>
-            <a:ext cx="5131080" cy="2075040"/>
+            <a:off x="609480" y="1604520"/>
+            <a:ext cx="5354280" cy="1896840"/>
           </a:xfrm>
           <a:prstGeom prst="rect">
             <a:avLst/>
@@ -4420,20 +3953,8 @@
             <a:normAutofit/>
           </a:bodyPr>
           <a:p>
-            <a:pPr>
-              <a:lnSpc>
-                <a:spcPct val="90000"/>
-              </a:lnSpc>
-              <a:spcBef>
-                <a:spcPts val="1417"/>
-              </a:spcBef>
-              <a:buNone/>
-            </a:pPr>
-            <a:endParaRPr b="0" lang="en-US" sz="2800" spc="-1" strike="noStrike">
-              <a:solidFill>
-                <a:srgbClr val="000000"/>
-              </a:solidFill>
-              <a:latin typeface="Calibri"/>
+            <a:endParaRPr b="0" lang="en-IN" sz="3200" spc="-1" strike="noStrike">
+              <a:latin typeface="Arial"/>
             </a:endParaRPr>
           </a:p>
         </p:txBody>
@@ -4450,8 +3971,8 @@
         </p:nvSpPr>
         <p:spPr>
           <a:xfrm>
-            <a:off x="6226200" y="1825560"/>
-            <a:ext cx="5131080" cy="4350960"/>
+            <a:off x="6231960" y="1604520"/>
+            <a:ext cx="5354280" cy="3977280"/>
           </a:xfrm>
           <a:prstGeom prst="rect">
             <a:avLst/>
@@ -4466,20 +3987,8 @@
             <a:normAutofit/>
           </a:bodyPr>
           <a:p>
-            <a:pPr>
-              <a:lnSpc>
-                <a:spcPct val="90000"/>
-              </a:lnSpc>
-              <a:spcBef>
-                <a:spcPts val="1417"/>
-              </a:spcBef>
-              <a:buNone/>
-            </a:pPr>
-            <a:endParaRPr b="0" lang="en-US" sz="2800" spc="-1" strike="noStrike">
-              <a:solidFill>
-                <a:srgbClr val="000000"/>
-              </a:solidFill>
-              <a:latin typeface="Calibri"/>
+            <a:endParaRPr b="0" lang="en-IN" sz="3200" spc="-1" strike="noStrike">
+              <a:latin typeface="Arial"/>
             </a:endParaRPr>
           </a:p>
         </p:txBody>
@@ -4496,8 +4005,8 @@
         </p:nvSpPr>
         <p:spPr>
           <a:xfrm>
-            <a:off x="838080" y="4098240"/>
-            <a:ext cx="5131080" cy="2075040"/>
+            <a:off x="609480" y="3682080"/>
+            <a:ext cx="5354280" cy="1896840"/>
           </a:xfrm>
           <a:prstGeom prst="rect">
             <a:avLst/>
@@ -4512,20 +4021,8 @@
             <a:normAutofit/>
           </a:bodyPr>
           <a:p>
-            <a:pPr>
-              <a:lnSpc>
-                <a:spcPct val="90000"/>
-              </a:lnSpc>
-              <a:spcBef>
-                <a:spcPts val="1417"/>
-              </a:spcBef>
-              <a:buNone/>
-            </a:pPr>
-            <a:endParaRPr b="0" lang="en-US" sz="2800" spc="-1" strike="noStrike">
-              <a:solidFill>
-                <a:srgbClr val="000000"/>
-              </a:solidFill>
-              <a:latin typeface="Calibri"/>
+            <a:endParaRPr b="0" lang="en-IN" sz="3200" spc="-1" strike="noStrike">
+              <a:latin typeface="Arial"/>
             </a:endParaRPr>
           </a:p>
         </p:txBody>
@@ -4537,7 +4034,7 @@
             <a:spLocks noGrp="1"/>
           </p:cNvSpPr>
           <p:nvPr>
-            <p:ph type="ftr" idx="2"/>
+            <p:ph type="ftr" idx="1"/>
           </p:nvPr>
         </p:nvSpPr>
         <p:spPr/>
@@ -4557,14 +4054,14 @@
             <a:spLocks noGrp="1"/>
           </p:cNvSpPr>
           <p:nvPr>
-            <p:ph type="sldNum" idx="3"/>
+            <p:ph type="sldNum" idx="2"/>
           </p:nvPr>
         </p:nvSpPr>
         <p:spPr/>
         <p:txBody>
           <a:bodyPr/>
           <a:p>
-            <a:fld id="{E1E05A47-5209-4F88-9DD1-486A1AAA358F}" type="slidenum">
+            <a:fld id="{64C91BA4-A407-49D1-9669-16FBF7182CD9}" type="slidenum">
               <a:t>&lt;#&gt;</a:t>
             </a:fld>
           </a:p>
@@ -4577,7 +4074,7 @@
             <a:spLocks noGrp="1"/>
           </p:cNvSpPr>
           <p:nvPr>
-            <p:ph type="dt" idx="1"/>
+            <p:ph type="dt" idx="3"/>
           </p:nvPr>
         </p:nvSpPr>
         <p:spPr/>
@@ -4625,8 +4122,8 @@
         </p:nvSpPr>
         <p:spPr>
           <a:xfrm>
-            <a:off x="838080" y="365040"/>
-            <a:ext cx="10515240" cy="1325160"/>
+            <a:off x="609480" y="273600"/>
+            <a:ext cx="10972440" cy="1144800"/>
           </a:xfrm>
           <a:prstGeom prst="rect">
             <a:avLst/>
@@ -4641,11 +4138,11 @@
             <a:noAutofit/>
           </a:bodyPr>
           <a:p>
-            <a:endParaRPr b="0" lang="en-US" sz="1800" spc="-1" strike="noStrike">
-              <a:solidFill>
-                <a:srgbClr val="000000"/>
-              </a:solidFill>
-              <a:latin typeface="Calibri"/>
+            <a:pPr algn="ctr">
+              <a:buNone/>
+            </a:pPr>
+            <a:endParaRPr b="0" lang="en-IN" sz="4400" spc="-1" strike="noStrike">
+              <a:latin typeface="Arial"/>
             </a:endParaRPr>
           </a:p>
         </p:txBody>
@@ -4662,8 +4159,8 @@
         </p:nvSpPr>
         <p:spPr>
           <a:xfrm>
-            <a:off x="838080" y="1825560"/>
-            <a:ext cx="5131080" cy="4350960"/>
+            <a:off x="609480" y="1604520"/>
+            <a:ext cx="5354280" cy="3977280"/>
           </a:xfrm>
           <a:prstGeom prst="rect">
             <a:avLst/>
@@ -4678,20 +4175,8 @@
             <a:normAutofit/>
           </a:bodyPr>
           <a:p>
-            <a:pPr>
-              <a:lnSpc>
-                <a:spcPct val="90000"/>
-              </a:lnSpc>
-              <a:spcBef>
-                <a:spcPts val="1417"/>
-              </a:spcBef>
-              <a:buNone/>
-            </a:pPr>
-            <a:endParaRPr b="0" lang="en-US" sz="2800" spc="-1" strike="noStrike">
-              <a:solidFill>
-                <a:srgbClr val="000000"/>
-              </a:solidFill>
-              <a:latin typeface="Calibri"/>
+            <a:endParaRPr b="0" lang="en-IN" sz="3200" spc="-1" strike="noStrike">
+              <a:latin typeface="Arial"/>
             </a:endParaRPr>
           </a:p>
         </p:txBody>
@@ -4708,8 +4193,8 @@
         </p:nvSpPr>
         <p:spPr>
           <a:xfrm>
-            <a:off x="6226200" y="1825560"/>
-            <a:ext cx="5131080" cy="2075040"/>
+            <a:off x="6231960" y="1604520"/>
+            <a:ext cx="5354280" cy="1896840"/>
           </a:xfrm>
           <a:prstGeom prst="rect">
             <a:avLst/>
@@ -4724,20 +4209,8 @@
             <a:normAutofit/>
           </a:bodyPr>
           <a:p>
-            <a:pPr>
-              <a:lnSpc>
-                <a:spcPct val="90000"/>
-              </a:lnSpc>
-              <a:spcBef>
-                <a:spcPts val="1417"/>
-              </a:spcBef>
-              <a:buNone/>
-            </a:pPr>
-            <a:endParaRPr b="0" lang="en-US" sz="2800" spc="-1" strike="noStrike">
-              <a:solidFill>
-                <a:srgbClr val="000000"/>
-              </a:solidFill>
-              <a:latin typeface="Calibri"/>
+            <a:endParaRPr b="0" lang="en-IN" sz="3200" spc="-1" strike="noStrike">
+              <a:latin typeface="Arial"/>
             </a:endParaRPr>
           </a:p>
         </p:txBody>
@@ -4754,8 +4227,8 @@
         </p:nvSpPr>
         <p:spPr>
           <a:xfrm>
-            <a:off x="6226200" y="4098240"/>
-            <a:ext cx="5131080" cy="2075040"/>
+            <a:off x="6231960" y="3682080"/>
+            <a:ext cx="5354280" cy="1896840"/>
           </a:xfrm>
           <a:prstGeom prst="rect">
             <a:avLst/>
@@ -4770,20 +4243,8 @@
             <a:normAutofit/>
           </a:bodyPr>
           <a:p>
-            <a:pPr>
-              <a:lnSpc>
-                <a:spcPct val="90000"/>
-              </a:lnSpc>
-              <a:spcBef>
-                <a:spcPts val="1417"/>
-              </a:spcBef>
-              <a:buNone/>
-            </a:pPr>
-            <a:endParaRPr b="0" lang="en-US" sz="2800" spc="-1" strike="noStrike">
-              <a:solidFill>
-                <a:srgbClr val="000000"/>
-              </a:solidFill>
-              <a:latin typeface="Calibri"/>
+            <a:endParaRPr b="0" lang="en-IN" sz="3200" spc="-1" strike="noStrike">
+              <a:latin typeface="Arial"/>
             </a:endParaRPr>
           </a:p>
         </p:txBody>
@@ -4795,7 +4256,7 @@
             <a:spLocks noGrp="1"/>
           </p:cNvSpPr>
           <p:nvPr>
-            <p:ph type="ftr" idx="2"/>
+            <p:ph type="ftr" idx="1"/>
           </p:nvPr>
         </p:nvSpPr>
         <p:spPr/>
@@ -4815,14 +4276,14 @@
             <a:spLocks noGrp="1"/>
           </p:cNvSpPr>
           <p:nvPr>
-            <p:ph type="sldNum" idx="3"/>
+            <p:ph type="sldNum" idx="2"/>
           </p:nvPr>
         </p:nvSpPr>
         <p:spPr/>
         <p:txBody>
           <a:bodyPr/>
           <a:p>
-            <a:fld id="{BDF6DD20-027A-4452-BEAC-350D87C82F54}" type="slidenum">
+            <a:fld id="{476B45AB-9577-4D27-953C-58D436CA0F74}" type="slidenum">
               <a:t>&lt;#&gt;</a:t>
             </a:fld>
           </a:p>
@@ -4835,7 +4296,7 @@
             <a:spLocks noGrp="1"/>
           </p:cNvSpPr>
           <p:nvPr>
-            <p:ph type="dt" idx="1"/>
+            <p:ph type="dt" idx="3"/>
           </p:nvPr>
         </p:nvSpPr>
         <p:spPr/>
@@ -4883,8 +4344,8 @@
         </p:nvSpPr>
         <p:spPr>
           <a:xfrm>
-            <a:off x="838080" y="365040"/>
-            <a:ext cx="10515240" cy="1325160"/>
+            <a:off x="609480" y="273600"/>
+            <a:ext cx="10972440" cy="1144800"/>
           </a:xfrm>
           <a:prstGeom prst="rect">
             <a:avLst/>
@@ -4899,11 +4360,11 @@
             <a:noAutofit/>
           </a:bodyPr>
           <a:p>
-            <a:endParaRPr b="0" lang="en-US" sz="1800" spc="-1" strike="noStrike">
-              <a:solidFill>
-                <a:srgbClr val="000000"/>
-              </a:solidFill>
-              <a:latin typeface="Calibri"/>
+            <a:pPr algn="ctr">
+              <a:buNone/>
+            </a:pPr>
+            <a:endParaRPr b="0" lang="en-IN" sz="4400" spc="-1" strike="noStrike">
+              <a:latin typeface="Arial"/>
             </a:endParaRPr>
           </a:p>
         </p:txBody>
@@ -4920,8 +4381,8 @@
         </p:nvSpPr>
         <p:spPr>
           <a:xfrm>
-            <a:off x="838080" y="1825560"/>
-            <a:ext cx="5131080" cy="2075040"/>
+            <a:off x="609480" y="1604520"/>
+            <a:ext cx="5354280" cy="1896840"/>
           </a:xfrm>
           <a:prstGeom prst="rect">
             <a:avLst/>
@@ -4936,20 +4397,8 @@
             <a:normAutofit/>
           </a:bodyPr>
           <a:p>
-            <a:pPr>
-              <a:lnSpc>
-                <a:spcPct val="90000"/>
-              </a:lnSpc>
-              <a:spcBef>
-                <a:spcPts val="1417"/>
-              </a:spcBef>
-              <a:buNone/>
-            </a:pPr>
-            <a:endParaRPr b="0" lang="en-US" sz="2800" spc="-1" strike="noStrike">
-              <a:solidFill>
-                <a:srgbClr val="000000"/>
-              </a:solidFill>
-              <a:latin typeface="Calibri"/>
+            <a:endParaRPr b="0" lang="en-IN" sz="3200" spc="-1" strike="noStrike">
+              <a:latin typeface="Arial"/>
             </a:endParaRPr>
           </a:p>
         </p:txBody>
@@ -4966,8 +4415,8 @@
         </p:nvSpPr>
         <p:spPr>
           <a:xfrm>
-            <a:off x="6226200" y="1825560"/>
-            <a:ext cx="5131080" cy="2075040"/>
+            <a:off x="6231960" y="1604520"/>
+            <a:ext cx="5354280" cy="1896840"/>
           </a:xfrm>
           <a:prstGeom prst="rect">
             <a:avLst/>
@@ -4982,20 +4431,8 @@
             <a:normAutofit/>
           </a:bodyPr>
           <a:p>
-            <a:pPr>
-              <a:lnSpc>
-                <a:spcPct val="90000"/>
-              </a:lnSpc>
-              <a:spcBef>
-                <a:spcPts val="1417"/>
-              </a:spcBef>
-              <a:buNone/>
-            </a:pPr>
-            <a:endParaRPr b="0" lang="en-US" sz="2800" spc="-1" strike="noStrike">
-              <a:solidFill>
-                <a:srgbClr val="000000"/>
-              </a:solidFill>
-              <a:latin typeface="Calibri"/>
+            <a:endParaRPr b="0" lang="en-IN" sz="3200" spc="-1" strike="noStrike">
+              <a:latin typeface="Arial"/>
             </a:endParaRPr>
           </a:p>
         </p:txBody>
@@ -5012,8 +4449,8 @@
         </p:nvSpPr>
         <p:spPr>
           <a:xfrm>
-            <a:off x="838080" y="4098240"/>
-            <a:ext cx="10515240" cy="2075040"/>
+            <a:off x="609480" y="3682080"/>
+            <a:ext cx="10972440" cy="1896840"/>
           </a:xfrm>
           <a:prstGeom prst="rect">
             <a:avLst/>
@@ -5028,20 +4465,8 @@
             <a:normAutofit/>
           </a:bodyPr>
           <a:p>
-            <a:pPr>
-              <a:lnSpc>
-                <a:spcPct val="90000"/>
-              </a:lnSpc>
-              <a:spcBef>
-                <a:spcPts val="1417"/>
-              </a:spcBef>
-              <a:buNone/>
-            </a:pPr>
-            <a:endParaRPr b="0" lang="en-US" sz="2800" spc="-1" strike="noStrike">
-              <a:solidFill>
-                <a:srgbClr val="000000"/>
-              </a:solidFill>
-              <a:latin typeface="Calibri"/>
+            <a:endParaRPr b="0" lang="en-IN" sz="3200" spc="-1" strike="noStrike">
+              <a:latin typeface="Arial"/>
             </a:endParaRPr>
           </a:p>
         </p:txBody>
@@ -5053,7 +4478,7 @@
             <a:spLocks noGrp="1"/>
           </p:cNvSpPr>
           <p:nvPr>
-            <p:ph type="ftr" idx="2"/>
+            <p:ph type="ftr" idx="1"/>
           </p:nvPr>
         </p:nvSpPr>
         <p:spPr/>
@@ -5073,14 +4498,14 @@
             <a:spLocks noGrp="1"/>
           </p:cNvSpPr>
           <p:nvPr>
-            <p:ph type="sldNum" idx="3"/>
+            <p:ph type="sldNum" idx="2"/>
           </p:nvPr>
         </p:nvSpPr>
         <p:spPr/>
         <p:txBody>
           <a:bodyPr/>
           <a:p>
-            <a:fld id="{B5B8B7BE-9B95-42E2-927B-FD488FB649A1}" type="slidenum">
+            <a:fld id="{D35CBFF4-BEB1-4C5E-A6CD-B35D3BC6DE2A}" type="slidenum">
               <a:t>&lt;#&gt;</a:t>
             </a:fld>
           </a:p>
@@ -5093,7 +4518,7 @@
             <a:spLocks noGrp="1"/>
           </p:cNvSpPr>
           <p:nvPr>
-            <p:ph type="dt" idx="1"/>
+            <p:ph type="dt" idx="3"/>
           </p:nvPr>
         </p:nvSpPr>
         <p:spPr/>
@@ -5148,42 +4573,30 @@
         </p:nvSpPr>
         <p:spPr>
           <a:xfrm>
-            <a:off x="1523880" y="1122480"/>
-            <a:ext cx="9143640" cy="2387160"/>
-          </a:xfrm>
-          <a:prstGeom prst="rect">
-            <a:avLst/>
-          </a:prstGeom>
-          <a:noFill/>
-          <a:ln w="0">
-            <a:noFill/>
-          </a:ln>
-        </p:spPr>
-        <p:txBody>
-          <a:bodyPr anchor="b">
+            <a:off x="838080" y="365040"/>
+            <a:ext cx="10514880" cy="1324800"/>
+          </a:xfrm>
+          <a:prstGeom prst="rect">
+            <a:avLst/>
+          </a:prstGeom>
+          <a:noFill/>
+          <a:ln w="0">
+            <a:noFill/>
+          </a:ln>
+        </p:spPr>
+        <p:txBody>
+          <a:bodyPr lIns="0" rIns="0" tIns="0" bIns="0" anchor="ctr">
             <a:noAutofit/>
           </a:bodyPr>
           <a:p>
-            <a:pPr algn="ctr">
-              <a:lnSpc>
-                <a:spcPct val="90000"/>
-              </a:lnSpc>
-              <a:buNone/>
-            </a:pPr>
-            <a:r>
-              <a:rPr b="0" lang="en-US" sz="6000" spc="-1" strike="noStrike">
-                <a:solidFill>
-                  <a:srgbClr val="000000"/>
-                </a:solidFill>
-                <a:latin typeface="Calibri Light"/>
+            <a:r>
+              <a:rPr b="0" lang="en-IN" sz="1800" spc="-1" strike="noStrike">
+                <a:latin typeface="Arial"/>
               </a:rPr>
-              <a:t>Click to edit Master title style</a:t>
-            </a:r>
-            <a:endParaRPr b="0" lang="en-US" sz="6000" spc="-1" strike="noStrike">
-              <a:solidFill>
-                <a:srgbClr val="000000"/>
-              </a:solidFill>
-              <a:latin typeface="Calibri"/>
+              <a:t>Click to edit the title text format</a:t>
+            </a:r>
+            <a:endParaRPr b="0" lang="en-IN" sz="1800" spc="-1" strike="noStrike">
+              <a:latin typeface="Arial"/>
             </a:endParaRPr>
           </a:p>
         </p:txBody>
@@ -5195,91 +4608,31 @@
             <a:spLocks noGrp="1"/>
           </p:cNvSpPr>
           <p:nvPr>
-            <p:ph type="dt" idx="1"/>
-          </p:nvPr>
-        </p:nvSpPr>
-        <p:spPr>
-          <a:xfrm>
-            <a:off x="838080" y="6356520"/>
-            <a:ext cx="2742840" cy="364680"/>
-          </a:xfrm>
-          <a:prstGeom prst="rect">
-            <a:avLst/>
-          </a:prstGeom>
-          <a:noFill/>
-          <a:ln w="0">
-            <a:noFill/>
-          </a:ln>
-        </p:spPr>
-        <p:txBody>
-          <a:bodyPr anchor="ctr">
+            <p:ph type="ftr" idx="1"/>
+          </p:nvPr>
+        </p:nvSpPr>
+        <p:spPr>
+          <a:xfrm>
+            <a:off x="4038480" y="6356520"/>
+            <a:ext cx="4114080" cy="364320"/>
+          </a:xfrm>
+          <a:prstGeom prst="rect">
+            <a:avLst/>
+          </a:prstGeom>
+          <a:noFill/>
+          <a:ln w="0">
+            <a:noFill/>
+          </a:ln>
+        </p:spPr>
+        <p:txBody>
+          <a:bodyPr lIns="90000" rIns="90000" tIns="45000" bIns="45000" anchor="ctr">
             <a:noAutofit/>
           </a:bodyPr>
           <a:lstStyle>
-            <a:lvl1pPr>
+            <a:lvl1pPr algn="ctr">
               <a:lnSpc>
                 <a:spcPct val="100000"/>
               </a:lnSpc>
-              <a:buNone/>
-              <a:defRPr b="0" lang="en-US" sz="1200" spc="-1" strike="noStrike">
-                <a:solidFill>
-                  <a:srgbClr val="8b8b8b"/>
-                </a:solidFill>
-                <a:latin typeface="Calibri"/>
-              </a:defRPr>
-            </a:lvl1pPr>
-          </a:lstStyle>
-          <a:p>
-            <a:pPr>
-              <a:lnSpc>
-                <a:spcPct val="100000"/>
-              </a:lnSpc>
-              <a:buNone/>
-            </a:pPr>
-            <a:r>
-              <a:rPr b="0" lang="en-US" sz="1200" spc="-1" strike="noStrike">
-                <a:solidFill>
-                  <a:srgbClr val="8b8b8b"/>
-                </a:solidFill>
-                <a:latin typeface="Calibri"/>
-              </a:rPr>
-              <a:t> </a:t>
-            </a:r>
-            <a:endParaRPr b="0" lang="en-IN" sz="1200" spc="-1" strike="noStrike">
-              <a:latin typeface="Times New Roman"/>
-            </a:endParaRPr>
-          </a:p>
-        </p:txBody>
-      </p:sp>
-      <p:sp>
-        <p:nvSpPr>
-          <p:cNvPr id="2" name="PlaceHolder 3"/>
-          <p:cNvSpPr>
-            <a:spLocks noGrp="1"/>
-          </p:cNvSpPr>
-          <p:nvPr>
-            <p:ph type="ftr" idx="2"/>
-          </p:nvPr>
-        </p:nvSpPr>
-        <p:spPr>
-          <a:xfrm>
-            <a:off x="4038480" y="6356520"/>
-            <a:ext cx="4114440" cy="364680"/>
-          </a:xfrm>
-          <a:prstGeom prst="rect">
-            <a:avLst/>
-          </a:prstGeom>
-          <a:noFill/>
-          <a:ln w="0">
-            <a:noFill/>
-          </a:ln>
-        </p:spPr>
-        <p:txBody>
-          <a:bodyPr anchor="ctr">
-            <a:noAutofit/>
-          </a:bodyPr>
-          <a:lstStyle>
-            <a:lvl1pPr algn="ctr">
               <a:buNone/>
               <a:defRPr b="0" lang="en-IN" sz="1400" spc="-1" strike="noStrike">
                 <a:latin typeface="Times New Roman"/>
@@ -5288,6 +4641,9 @@
           </a:lstStyle>
           <a:p>
             <a:pPr algn="ctr">
+              <a:lnSpc>
+                <a:spcPct val="100000"/>
+              </a:lnSpc>
               <a:buNone/>
             </a:pPr>
             <a:r>
@@ -5304,29 +4660,29 @@
       </p:sp>
       <p:sp>
         <p:nvSpPr>
-          <p:cNvPr id="3" name="PlaceHolder 4"/>
-          <p:cNvSpPr>
-            <a:spLocks noGrp="1"/>
-          </p:cNvSpPr>
-          <p:nvPr>
-            <p:ph type="sldNum" idx="3"/>
+          <p:cNvPr id="2" name="PlaceHolder 3"/>
+          <p:cNvSpPr>
+            <a:spLocks noGrp="1"/>
+          </p:cNvSpPr>
+          <p:nvPr>
+            <p:ph type="sldNum" idx="2"/>
           </p:nvPr>
         </p:nvSpPr>
         <p:spPr>
           <a:xfrm>
             <a:off x="8610480" y="6356520"/>
-            <a:ext cx="2742840" cy="364680"/>
-          </a:xfrm>
-          <a:prstGeom prst="rect">
-            <a:avLst/>
-          </a:prstGeom>
-          <a:noFill/>
-          <a:ln w="0">
-            <a:noFill/>
-          </a:ln>
-        </p:spPr>
-        <p:txBody>
-          <a:bodyPr anchor="ctr">
+            <a:ext cx="2742480" cy="364320"/>
+          </a:xfrm>
+          <a:prstGeom prst="rect">
+            <a:avLst/>
+          </a:prstGeom>
+          <a:noFill/>
+          <a:ln w="0">
+            <a:noFill/>
+          </a:ln>
+        </p:spPr>
+        <p:txBody>
+          <a:bodyPr lIns="90000" rIns="90000" tIns="45000" bIns="45000" anchor="ctr">
             <a:noAutofit/>
           </a:bodyPr>
           <a:lstStyle>
@@ -5350,14 +4706,14 @@
               </a:lnSpc>
               <a:buNone/>
             </a:pPr>
-            <a:fld id="{06575DFC-A886-41CB-9317-62619D61B6AC}" type="slidenum">
+            <a:fld id="{95EE2B40-C681-45FE-B5EB-816D9A14B4BB}" type="slidenum">
               <a:rPr b="0" lang="en-US" sz="1200" spc="-1" strike="noStrike">
                 <a:solidFill>
                   <a:srgbClr val="8b8b8b"/>
                 </a:solidFill>
                 <a:latin typeface="Calibri"/>
               </a:rPr>
-              <a:t>6</a:t>
+              <a:t>9</a:t>
             </a:fld>
             <a:endParaRPr b="0" lang="en-IN" sz="1200" spc="-1" strike="noStrike">
               <a:latin typeface="Times New Roman"/>
@@ -5367,6 +4723,53 @@
       </p:sp>
       <p:sp>
         <p:nvSpPr>
+          <p:cNvPr id="3" name="PlaceHolder 4"/>
+          <p:cNvSpPr>
+            <a:spLocks noGrp="1"/>
+          </p:cNvSpPr>
+          <p:nvPr>
+            <p:ph type="dt" idx="3"/>
+          </p:nvPr>
+        </p:nvSpPr>
+        <p:spPr>
+          <a:xfrm>
+            <a:off x="838080" y="6356520"/>
+            <a:ext cx="2742480" cy="364320"/>
+          </a:xfrm>
+          <a:prstGeom prst="rect">
+            <a:avLst/>
+          </a:prstGeom>
+          <a:noFill/>
+          <a:ln w="0">
+            <a:noFill/>
+          </a:ln>
+        </p:spPr>
+        <p:txBody>
+          <a:bodyPr lIns="90000" rIns="90000" tIns="45000" bIns="45000" anchor="ctr">
+            <a:noAutofit/>
+          </a:bodyPr>
+          <a:lstStyle>
+            <a:lvl1pPr>
+              <a:defRPr b="0" lang="en-IN" sz="1400" spc="-1" strike="noStrike">
+                <a:latin typeface="Times New Roman"/>
+              </a:defRPr>
+            </a:lvl1pPr>
+          </a:lstStyle>
+          <a:p>
+            <a:r>
+              <a:rPr b="0" lang="en-IN" sz="1400" spc="-1" strike="noStrike">
+                <a:latin typeface="Times New Roman"/>
+              </a:rPr>
+              <a:t> </a:t>
+            </a:r>
+            <a:endParaRPr b="0" lang="en-IN" sz="1400" spc="-1" strike="noStrike">
+              <a:latin typeface="Times New Roman"/>
+            </a:endParaRPr>
+          </a:p>
+        </p:txBody>
+      </p:sp>
+      <p:sp>
+        <p:nvSpPr>
           <p:cNvPr id="4" name="PlaceHolder 5"/>
           <p:cNvSpPr>
             <a:spLocks noGrp="1"/>
@@ -5394,9 +4797,6 @@
           </a:bodyPr>
           <a:p>
             <a:pPr marL="432000" indent="-324000">
-              <a:lnSpc>
-                <a:spcPct val="90000"/>
-              </a:lnSpc>
               <a:spcBef>
                 <a:spcPts val="1417"/>
               </a:spcBef>
@@ -5408,26 +4808,17 @@
               <a:buChar char=""/>
             </a:pPr>
             <a:r>
-              <a:rPr b="0" lang="en-US" sz="2800" spc="-1" strike="noStrike">
-                <a:solidFill>
-                  <a:srgbClr val="000000"/>
-                </a:solidFill>
-                <a:latin typeface="Calibri"/>
+              <a:rPr b="0" lang="en-IN" sz="3200" spc="-1" strike="noStrike">
+                <a:latin typeface="Arial"/>
               </a:rPr>
               <a:t>Click to edit the outline text format</a:t>
             </a:r>
-            <a:endParaRPr b="0" lang="en-US" sz="2800" spc="-1" strike="noStrike">
-              <a:solidFill>
-                <a:srgbClr val="000000"/>
-              </a:solidFill>
-              <a:latin typeface="Calibri"/>
+            <a:endParaRPr b="0" lang="en-IN" sz="3200" spc="-1" strike="noStrike">
+              <a:latin typeface="Arial"/>
             </a:endParaRPr>
           </a:p>
           <a:p>
             <a:pPr lvl="1" marL="864000" indent="-324000">
-              <a:lnSpc>
-                <a:spcPct val="90000"/>
-              </a:lnSpc>
               <a:spcBef>
                 <a:spcPts val="1134"/>
               </a:spcBef>
@@ -5439,26 +4830,17 @@
               <a:buChar char=""/>
             </a:pPr>
             <a:r>
-              <a:rPr b="0" lang="en-US" sz="2000" spc="-1" strike="noStrike">
-                <a:solidFill>
-                  <a:srgbClr val="000000"/>
-                </a:solidFill>
-                <a:latin typeface="Calibri"/>
+              <a:rPr b="0" lang="en-IN" sz="2800" spc="-1" strike="noStrike">
+                <a:latin typeface="Arial"/>
               </a:rPr>
               <a:t>Second Outline Level</a:t>
             </a:r>
-            <a:endParaRPr b="0" lang="en-US" sz="2000" spc="-1" strike="noStrike">
-              <a:solidFill>
-                <a:srgbClr val="000000"/>
-              </a:solidFill>
-              <a:latin typeface="Calibri"/>
+            <a:endParaRPr b="0" lang="en-IN" sz="2800" spc="-1" strike="noStrike">
+              <a:latin typeface="Arial"/>
             </a:endParaRPr>
           </a:p>
           <a:p>
             <a:pPr lvl="2" marL="1296000" indent="-288000">
-              <a:lnSpc>
-                <a:spcPct val="90000"/>
-              </a:lnSpc>
               <a:spcBef>
                 <a:spcPts val="850"/>
               </a:spcBef>
@@ -5470,26 +4852,17 @@
               <a:buChar char=""/>
             </a:pPr>
             <a:r>
-              <a:rPr b="0" lang="en-US" sz="1800" spc="-1" strike="noStrike">
-                <a:solidFill>
-                  <a:srgbClr val="000000"/>
-                </a:solidFill>
-                <a:latin typeface="Calibri"/>
+              <a:rPr b="0" lang="en-IN" sz="2400" spc="-1" strike="noStrike">
+                <a:latin typeface="Arial"/>
               </a:rPr>
               <a:t>Third Outline Level</a:t>
             </a:r>
-            <a:endParaRPr b="0" lang="en-US" sz="1800" spc="-1" strike="noStrike">
-              <a:solidFill>
-                <a:srgbClr val="000000"/>
-              </a:solidFill>
-              <a:latin typeface="Calibri"/>
+            <a:endParaRPr b="0" lang="en-IN" sz="2400" spc="-1" strike="noStrike">
+              <a:latin typeface="Arial"/>
             </a:endParaRPr>
           </a:p>
           <a:p>
             <a:pPr lvl="3" marL="1728000" indent="-216000">
-              <a:lnSpc>
-                <a:spcPct val="90000"/>
-              </a:lnSpc>
               <a:spcBef>
                 <a:spcPts val="567"/>
               </a:spcBef>
@@ -5501,26 +4874,17 @@
               <a:buChar char=""/>
             </a:pPr>
             <a:r>
-              <a:rPr b="0" lang="en-US" sz="1800" spc="-1" strike="noStrike">
-                <a:solidFill>
-                  <a:srgbClr val="000000"/>
-                </a:solidFill>
-                <a:latin typeface="Calibri"/>
+              <a:rPr b="0" lang="en-IN" sz="2000" spc="-1" strike="noStrike">
+                <a:latin typeface="Arial"/>
               </a:rPr>
               <a:t>Fourth Outline Level</a:t>
             </a:r>
-            <a:endParaRPr b="0" lang="en-US" sz="1800" spc="-1" strike="noStrike">
-              <a:solidFill>
-                <a:srgbClr val="000000"/>
-              </a:solidFill>
-              <a:latin typeface="Calibri"/>
+            <a:endParaRPr b="0" lang="en-IN" sz="2000" spc="-1" strike="noStrike">
+              <a:latin typeface="Arial"/>
             </a:endParaRPr>
           </a:p>
           <a:p>
             <a:pPr lvl="4" marL="2160000" indent="-216000">
-              <a:lnSpc>
-                <a:spcPct val="90000"/>
-              </a:lnSpc>
               <a:spcBef>
                 <a:spcPts val="283"/>
               </a:spcBef>
@@ -5532,26 +4896,17 @@
               <a:buChar char=""/>
             </a:pPr>
             <a:r>
-              <a:rPr b="0" lang="en-US" sz="2000" spc="-1" strike="noStrike">
-                <a:solidFill>
-                  <a:srgbClr val="000000"/>
-                </a:solidFill>
-                <a:latin typeface="Calibri"/>
+              <a:rPr b="0" lang="en-IN" sz="2000" spc="-1" strike="noStrike">
+                <a:latin typeface="Arial"/>
               </a:rPr>
               <a:t>Fifth Outline Level</a:t>
             </a:r>
-            <a:endParaRPr b="0" lang="en-US" sz="2000" spc="-1" strike="noStrike">
-              <a:solidFill>
-                <a:srgbClr val="000000"/>
-              </a:solidFill>
-              <a:latin typeface="Calibri"/>
+            <a:endParaRPr b="0" lang="en-IN" sz="2000" spc="-1" strike="noStrike">
+              <a:latin typeface="Arial"/>
             </a:endParaRPr>
           </a:p>
           <a:p>
             <a:pPr lvl="5" marL="2592000" indent="-216000">
-              <a:lnSpc>
-                <a:spcPct val="90000"/>
-              </a:lnSpc>
               <a:spcBef>
                 <a:spcPts val="283"/>
               </a:spcBef>
@@ -5563,26 +4918,17 @@
               <a:buChar char=""/>
             </a:pPr>
             <a:r>
-              <a:rPr b="0" lang="en-US" sz="2000" spc="-1" strike="noStrike">
-                <a:solidFill>
-                  <a:srgbClr val="000000"/>
-                </a:solidFill>
-                <a:latin typeface="Calibri"/>
+              <a:rPr b="0" lang="en-IN" sz="2000" spc="-1" strike="noStrike">
+                <a:latin typeface="Arial"/>
               </a:rPr>
               <a:t>Sixth Outline Level</a:t>
             </a:r>
-            <a:endParaRPr b="0" lang="en-US" sz="2000" spc="-1" strike="noStrike">
-              <a:solidFill>
-                <a:srgbClr val="000000"/>
-              </a:solidFill>
-              <a:latin typeface="Calibri"/>
+            <a:endParaRPr b="0" lang="en-IN" sz="2000" spc="-1" strike="noStrike">
+              <a:latin typeface="Arial"/>
             </a:endParaRPr>
           </a:p>
           <a:p>
             <a:pPr lvl="6" marL="3024000" indent="-216000">
-              <a:lnSpc>
-                <a:spcPct val="90000"/>
-              </a:lnSpc>
               <a:spcBef>
                 <a:spcPts val="283"/>
               </a:spcBef>
@@ -5594,19 +4940,13 @@
               <a:buChar char=""/>
             </a:pPr>
             <a:r>
-              <a:rPr b="0" lang="en-US" sz="2000" spc="-1" strike="noStrike">
-                <a:solidFill>
-                  <a:srgbClr val="000000"/>
-                </a:solidFill>
-                <a:latin typeface="Calibri"/>
+              <a:rPr b="0" lang="en-IN" sz="2000" spc="-1" strike="noStrike">
+                <a:latin typeface="Arial"/>
               </a:rPr>
               <a:t>Seventh Outline Level</a:t>
             </a:r>
-            <a:endParaRPr b="0" lang="en-US" sz="2000" spc="-1" strike="noStrike">
-              <a:solidFill>
-                <a:srgbClr val="000000"/>
-              </a:solidFill>
-              <a:latin typeface="Calibri"/>
+            <a:endParaRPr b="0" lang="en-IN" sz="2000" spc="-1" strike="noStrike">
+              <a:latin typeface="Arial"/>
             </a:endParaRPr>
           </a:p>
         </p:txBody>
@@ -5662,322 +5002,31 @@
             <a:spLocks noGrp="1"/>
           </p:cNvSpPr>
           <p:nvPr>
-            <p:ph type="title"/>
-          </p:nvPr>
-        </p:nvSpPr>
-        <p:spPr>
-          <a:xfrm>
-            <a:off x="838080" y="365040"/>
-            <a:ext cx="10515240" cy="1325160"/>
-          </a:xfrm>
-          <a:prstGeom prst="rect">
-            <a:avLst/>
-          </a:prstGeom>
-          <a:noFill/>
-          <a:ln w="0">
-            <a:noFill/>
-          </a:ln>
-        </p:spPr>
-        <p:txBody>
-          <a:bodyPr anchor="ctr">
+            <p:ph type="ftr" idx="4"/>
+          </p:nvPr>
+        </p:nvSpPr>
+        <p:spPr>
+          <a:xfrm>
+            <a:off x="4038480" y="6356520"/>
+            <a:ext cx="4114080" cy="364320"/>
+          </a:xfrm>
+          <a:prstGeom prst="rect">
+            <a:avLst/>
+          </a:prstGeom>
+          <a:noFill/>
+          <a:ln w="0">
+            <a:noFill/>
+          </a:ln>
+        </p:spPr>
+        <p:txBody>
+          <a:bodyPr lIns="90000" rIns="90000" tIns="45000" bIns="45000" anchor="ctr">
             <a:noAutofit/>
           </a:bodyPr>
-          <a:p>
-            <a:pPr>
-              <a:lnSpc>
-                <a:spcPct val="90000"/>
-              </a:lnSpc>
-              <a:buNone/>
-            </a:pPr>
-            <a:r>
-              <a:rPr b="0" lang="en-US" sz="4400" spc="-1" strike="noStrike">
-                <a:solidFill>
-                  <a:srgbClr val="000000"/>
-                </a:solidFill>
-                <a:latin typeface="Calibri Light"/>
-              </a:rPr>
-              <a:t>Click to edit Master title style</a:t>
-            </a:r>
-            <a:endParaRPr b="0" lang="en-US" sz="4400" spc="-1" strike="noStrike">
-              <a:solidFill>
-                <a:srgbClr val="000000"/>
-              </a:solidFill>
-              <a:latin typeface="Calibri"/>
-            </a:endParaRPr>
-          </a:p>
-        </p:txBody>
-      </p:sp>
-      <p:sp>
-        <p:nvSpPr>
-          <p:cNvPr id="42" name="PlaceHolder 2"/>
-          <p:cNvSpPr>
-            <a:spLocks noGrp="1"/>
-          </p:cNvSpPr>
-          <p:nvPr>
-            <p:ph type="body"/>
-          </p:nvPr>
-        </p:nvSpPr>
-        <p:spPr>
-          <a:xfrm>
-            <a:off x="838080" y="1825560"/>
-            <a:ext cx="10515240" cy="4350960"/>
-          </a:xfrm>
-          <a:prstGeom prst="rect">
-            <a:avLst/>
-          </a:prstGeom>
-          <a:noFill/>
-          <a:ln w="0">
-            <a:noFill/>
-          </a:ln>
-        </p:spPr>
-        <p:txBody>
-          <a:bodyPr anchor="t">
-            <a:noAutofit/>
-          </a:bodyPr>
-          <a:p>
-            <a:pPr marL="228600" indent="-228600">
-              <a:lnSpc>
-                <a:spcPct val="90000"/>
-              </a:lnSpc>
-              <a:spcBef>
-                <a:spcPts val="1001"/>
-              </a:spcBef>
-              <a:buClr>
-                <a:srgbClr val="000000"/>
-              </a:buClr>
-              <a:buFont typeface="Arial"/>
-              <a:buChar char="•"/>
-            </a:pPr>
-            <a:r>
-              <a:rPr b="0" lang="en-US" sz="2800" spc="-1" strike="noStrike">
-                <a:solidFill>
-                  <a:srgbClr val="000000"/>
-                </a:solidFill>
-                <a:latin typeface="Calibri"/>
-              </a:rPr>
-              <a:t>Click to edit Master text styles</a:t>
-            </a:r>
-            <a:endParaRPr b="0" lang="en-US" sz="2800" spc="-1" strike="noStrike">
-              <a:solidFill>
-                <a:srgbClr val="000000"/>
-              </a:solidFill>
-              <a:latin typeface="Calibri"/>
-            </a:endParaRPr>
-          </a:p>
-          <a:p>
-            <a:pPr lvl="1" marL="685800" indent="-228600">
-              <a:lnSpc>
-                <a:spcPct val="90000"/>
-              </a:lnSpc>
-              <a:spcBef>
-                <a:spcPts val="499"/>
-              </a:spcBef>
-              <a:buClr>
-                <a:srgbClr val="000000"/>
-              </a:buClr>
-              <a:buFont typeface="Arial"/>
-              <a:buChar char="•"/>
-            </a:pPr>
-            <a:r>
-              <a:rPr b="0" lang="en-US" sz="2400" spc="-1" strike="noStrike">
-                <a:solidFill>
-                  <a:srgbClr val="000000"/>
-                </a:solidFill>
-                <a:latin typeface="Calibri"/>
-              </a:rPr>
-              <a:t>Second level</a:t>
-            </a:r>
-            <a:endParaRPr b="0" lang="en-US" sz="2400" spc="-1" strike="noStrike">
-              <a:solidFill>
-                <a:srgbClr val="000000"/>
-              </a:solidFill>
-              <a:latin typeface="Calibri"/>
-            </a:endParaRPr>
-          </a:p>
-          <a:p>
-            <a:pPr lvl="2" marL="1143000" indent="-228600">
-              <a:lnSpc>
-                <a:spcPct val="90000"/>
-              </a:lnSpc>
-              <a:spcBef>
-                <a:spcPts val="499"/>
-              </a:spcBef>
-              <a:buClr>
-                <a:srgbClr val="000000"/>
-              </a:buClr>
-              <a:buFont typeface="Arial"/>
-              <a:buChar char="•"/>
-            </a:pPr>
-            <a:r>
-              <a:rPr b="0" lang="en-US" sz="2000" spc="-1" strike="noStrike">
-                <a:solidFill>
-                  <a:srgbClr val="000000"/>
-                </a:solidFill>
-                <a:latin typeface="Calibri"/>
-              </a:rPr>
-              <a:t>Third level</a:t>
-            </a:r>
-            <a:endParaRPr b="0" lang="en-US" sz="2000" spc="-1" strike="noStrike">
-              <a:solidFill>
-                <a:srgbClr val="000000"/>
-              </a:solidFill>
-              <a:latin typeface="Calibri"/>
-            </a:endParaRPr>
-          </a:p>
-          <a:p>
-            <a:pPr lvl="3" marL="1600200" indent="-228600">
-              <a:lnSpc>
-                <a:spcPct val="90000"/>
-              </a:lnSpc>
-              <a:spcBef>
-                <a:spcPts val="499"/>
-              </a:spcBef>
-              <a:buClr>
-                <a:srgbClr val="000000"/>
-              </a:buClr>
-              <a:buFont typeface="Arial"/>
-              <a:buChar char="•"/>
-            </a:pPr>
-            <a:r>
-              <a:rPr b="0" lang="en-US" sz="1800" spc="-1" strike="noStrike">
-                <a:solidFill>
-                  <a:srgbClr val="000000"/>
-                </a:solidFill>
-                <a:latin typeface="Calibri"/>
-              </a:rPr>
-              <a:t>Fourth level</a:t>
-            </a:r>
-            <a:endParaRPr b="0" lang="en-US" sz="1800" spc="-1" strike="noStrike">
-              <a:solidFill>
-                <a:srgbClr val="000000"/>
-              </a:solidFill>
-              <a:latin typeface="Calibri"/>
-            </a:endParaRPr>
-          </a:p>
-          <a:p>
-            <a:pPr lvl="4" marL="2057400" indent="-228600">
-              <a:lnSpc>
-                <a:spcPct val="90000"/>
-              </a:lnSpc>
-              <a:spcBef>
-                <a:spcPts val="499"/>
-              </a:spcBef>
-              <a:buClr>
-                <a:srgbClr val="000000"/>
-              </a:buClr>
-              <a:buFont typeface="Arial"/>
-              <a:buChar char="•"/>
-            </a:pPr>
-            <a:r>
-              <a:rPr b="0" lang="en-US" sz="1800" spc="-1" strike="noStrike">
-                <a:solidFill>
-                  <a:srgbClr val="000000"/>
-                </a:solidFill>
-                <a:latin typeface="Calibri"/>
-              </a:rPr>
-              <a:t>Fifth level</a:t>
-            </a:r>
-            <a:endParaRPr b="0" lang="en-US" sz="1800" spc="-1" strike="noStrike">
-              <a:solidFill>
-                <a:srgbClr val="000000"/>
-              </a:solidFill>
-              <a:latin typeface="Calibri"/>
-            </a:endParaRPr>
-          </a:p>
-        </p:txBody>
-      </p:sp>
-      <p:sp>
-        <p:nvSpPr>
-          <p:cNvPr id="43" name="PlaceHolder 3"/>
-          <p:cNvSpPr>
-            <a:spLocks noGrp="1"/>
-          </p:cNvSpPr>
-          <p:nvPr>
-            <p:ph type="dt" idx="4"/>
-          </p:nvPr>
-        </p:nvSpPr>
-        <p:spPr>
-          <a:xfrm>
-            <a:off x="838080" y="6356520"/>
-            <a:ext cx="2742840" cy="364680"/>
-          </a:xfrm>
-          <a:prstGeom prst="rect">
-            <a:avLst/>
-          </a:prstGeom>
-          <a:noFill/>
-          <a:ln w="0">
-            <a:noFill/>
-          </a:ln>
-        </p:spPr>
-        <p:txBody>
-          <a:bodyPr anchor="ctr">
-            <a:noAutofit/>
-          </a:bodyPr>
           <a:lstStyle>
-            <a:lvl1pPr>
+            <a:lvl1pPr algn="ctr">
               <a:lnSpc>
                 <a:spcPct val="100000"/>
               </a:lnSpc>
-              <a:buNone/>
-              <a:defRPr b="0" lang="en-US" sz="1200" spc="-1" strike="noStrike">
-                <a:solidFill>
-                  <a:srgbClr val="8b8b8b"/>
-                </a:solidFill>
-                <a:latin typeface="Calibri"/>
-              </a:defRPr>
-            </a:lvl1pPr>
-          </a:lstStyle>
-          <a:p>
-            <a:pPr>
-              <a:lnSpc>
-                <a:spcPct val="100000"/>
-              </a:lnSpc>
-              <a:buNone/>
-            </a:pPr>
-            <a:r>
-              <a:rPr b="0" lang="en-US" sz="1200" spc="-1" strike="noStrike">
-                <a:solidFill>
-                  <a:srgbClr val="8b8b8b"/>
-                </a:solidFill>
-                <a:latin typeface="Calibri"/>
-              </a:rPr>
-              <a:t>&lt;date/time&gt;</a:t>
-            </a:r>
-            <a:endParaRPr b="0" lang="en-IN" sz="1200" spc="-1" strike="noStrike">
-              <a:latin typeface="Times New Roman"/>
-            </a:endParaRPr>
-          </a:p>
-        </p:txBody>
-      </p:sp>
-      <p:sp>
-        <p:nvSpPr>
-          <p:cNvPr id="44" name="PlaceHolder 4"/>
-          <p:cNvSpPr>
-            <a:spLocks noGrp="1"/>
-          </p:cNvSpPr>
-          <p:nvPr>
-            <p:ph type="ftr" idx="5"/>
-          </p:nvPr>
-        </p:nvSpPr>
-        <p:spPr>
-          <a:xfrm>
-            <a:off x="4038480" y="6356520"/>
-            <a:ext cx="4114440" cy="364680"/>
-          </a:xfrm>
-          <a:prstGeom prst="rect">
-            <a:avLst/>
-          </a:prstGeom>
-          <a:noFill/>
-          <a:ln w="0">
-            <a:noFill/>
-          </a:ln>
-        </p:spPr>
-        <p:txBody>
-          <a:bodyPr anchor="ctr">
-            <a:noAutofit/>
-          </a:bodyPr>
-          <a:lstStyle>
-            <a:lvl1pPr algn="ctr">
               <a:buNone/>
               <a:defRPr b="0" lang="en-IN" sz="1400" spc="-1" strike="noStrike">
                 <a:latin typeface="Times New Roman"/>
@@ -5986,6 +5035,9 @@
           </a:lstStyle>
           <a:p>
             <a:pPr algn="ctr">
+              <a:lnSpc>
+                <a:spcPct val="100000"/>
+              </a:lnSpc>
               <a:buNone/>
             </a:pPr>
             <a:r>
@@ -6002,29 +5054,29 @@
       </p:sp>
       <p:sp>
         <p:nvSpPr>
-          <p:cNvPr id="45" name="PlaceHolder 5"/>
-          <p:cNvSpPr>
-            <a:spLocks noGrp="1"/>
-          </p:cNvSpPr>
-          <p:nvPr>
-            <p:ph type="sldNum" idx="6"/>
+          <p:cNvPr id="42" name="PlaceHolder 2"/>
+          <p:cNvSpPr>
+            <a:spLocks noGrp="1"/>
+          </p:cNvSpPr>
+          <p:nvPr>
+            <p:ph type="sldNum" idx="5"/>
           </p:nvPr>
         </p:nvSpPr>
         <p:spPr>
           <a:xfrm>
             <a:off x="8610480" y="6356520"/>
-            <a:ext cx="2742840" cy="364680"/>
-          </a:xfrm>
-          <a:prstGeom prst="rect">
-            <a:avLst/>
-          </a:prstGeom>
-          <a:noFill/>
-          <a:ln w="0">
-            <a:noFill/>
-          </a:ln>
-        </p:spPr>
-        <p:txBody>
-          <a:bodyPr anchor="ctr">
+            <a:ext cx="2742480" cy="364320"/>
+          </a:xfrm>
+          <a:prstGeom prst="rect">
+            <a:avLst/>
+          </a:prstGeom>
+          <a:noFill/>
+          <a:ln w="0">
+            <a:noFill/>
+          </a:ln>
+        </p:spPr>
+        <p:txBody>
+          <a:bodyPr lIns="90000" rIns="90000" tIns="45000" bIns="45000" anchor="ctr">
             <a:noAutofit/>
           </a:bodyPr>
           <a:lstStyle>
@@ -6048,7 +5100,7 @@
               </a:lnSpc>
               <a:buNone/>
             </a:pPr>
-            <a:fld id="{57E39F20-2A67-4421-AC84-9D9E9309D7E5}" type="slidenum">
+            <a:fld id="{27DA485C-E50B-49E2-9605-D65BF55D9E8C}" type="slidenum">
               <a:rPr b="0" lang="en-US" sz="1200" spc="-1" strike="noStrike">
                 <a:solidFill>
                   <a:srgbClr val="8b8b8b"/>
@@ -6059,6 +5111,279 @@
             </a:fld>
             <a:endParaRPr b="0" lang="en-IN" sz="1200" spc="-1" strike="noStrike">
               <a:latin typeface="Times New Roman"/>
+            </a:endParaRPr>
+          </a:p>
+        </p:txBody>
+      </p:sp>
+      <p:sp>
+        <p:nvSpPr>
+          <p:cNvPr id="43" name="PlaceHolder 3"/>
+          <p:cNvSpPr>
+            <a:spLocks noGrp="1"/>
+          </p:cNvSpPr>
+          <p:nvPr>
+            <p:ph type="dt" idx="6"/>
+          </p:nvPr>
+        </p:nvSpPr>
+        <p:spPr>
+          <a:xfrm>
+            <a:off x="838080" y="6356520"/>
+            <a:ext cx="2742480" cy="364320"/>
+          </a:xfrm>
+          <a:prstGeom prst="rect">
+            <a:avLst/>
+          </a:prstGeom>
+          <a:noFill/>
+          <a:ln w="0">
+            <a:noFill/>
+          </a:ln>
+        </p:spPr>
+        <p:txBody>
+          <a:bodyPr lIns="90000" rIns="90000" tIns="45000" bIns="45000" anchor="ctr">
+            <a:noAutofit/>
+          </a:bodyPr>
+          <a:lstStyle>
+            <a:lvl1pPr>
+              <a:defRPr b="0" lang="en-IN" sz="1400" spc="-1" strike="noStrike">
+                <a:latin typeface="Times New Roman"/>
+              </a:defRPr>
+            </a:lvl1pPr>
+          </a:lstStyle>
+          <a:p>
+            <a:r>
+              <a:rPr b="0" lang="en-IN" sz="1400" spc="-1" strike="noStrike">
+                <a:latin typeface="Times New Roman"/>
+              </a:rPr>
+              <a:t>&lt;date/time&gt;</a:t>
+            </a:r>
+            <a:endParaRPr b="0" lang="en-IN" sz="1400" spc="-1" strike="noStrike">
+              <a:latin typeface="Times New Roman"/>
+            </a:endParaRPr>
+          </a:p>
+        </p:txBody>
+      </p:sp>
+      <p:sp>
+        <p:nvSpPr>
+          <p:cNvPr id="44" name="PlaceHolder 4"/>
+          <p:cNvSpPr>
+            <a:spLocks noGrp="1"/>
+          </p:cNvSpPr>
+          <p:nvPr>
+            <p:ph type="title"/>
+          </p:nvPr>
+        </p:nvSpPr>
+        <p:spPr>
+          <a:xfrm>
+            <a:off x="609480" y="273600"/>
+            <a:ext cx="10972440" cy="1144800"/>
+          </a:xfrm>
+          <a:prstGeom prst="rect">
+            <a:avLst/>
+          </a:prstGeom>
+          <a:noFill/>
+          <a:ln w="0">
+            <a:noFill/>
+          </a:ln>
+        </p:spPr>
+        <p:txBody>
+          <a:bodyPr lIns="0" rIns="0" tIns="0" bIns="0" anchor="ctr">
+            <a:noAutofit/>
+          </a:bodyPr>
+          <a:p>
+            <a:pPr algn="ctr">
+              <a:buNone/>
+            </a:pPr>
+            <a:r>
+              <a:rPr b="0" lang="en-IN" sz="4400" spc="-1" strike="noStrike">
+                <a:latin typeface="Arial"/>
+              </a:rPr>
+              <a:t>Click to edit the title text format</a:t>
+            </a:r>
+            <a:endParaRPr b="0" lang="en-IN" sz="4400" spc="-1" strike="noStrike">
+              <a:latin typeface="Arial"/>
+            </a:endParaRPr>
+          </a:p>
+        </p:txBody>
+      </p:sp>
+      <p:sp>
+        <p:nvSpPr>
+          <p:cNvPr id="45" name="PlaceHolder 5"/>
+          <p:cNvSpPr>
+            <a:spLocks noGrp="1"/>
+          </p:cNvSpPr>
+          <p:nvPr>
+            <p:ph type="body"/>
+          </p:nvPr>
+        </p:nvSpPr>
+        <p:spPr>
+          <a:xfrm>
+            <a:off x="609480" y="1604520"/>
+            <a:ext cx="10972440" cy="3977280"/>
+          </a:xfrm>
+          <a:prstGeom prst="rect">
+            <a:avLst/>
+          </a:prstGeom>
+          <a:noFill/>
+          <a:ln w="0">
+            <a:noFill/>
+          </a:ln>
+        </p:spPr>
+        <p:txBody>
+          <a:bodyPr lIns="0" rIns="0" tIns="0" bIns="0" anchor="t">
+            <a:normAutofit/>
+          </a:bodyPr>
+          <a:p>
+            <a:pPr marL="432000" indent="-324000">
+              <a:spcBef>
+                <a:spcPts val="1417"/>
+              </a:spcBef>
+              <a:buClr>
+                <a:srgbClr val="000000"/>
+              </a:buClr>
+              <a:buSzPct val="45000"/>
+              <a:buFont typeface="Wingdings" charset="2"/>
+              <a:buChar char=""/>
+            </a:pPr>
+            <a:r>
+              <a:rPr b="0" lang="en-IN" sz="3200" spc="-1" strike="noStrike">
+                <a:latin typeface="Arial"/>
+              </a:rPr>
+              <a:t>Click to edit the outline text format</a:t>
+            </a:r>
+            <a:endParaRPr b="0" lang="en-IN" sz="3200" spc="-1" strike="noStrike">
+              <a:latin typeface="Arial"/>
+            </a:endParaRPr>
+          </a:p>
+          <a:p>
+            <a:pPr lvl="1" marL="864000" indent="-324000">
+              <a:spcBef>
+                <a:spcPts val="1134"/>
+              </a:spcBef>
+              <a:buClr>
+                <a:srgbClr val="000000"/>
+              </a:buClr>
+              <a:buSzPct val="75000"/>
+              <a:buFont typeface="Symbol" charset="2"/>
+              <a:buChar char=""/>
+            </a:pPr>
+            <a:r>
+              <a:rPr b="0" lang="en-IN" sz="2800" spc="-1" strike="noStrike">
+                <a:latin typeface="Arial"/>
+              </a:rPr>
+              <a:t>Second Outline Level</a:t>
+            </a:r>
+            <a:endParaRPr b="0" lang="en-IN" sz="2800" spc="-1" strike="noStrike">
+              <a:latin typeface="Arial"/>
+            </a:endParaRPr>
+          </a:p>
+          <a:p>
+            <a:pPr lvl="2" marL="1296000" indent="-288000">
+              <a:spcBef>
+                <a:spcPts val="850"/>
+              </a:spcBef>
+              <a:buClr>
+                <a:srgbClr val="000000"/>
+              </a:buClr>
+              <a:buSzPct val="45000"/>
+              <a:buFont typeface="Wingdings" charset="2"/>
+              <a:buChar char=""/>
+            </a:pPr>
+            <a:r>
+              <a:rPr b="0" lang="en-IN" sz="2400" spc="-1" strike="noStrike">
+                <a:latin typeface="Arial"/>
+              </a:rPr>
+              <a:t>Third Outline Level</a:t>
+            </a:r>
+            <a:endParaRPr b="0" lang="en-IN" sz="2400" spc="-1" strike="noStrike">
+              <a:latin typeface="Arial"/>
+            </a:endParaRPr>
+          </a:p>
+          <a:p>
+            <a:pPr lvl="3" marL="1728000" indent="-216000">
+              <a:spcBef>
+                <a:spcPts val="567"/>
+              </a:spcBef>
+              <a:buClr>
+                <a:srgbClr val="000000"/>
+              </a:buClr>
+              <a:buSzPct val="75000"/>
+              <a:buFont typeface="Symbol" charset="2"/>
+              <a:buChar char=""/>
+            </a:pPr>
+            <a:r>
+              <a:rPr b="0" lang="en-IN" sz="2000" spc="-1" strike="noStrike">
+                <a:latin typeface="Arial"/>
+              </a:rPr>
+              <a:t>Fourth Outline Level</a:t>
+            </a:r>
+            <a:endParaRPr b="0" lang="en-IN" sz="2000" spc="-1" strike="noStrike">
+              <a:latin typeface="Arial"/>
+            </a:endParaRPr>
+          </a:p>
+          <a:p>
+            <a:pPr lvl="4" marL="2160000" indent="-216000">
+              <a:spcBef>
+                <a:spcPts val="283"/>
+              </a:spcBef>
+              <a:buClr>
+                <a:srgbClr val="000000"/>
+              </a:buClr>
+              <a:buSzPct val="45000"/>
+              <a:buFont typeface="Wingdings" charset="2"/>
+              <a:buChar char=""/>
+            </a:pPr>
+            <a:r>
+              <a:rPr b="0" lang="en-IN" sz="2000" spc="-1" strike="noStrike">
+                <a:latin typeface="Arial"/>
+              </a:rPr>
+              <a:t>Fifth Outline Level</a:t>
+            </a:r>
+            <a:endParaRPr b="0" lang="en-IN" sz="2000" spc="-1" strike="noStrike">
+              <a:latin typeface="Arial"/>
+            </a:endParaRPr>
+          </a:p>
+          <a:p>
+            <a:pPr lvl="5" marL="2592000" indent="-216000">
+              <a:spcBef>
+                <a:spcPts val="283"/>
+              </a:spcBef>
+              <a:buClr>
+                <a:srgbClr val="000000"/>
+              </a:buClr>
+              <a:buSzPct val="45000"/>
+              <a:buFont typeface="Wingdings" charset="2"/>
+              <a:buChar char=""/>
+            </a:pPr>
+            <a:r>
+              <a:rPr b="0" lang="en-IN" sz="2000" spc="-1" strike="noStrike">
+                <a:latin typeface="Arial"/>
+              </a:rPr>
+              <a:t>Sixth Outline Level</a:t>
+            </a:r>
+            <a:endParaRPr b="0" lang="en-IN" sz="2000" spc="-1" strike="noStrike">
+              <a:latin typeface="Arial"/>
+            </a:endParaRPr>
+          </a:p>
+          <a:p>
+            <a:pPr lvl="6" marL="3024000" indent="-216000">
+              <a:spcBef>
+                <a:spcPts val="283"/>
+              </a:spcBef>
+              <a:buClr>
+                <a:srgbClr val="000000"/>
+              </a:buClr>
+              <a:buSzPct val="45000"/>
+              <a:buFont typeface="Wingdings" charset="2"/>
+              <a:buChar char=""/>
+            </a:pPr>
+            <a:r>
+              <a:rPr b="0" lang="en-IN" sz="2000" spc="-1" strike="noStrike">
+                <a:latin typeface="Arial"/>
+              </a:rPr>
+              <a:t>Seventh Outline Level</a:t>
+            </a:r>
+            <a:endParaRPr b="0" lang="en-IN" sz="2000" spc="-1" strike="noStrike">
+              <a:latin typeface="Arial"/>
             </a:endParaRPr>
           </a:p>
         </p:txBody>
@@ -6112,20 +5437,20 @@
         </p:nvSpPr>
         <p:spPr>
           <a:xfrm>
-            <a:off x="1620000" y="1122480"/>
-            <a:ext cx="9143640" cy="2387160"/>
-          </a:xfrm>
-          <a:prstGeom prst="rect">
-            <a:avLst/>
-          </a:prstGeom>
-          <a:noFill/>
-          <a:ln w="0">
-            <a:noFill/>
-          </a:ln>
-        </p:spPr>
-        <p:txBody>
-          <a:bodyPr anchor="b">
-            <a:normAutofit fontScale="89000"/>
+            <a:off x="1656720" y="2653200"/>
+            <a:ext cx="9143280" cy="2386800"/>
+          </a:xfrm>
+          <a:prstGeom prst="rect">
+            <a:avLst/>
+          </a:prstGeom>
+          <a:noFill/>
+          <a:ln w="0">
+            <a:noFill/>
+          </a:ln>
+        </p:spPr>
+        <p:txBody>
+          <a:bodyPr lIns="0" rIns="0" tIns="0" bIns="0" anchor="b">
+            <a:normAutofit fontScale="93000"/>
           </a:bodyPr>
           <a:p>
             <a:pPr algn="ctr">
@@ -6149,11 +5474,8 @@
             <a:br>
               <a:rPr sz="6000"/>
             </a:br>
-            <a:endParaRPr b="0" lang="en-US" sz="6000" spc="-1" strike="noStrike">
-              <a:solidFill>
-                <a:srgbClr val="000000"/>
-              </a:solidFill>
-              <a:latin typeface="Calibri"/>
+            <a:endParaRPr b="0" lang="en-IN" sz="6000" spc="-1" strike="noStrike">
+              <a:latin typeface="Arial"/>
             </a:endParaRPr>
           </a:p>
         </p:txBody>
@@ -6201,18 +5523,18 @@
         <p:spPr>
           <a:xfrm>
             <a:off x="838080" y="365040"/>
-            <a:ext cx="10515240" cy="1325160"/>
-          </a:xfrm>
-          <a:prstGeom prst="rect">
-            <a:avLst/>
-          </a:prstGeom>
-          <a:noFill/>
-          <a:ln w="0">
-            <a:noFill/>
-          </a:ln>
-        </p:spPr>
-        <p:txBody>
-          <a:bodyPr anchor="ctr">
+            <a:ext cx="10514880" cy="1324800"/>
+          </a:xfrm>
+          <a:prstGeom prst="rect">
+            <a:avLst/>
+          </a:prstGeom>
+          <a:noFill/>
+          <a:ln w="0">
+            <a:noFill/>
+          </a:ln>
+        </p:spPr>
+        <p:txBody>
+          <a:bodyPr lIns="90000" rIns="90000" tIns="45000" bIns="45000" anchor="ctr">
             <a:noAutofit/>
           </a:bodyPr>
           <a:p>
@@ -6231,11 +5553,8 @@
               </a:rPr>
               <a:t>Tekton Triggers</a:t>
             </a:r>
-            <a:endParaRPr b="0" lang="en-US" sz="4400" spc="-1" strike="noStrike">
-              <a:solidFill>
-                <a:srgbClr val="000000"/>
-              </a:solidFill>
-              <a:latin typeface="Calibri"/>
+            <a:endParaRPr b="0" lang="en-IN" sz="4400" spc="-1" strike="noStrike">
+              <a:latin typeface="Arial"/>
             </a:endParaRPr>
           </a:p>
         </p:txBody>
@@ -6253,7 +5572,7 @@
         <p:spPr>
           <a:xfrm>
             <a:off x="1504800" y="2038320"/>
-            <a:ext cx="8629200" cy="4454280"/>
+            <a:ext cx="8628840" cy="4453920"/>
           </a:xfrm>
           <a:prstGeom prst="rect">
             <a:avLst/>
@@ -6306,18 +5625,18 @@
         <p:spPr>
           <a:xfrm>
             <a:off x="838080" y="365040"/>
-            <a:ext cx="10515240" cy="1325160"/>
-          </a:xfrm>
-          <a:prstGeom prst="rect">
-            <a:avLst/>
-          </a:prstGeom>
-          <a:noFill/>
-          <a:ln w="0">
-            <a:noFill/>
-          </a:ln>
-        </p:spPr>
-        <p:txBody>
-          <a:bodyPr anchor="ctr">
+            <a:ext cx="10514880" cy="1324800"/>
+          </a:xfrm>
+          <a:prstGeom prst="rect">
+            <a:avLst/>
+          </a:prstGeom>
+          <a:noFill/>
+          <a:ln w="0">
+            <a:noFill/>
+          </a:ln>
+        </p:spPr>
+        <p:txBody>
+          <a:bodyPr lIns="90000" rIns="90000" tIns="45000" bIns="45000" anchor="ctr">
             <a:noAutofit/>
           </a:bodyPr>
           <a:p>
@@ -6336,11 +5655,8 @@
               </a:rPr>
               <a:t>Triggers CRD</a:t>
             </a:r>
-            <a:endParaRPr b="0" lang="en-US" sz="4400" spc="-1" strike="noStrike">
-              <a:solidFill>
-                <a:srgbClr val="000000"/>
-              </a:solidFill>
-              <a:latin typeface="Calibri"/>
+            <a:endParaRPr b="0" lang="en-IN" sz="4400" spc="-1" strike="noStrike">
+              <a:latin typeface="Arial"/>
             </a:endParaRPr>
           </a:p>
         </p:txBody>
@@ -6358,18 +5674,18 @@
         <p:spPr>
           <a:xfrm>
             <a:off x="838080" y="1825560"/>
-            <a:ext cx="10515240" cy="4350960"/>
-          </a:xfrm>
-          <a:prstGeom prst="rect">
-            <a:avLst/>
-          </a:prstGeom>
-          <a:noFill/>
-          <a:ln w="0">
-            <a:noFill/>
-          </a:ln>
-        </p:spPr>
-        <p:txBody>
-          <a:bodyPr anchor="t">
+            <a:ext cx="10514880" cy="4350600"/>
+          </a:xfrm>
+          <a:prstGeom prst="rect">
+            <a:avLst/>
+          </a:prstGeom>
+          <a:noFill/>
+          <a:ln w="0">
+            <a:noFill/>
+          </a:ln>
+        </p:spPr>
+        <p:txBody>
+          <a:bodyPr lIns="90000" rIns="90000" tIns="45000" bIns="45000" anchor="t">
             <a:noAutofit/>
           </a:bodyPr>
           <a:p>
@@ -6395,11 +5711,8 @@
               </a:rPr>
               <a:t>EventListener - listens for events at a specified port on your Kubernetes cluster. Specifies one or more Triggers</a:t>
             </a:r>
-            <a:endParaRPr b="0" lang="en-US" sz="2800" spc="-1" strike="noStrike">
-              <a:solidFill>
-                <a:srgbClr val="000000"/>
-              </a:solidFill>
-              <a:latin typeface="Calibri"/>
+            <a:endParaRPr b="0" lang="en-IN" sz="2800" spc="-1" strike="noStrike">
+              <a:latin typeface="Arial"/>
             </a:endParaRPr>
           </a:p>
           <a:p>
@@ -6415,11 +5728,8 @@
                 <a:tab algn="l" pos="0"/>
               </a:tabLst>
             </a:pPr>
-            <a:endParaRPr b="0" lang="en-US" sz="2800" spc="-1" strike="noStrike">
-              <a:solidFill>
-                <a:srgbClr val="000000"/>
-              </a:solidFill>
-              <a:latin typeface="Calibri"/>
+            <a:endParaRPr b="0" lang="en-IN" sz="2800" spc="-1" strike="noStrike">
+              <a:latin typeface="Arial"/>
             </a:endParaRPr>
           </a:p>
           <a:p>
@@ -6448,11 +5758,8 @@
               </a:rPr>
               <a:t>Trigger - specifies what happens when the EventListener detects an event. A Trigger specifies a TriggerTemplate, a TriggerBinding, and optionally, an Interceptor</a:t>
             </a:r>
-            <a:endParaRPr b="0" lang="en-US" sz="2800" spc="-1" strike="noStrike">
-              <a:solidFill>
-                <a:srgbClr val="000000"/>
-              </a:solidFill>
-              <a:latin typeface="Calibri"/>
+            <a:endParaRPr b="0" lang="en-IN" sz="2800" spc="-1" strike="noStrike">
+              <a:latin typeface="Arial"/>
             </a:endParaRPr>
           </a:p>
         </p:txBody>
@@ -6500,18 +5807,18 @@
         <p:spPr>
           <a:xfrm>
             <a:off x="838080" y="365040"/>
-            <a:ext cx="10515240" cy="1325160"/>
-          </a:xfrm>
-          <a:prstGeom prst="rect">
-            <a:avLst/>
-          </a:prstGeom>
-          <a:noFill/>
-          <a:ln w="0">
-            <a:noFill/>
-          </a:ln>
-        </p:spPr>
-        <p:txBody>
-          <a:bodyPr anchor="ctr">
+            <a:ext cx="10514880" cy="1324800"/>
+          </a:xfrm>
+          <a:prstGeom prst="rect">
+            <a:avLst/>
+          </a:prstGeom>
+          <a:noFill/>
+          <a:ln w="0">
+            <a:noFill/>
+          </a:ln>
+        </p:spPr>
+        <p:txBody>
+          <a:bodyPr lIns="90000" rIns="90000" tIns="45000" bIns="45000" anchor="ctr">
             <a:noAutofit/>
           </a:bodyPr>
           <a:p>
@@ -6530,11 +5837,8 @@
               </a:rPr>
               <a:t>Triggers CRD (contd)</a:t>
             </a:r>
-            <a:endParaRPr b="0" lang="en-US" sz="4400" spc="-1" strike="noStrike">
-              <a:solidFill>
-                <a:srgbClr val="000000"/>
-              </a:solidFill>
-              <a:latin typeface="Calibri"/>
+            <a:endParaRPr b="0" lang="en-IN" sz="4400" spc="-1" strike="noStrike">
+              <a:latin typeface="Arial"/>
             </a:endParaRPr>
           </a:p>
         </p:txBody>
@@ -6552,18 +5856,18 @@
         <p:spPr>
           <a:xfrm>
             <a:off x="838080" y="1825560"/>
-            <a:ext cx="10515240" cy="4350960"/>
-          </a:xfrm>
-          <a:prstGeom prst="rect">
-            <a:avLst/>
-          </a:prstGeom>
-          <a:noFill/>
-          <a:ln w="0">
-            <a:noFill/>
-          </a:ln>
-        </p:spPr>
-        <p:txBody>
-          <a:bodyPr anchor="t">
+            <a:ext cx="10514880" cy="4350600"/>
+          </a:xfrm>
+          <a:prstGeom prst="rect">
+            <a:avLst/>
+          </a:prstGeom>
+          <a:noFill/>
+          <a:ln w="0">
+            <a:noFill/>
+          </a:ln>
+        </p:spPr>
+        <p:txBody>
+          <a:bodyPr lIns="90000" rIns="90000" tIns="45000" bIns="45000" anchor="t">
             <a:noAutofit/>
           </a:bodyPr>
           <a:p>
@@ -6589,11 +5893,8 @@
               </a:rPr>
               <a:t>TriggerBinding - specifies the fields in the event payload from which you want to extract data and the fields in your corresponding TriggerTemplate to populate with the extracted value</a:t>
             </a:r>
-            <a:endParaRPr b="0" lang="en-US" sz="2800" spc="-1" strike="noStrike">
-              <a:solidFill>
-                <a:srgbClr val="000000"/>
-              </a:solidFill>
-              <a:latin typeface="Calibri"/>
+            <a:endParaRPr b="0" lang="en-IN" sz="2800" spc="-1" strike="noStrike">
+              <a:latin typeface="Arial"/>
             </a:endParaRPr>
           </a:p>
           <a:p>
@@ -6606,11 +5907,8 @@
               </a:spcBef>
               <a:buNone/>
             </a:pPr>
-            <a:endParaRPr b="0" lang="en-US" sz="2800" spc="-1" strike="noStrike">
-              <a:solidFill>
-                <a:srgbClr val="000000"/>
-              </a:solidFill>
-              <a:latin typeface="Calibri"/>
+            <a:endParaRPr b="0" lang="en-IN" sz="2800" spc="-1" strike="noStrike">
+              <a:latin typeface="Arial"/>
             </a:endParaRPr>
           </a:p>
           <a:p>
@@ -6636,11 +5934,8 @@
               </a:rPr>
               <a:t>TriggerTemplate - specifies a blueprint for the resource, such as a TaskRun or PipelineRun, that you want to instantiate and/or execute when your EventListener detects an even</a:t>
             </a:r>
-            <a:endParaRPr b="0" lang="en-US" sz="2800" spc="-1" strike="noStrike">
-              <a:solidFill>
-                <a:srgbClr val="000000"/>
-              </a:solidFill>
-              <a:latin typeface="Calibri"/>
+            <a:endParaRPr b="0" lang="en-IN" sz="2800" spc="-1" strike="noStrike">
+              <a:latin typeface="Arial"/>
             </a:endParaRPr>
           </a:p>
           <a:p>
@@ -6656,11 +5951,188 @@
                 <a:tab algn="l" pos="0"/>
               </a:tabLst>
             </a:pPr>
-            <a:endParaRPr b="0" lang="en-US" sz="2800" spc="-1" strike="noStrike">
-              <a:solidFill>
+            <a:endParaRPr b="0" lang="en-IN" sz="2800" spc="-1" strike="noStrike">
+              <a:latin typeface="Arial"/>
+            </a:endParaRPr>
+          </a:p>
+        </p:txBody>
+      </p:sp>
+    </p:spTree>
+  </p:cSld>
+  <mc:AlternateContent>
+    <mc:Choice Requires="p14">
+      <p:transition spd="slow" p14:dur="2000"/>
+    </mc:Choice>
+    <mc:Fallback>
+      <p:transition spd="slow"/>
+    </mc:Fallback>
+  </mc:AlternateContent>
+</p:sld>
+</file>
+
+<file path=ppt/slides/slide13.xml><?xml version="1.0" encoding="utf-8"?>
+<p:sld xmlns:a="http://schemas.openxmlformats.org/drawingml/2006/main" xmlns:p="http://schemas.openxmlformats.org/presentationml/2006/main" xmlns:r="http://schemas.openxmlformats.org/officeDocument/2006/relationships" xmlns:p14="http://schemas.microsoft.com/office/powerpoint/2010/main" xmlns:p15="http://schemas.microsoft.com/office/powerpoint/2012/main" xmlns:mc="http://schemas.openxmlformats.org/markup-compatibility/2006">
+  <p:cSld>
+    <p:spTree>
+      <p:nvGrpSpPr>
+        <p:cNvPr id="1" name=""/>
+        <p:cNvGrpSpPr/>
+        <p:nvPr/>
+      </p:nvGrpSpPr>
+      <p:grpSpPr>
+        <a:xfrm>
+          <a:off x="0" y="0"/>
+          <a:ext cx="0" cy="0"/>
+          <a:chOff x="0" y="0"/>
+          <a:chExt cx="0" cy="0"/>
+        </a:xfrm>
+      </p:grpSpPr>
+      <p:sp>
+        <p:nvSpPr>
+          <p:cNvPr id="122" name="PlaceHolder 1"/>
+          <p:cNvSpPr>
+            <a:spLocks noGrp="1"/>
+          </p:cNvSpPr>
+          <p:nvPr>
+            <p:ph type="title"/>
+          </p:nvPr>
+        </p:nvSpPr>
+        <p:spPr>
+          <a:xfrm>
+            <a:off x="838080" y="365040"/>
+            <a:ext cx="10514880" cy="1324800"/>
+          </a:xfrm>
+          <a:prstGeom prst="rect">
+            <a:avLst/>
+          </a:prstGeom>
+          <a:noFill/>
+          <a:ln w="0">
+            <a:noFill/>
+          </a:ln>
+        </p:spPr>
+        <p:txBody>
+          <a:bodyPr lIns="90000" rIns="90000" tIns="45000" bIns="45000" anchor="ctr">
+            <a:noAutofit/>
+          </a:bodyPr>
+          <a:p>
+            <a:pPr>
+              <a:lnSpc>
+                <a:spcPct val="90000"/>
+              </a:lnSpc>
+              <a:buNone/>
+            </a:pPr>
+            <a:r>
+              <a:rPr b="0" lang="en-US" sz="4400" spc="-1" strike="noStrike">
+                <a:solidFill>
+                  <a:srgbClr val="000000"/>
+                </a:solidFill>
+                <a:latin typeface="Calibri Light"/>
+              </a:rPr>
+              <a:t>Tekton example github</a:t>
+            </a:r>
+            <a:endParaRPr b="0" lang="en-IN" sz="4400" spc="-1" strike="noStrike">
+              <a:latin typeface="Arial"/>
+            </a:endParaRPr>
+          </a:p>
+        </p:txBody>
+      </p:sp>
+      <p:sp>
+        <p:nvSpPr>
+          <p:cNvPr id="123" name="PlaceHolder 2"/>
+          <p:cNvSpPr>
+            <a:spLocks noGrp="1"/>
+          </p:cNvSpPr>
+          <p:nvPr>
+            <p:ph/>
+          </p:nvPr>
+        </p:nvSpPr>
+        <p:spPr>
+          <a:xfrm>
+            <a:off x="838080" y="1825560"/>
+            <a:ext cx="10514880" cy="4350600"/>
+          </a:xfrm>
+          <a:prstGeom prst="rect">
+            <a:avLst/>
+          </a:prstGeom>
+          <a:noFill/>
+          <a:ln w="0">
+            <a:noFill/>
+          </a:ln>
+        </p:spPr>
+        <p:txBody>
+          <a:bodyPr lIns="90000" rIns="90000" tIns="45000" bIns="45000" anchor="t">
+            <a:noAutofit/>
+          </a:bodyPr>
+          <a:p>
+            <a:pPr>
+              <a:lnSpc>
+                <a:spcPct val="90000"/>
+              </a:lnSpc>
+              <a:spcBef>
+                <a:spcPts val="1001"/>
+              </a:spcBef>
+              <a:buNone/>
+            </a:pPr>
+            <a:r>
+              <a:rPr b="0" lang="en-US" sz="2800" spc="-1" strike="noStrike">
+                <a:solidFill>
+                  <a:srgbClr val="000000"/>
+                </a:solidFill>
+                <a:latin typeface="Calibri"/>
+              </a:rPr>
+              <a:t>https://github.com/arunvel1988/K8S-Paathshala-Pune-Tekton</a:t>
+            </a:r>
+            <a:endParaRPr b="0" lang="en-IN" sz="2800" spc="-1" strike="noStrike">
+              <a:latin typeface="Arial"/>
+            </a:endParaRPr>
+          </a:p>
+          <a:p>
+            <a:pPr>
+              <a:lnSpc>
+                <a:spcPct val="90000"/>
+              </a:lnSpc>
+              <a:spcBef>
+                <a:spcPts val="1001"/>
+              </a:spcBef>
+              <a:buNone/>
+            </a:pPr>
+            <a:endParaRPr b="0" lang="en-IN" sz="2800" spc="-1" strike="noStrike">
+              <a:latin typeface="Arial"/>
+            </a:endParaRPr>
+          </a:p>
+          <a:p>
+            <a:pPr marL="228600" indent="-228600">
+              <a:lnSpc>
+                <a:spcPct val="90000"/>
+              </a:lnSpc>
+              <a:spcBef>
+                <a:spcPts val="1001"/>
+              </a:spcBef>
+              <a:buClr>
                 <a:srgbClr val="000000"/>
-              </a:solidFill>
-              <a:latin typeface="Calibri"/>
+              </a:buClr>
+              <a:buFont typeface="Arial"/>
+              <a:buChar char="•"/>
+            </a:pPr>
+            <a:endParaRPr b="0" lang="en-IN" sz="2800" spc="-1" strike="noStrike">
+              <a:latin typeface="Arial"/>
+            </a:endParaRPr>
+          </a:p>
+          <a:p>
+            <a:pPr>
+              <a:lnSpc>
+                <a:spcPct val="90000"/>
+              </a:lnSpc>
+              <a:spcBef>
+                <a:spcPts val="1001"/>
+              </a:spcBef>
+              <a:buNone/>
+              <a:tabLst>
+                <a:tab algn="l" pos="0"/>
+              </a:tabLst>
+            </a:pPr>
+            <a:endParaRPr b="0" lang="en-IN" sz="2800" spc="-1" strike="noStrike">
+              <a:latin typeface="Arial"/>
             </a:endParaRPr>
           </a:p>
         </p:txBody>
@@ -6710,8 +6182,8 @@
         </p:nvSpPr>
         <p:spPr>
           <a:xfrm rot="16200000">
-            <a:off x="800280" y="1491840"/>
-            <a:ext cx="3333240" cy="3498840"/>
+            <a:off x="800280" y="1492200"/>
+            <a:ext cx="3332880" cy="3498480"/>
           </a:xfrm>
           <a:prstGeom prst="downArrow">
             <a:avLst>
@@ -6754,18 +6226,18 @@
         <p:spPr>
           <a:xfrm>
             <a:off x="1028880" y="1967400"/>
-            <a:ext cx="2628720" cy="2547000"/>
-          </a:xfrm>
-          <a:prstGeom prst="rect">
-            <a:avLst/>
-          </a:prstGeom>
-          <a:noFill/>
-          <a:ln w="0">
-            <a:noFill/>
-          </a:ln>
-        </p:spPr>
-        <p:txBody>
-          <a:bodyPr anchor="ctr">
+            <a:ext cx="2628360" cy="2546640"/>
+          </a:xfrm>
+          <a:prstGeom prst="rect">
+            <a:avLst/>
+          </a:prstGeom>
+          <a:noFill/>
+          <a:ln w="0">
+            <a:noFill/>
+          </a:ln>
+        </p:spPr>
+        <p:txBody>
+          <a:bodyPr lIns="90000" rIns="90000" tIns="45000" bIns="45000" anchor="ctr">
             <a:normAutofit/>
           </a:bodyPr>
           <a:p>
@@ -6796,11 +6268,8 @@
               </a:rPr>
               <a:t>“Desired State”</a:t>
             </a:r>
-            <a:endParaRPr b="0" lang="en-US" sz="3600" spc="-1" strike="noStrike">
-              <a:solidFill>
-                <a:srgbClr val="000000"/>
-              </a:solidFill>
-              <a:latin typeface="Calibri"/>
+            <a:endParaRPr b="0" lang="en-IN" sz="3600" spc="-1" strike="noStrike">
+              <a:latin typeface="Arial"/>
             </a:endParaRPr>
           </a:p>
         </p:txBody>
@@ -6818,7 +6287,7 @@
         <p:spPr>
           <a:xfrm>
             <a:off x="4777200" y="973080"/>
-            <a:ext cx="6780240" cy="4908960"/>
+            <a:ext cx="6779880" cy="4908600"/>
           </a:xfrm>
           <a:prstGeom prst="rect">
             <a:avLst/>
@@ -6873,8 +6342,8 @@
         </p:nvSpPr>
         <p:spPr>
           <a:xfrm rot="16200000">
-            <a:off x="800280" y="1491840"/>
-            <a:ext cx="3333240" cy="3498840"/>
+            <a:off x="800280" y="1492200"/>
+            <a:ext cx="3332880" cy="3498480"/>
           </a:xfrm>
           <a:prstGeom prst="downArrow">
             <a:avLst>
@@ -6917,18 +6386,18 @@
         <p:spPr>
           <a:xfrm>
             <a:off x="1028880" y="1967400"/>
-            <a:ext cx="2628720" cy="2547000"/>
-          </a:xfrm>
-          <a:prstGeom prst="rect">
-            <a:avLst/>
-          </a:prstGeom>
-          <a:noFill/>
-          <a:ln w="0">
-            <a:noFill/>
-          </a:ln>
-        </p:spPr>
-        <p:txBody>
-          <a:bodyPr anchor="ctr">
+            <a:ext cx="2628360" cy="2546640"/>
+          </a:xfrm>
+          <a:prstGeom prst="rect">
+            <a:avLst/>
+          </a:prstGeom>
+          <a:noFill/>
+          <a:ln w="0">
+            <a:noFill/>
+          </a:ln>
+        </p:spPr>
+        <p:txBody>
+          <a:bodyPr lIns="90000" rIns="90000" tIns="45000" bIns="45000" anchor="ctr">
             <a:normAutofit/>
           </a:bodyPr>
           <a:p>
@@ -6959,11 +6428,8 @@
               </a:rPr>
               <a:t>“Current State”</a:t>
             </a:r>
-            <a:endParaRPr b="0" lang="en-US" sz="3600" spc="-1" strike="noStrike">
-              <a:solidFill>
-                <a:srgbClr val="000000"/>
-              </a:solidFill>
-              <a:latin typeface="Calibri"/>
+            <a:endParaRPr b="0" lang="en-IN" sz="3600" spc="-1" strike="noStrike">
+              <a:latin typeface="Arial"/>
             </a:endParaRPr>
           </a:p>
         </p:txBody>
@@ -6981,7 +6447,7 @@
         <p:spPr>
           <a:xfrm>
             <a:off x="4777200" y="1010520"/>
-            <a:ext cx="6780240" cy="5085000"/>
+            <a:ext cx="6779880" cy="5084640"/>
           </a:xfrm>
           <a:prstGeom prst="rect">
             <a:avLst/>
@@ -7036,8 +6502,8 @@
         </p:nvSpPr>
         <p:spPr>
           <a:xfrm rot="16200000">
-            <a:off x="800280" y="1491840"/>
-            <a:ext cx="3333240" cy="3498840"/>
+            <a:off x="800280" y="1492200"/>
+            <a:ext cx="3332880" cy="3498480"/>
           </a:xfrm>
           <a:prstGeom prst="downArrow">
             <a:avLst>
@@ -7080,18 +6546,18 @@
         <p:spPr>
           <a:xfrm>
             <a:off x="1028880" y="1967400"/>
-            <a:ext cx="2628720" cy="2547000"/>
-          </a:xfrm>
-          <a:prstGeom prst="rect">
-            <a:avLst/>
-          </a:prstGeom>
-          <a:noFill/>
-          <a:ln w="0">
-            <a:noFill/>
-          </a:ln>
-        </p:spPr>
-        <p:txBody>
-          <a:bodyPr anchor="ctr">
+            <a:ext cx="2628360" cy="2546640"/>
+          </a:xfrm>
+          <a:prstGeom prst="rect">
+            <a:avLst/>
+          </a:prstGeom>
+          <a:noFill/>
+          <a:ln w="0">
+            <a:noFill/>
+          </a:ln>
+        </p:spPr>
+        <p:txBody>
+          <a:bodyPr lIns="90000" rIns="90000" tIns="45000" bIns="45000" anchor="ctr">
             <a:normAutofit/>
           </a:bodyPr>
           <a:p>
@@ -7110,11 +6576,8 @@
               </a:rPr>
               <a:t>CI/CD</a:t>
             </a:r>
-            <a:endParaRPr b="0" lang="en-US" sz="3600" spc="-1" strike="noStrike">
-              <a:solidFill>
-                <a:srgbClr val="000000"/>
-              </a:solidFill>
-              <a:latin typeface="Calibri"/>
+            <a:endParaRPr b="0" lang="en-IN" sz="3600" spc="-1" strike="noStrike">
+              <a:latin typeface="Arial"/>
             </a:endParaRPr>
           </a:p>
         </p:txBody>
@@ -7132,7 +6595,7 @@
         <p:spPr>
           <a:xfrm>
             <a:off x="4777200" y="625680"/>
-            <a:ext cx="6780240" cy="5486040"/>
+            <a:ext cx="6779880" cy="5485680"/>
           </a:xfrm>
           <a:prstGeom prst="rect">
             <a:avLst/>
@@ -7188,7 +6651,7 @@
         <p:spPr>
           <a:xfrm>
             <a:off x="0" y="0"/>
-            <a:ext cx="12191400" cy="6857640"/>
+            <a:ext cx="12191040" cy="6857280"/>
           </a:xfrm>
           <a:prstGeom prst="rect">
             <a:avLst/>
@@ -7224,7 +6687,7 @@
         <p:spPr>
           <a:xfrm>
             <a:off x="360" y="0"/>
-            <a:ext cx="12191400" cy="6857640"/>
+            <a:ext cx="12191040" cy="6857280"/>
           </a:xfrm>
           <a:prstGeom prst="rect">
             <a:avLst/>
@@ -7264,18 +6727,18 @@
         <p:spPr>
           <a:xfrm>
             <a:off x="756000" y="3399840"/>
-            <a:ext cx="10640520" cy="775440"/>
-          </a:xfrm>
-          <a:prstGeom prst="rect">
-            <a:avLst/>
-          </a:prstGeom>
-          <a:noFill/>
-          <a:ln w="0">
-            <a:noFill/>
-          </a:ln>
-        </p:spPr>
-        <p:txBody>
-          <a:bodyPr anchor="b">
+            <a:ext cx="10640160" cy="775080"/>
+          </a:xfrm>
+          <a:prstGeom prst="rect">
+            <a:avLst/>
+          </a:prstGeom>
+          <a:noFill/>
+          <a:ln w="0">
+            <a:noFill/>
+          </a:ln>
+        </p:spPr>
+        <p:txBody>
+          <a:bodyPr lIns="90000" rIns="90000" tIns="45000" bIns="45000" anchor="b">
             <a:normAutofit/>
           </a:bodyPr>
           <a:p>
@@ -7294,11 +6757,8 @@
               </a:rPr>
               <a:t>CI</a:t>
             </a:r>
-            <a:endParaRPr b="0" lang="en-US" sz="4000" spc="-1" strike="noStrike">
-              <a:solidFill>
-                <a:srgbClr val="000000"/>
-              </a:solidFill>
-              <a:latin typeface="Calibri"/>
+            <a:endParaRPr b="0" lang="en-IN" sz="4000" spc="-1" strike="noStrike">
+              <a:latin typeface="Arial"/>
             </a:endParaRPr>
           </a:p>
         </p:txBody>
@@ -7311,10 +6771,10 @@
         </p:nvGrpSpPr>
         <p:grpSpPr>
           <a:xfrm>
-            <a:off x="9676440" y="0"/>
-            <a:ext cx="2514960" cy="2174040"/>
-            <a:chOff x="9676440" y="0"/>
-            <a:chExt cx="2514960" cy="2174040"/>
+            <a:off x="9676080" y="0"/>
+            <a:ext cx="2514600" cy="2173680"/>
+            <a:chOff x="9676080" y="0"/>
+            <a:chExt cx="2514600" cy="2173680"/>
           </a:xfrm>
         </p:grpSpPr>
         <p:sp>
@@ -7326,7 +6786,7 @@
           <p:spPr>
             <a:xfrm flipH="1">
               <a:off x="9676080" y="4320"/>
-              <a:ext cx="2514600" cy="2169720"/>
+              <a:ext cx="2514240" cy="2169360"/>
             </a:xfrm>
             <a:custGeom>
               <a:avLst/>
@@ -7496,7 +6956,7 @@
                   </a:srgbClr>
                 </a:gs>
               </a:gsLst>
-              <a:lin ang="20400000"/>
+              <a:lin ang="12000000"/>
             </a:gradFill>
             <a:ln>
               <a:noFill/>
@@ -7525,8 +6985,8 @@
           </p:nvSpPr>
           <p:spPr>
             <a:xfrm flipH="1">
-              <a:off x="9698760" y="0"/>
-              <a:ext cx="2492640" cy="1947600"/>
+              <a:off x="9698040" y="0"/>
+              <a:ext cx="2492280" cy="1947240"/>
             </a:xfrm>
             <a:custGeom>
               <a:avLst/>
@@ -7595,7 +7055,7 @@
                   </a:srgbClr>
                 </a:gs>
               </a:gsLst>
-              <a:lin ang="20400000"/>
+              <a:lin ang="12000000"/>
             </a:gradFill>
             <a:ln>
               <a:noFill/>
@@ -7624,8 +7084,8 @@
           </p:nvSpPr>
           <p:spPr>
             <a:xfrm flipH="1">
-              <a:off x="9690480" y="4320"/>
-              <a:ext cx="2500560" cy="1972440"/>
+              <a:off x="9689760" y="4320"/>
+              <a:ext cx="2500200" cy="1972080"/>
             </a:xfrm>
             <a:custGeom>
               <a:avLst/>
@@ -7724,7 +7184,7 @@
                   </a:srgbClr>
                 </a:gs>
               </a:gsLst>
-              <a:lin ang="20400000"/>
+              <a:lin ang="12000000"/>
             </a:gradFill>
             <a:ln>
               <a:noFill/>
@@ -7754,7 +7214,7 @@
           <p:spPr>
             <a:xfrm flipH="1">
               <a:off x="9699120" y="4320"/>
-              <a:ext cx="2490840" cy="1943280"/>
+              <a:ext cx="2490480" cy="1942920"/>
             </a:xfrm>
             <a:custGeom>
               <a:avLst/>
@@ -7823,7 +7283,7 @@
                   </a:srgbClr>
                 </a:gs>
               </a:gsLst>
-              <a:lin ang="20400000"/>
+              <a:lin ang="12000000"/>
             </a:gradFill>
             <a:ln>
               <a:noFill/>
@@ -7858,7 +7318,7 @@
         <p:spPr>
           <a:xfrm>
             <a:off x="1631880" y="320400"/>
-            <a:ext cx="8866800" cy="2836080"/>
+            <a:ext cx="8866440" cy="2835720"/>
           </a:xfrm>
           <a:prstGeom prst="rect">
             <a:avLst/>
@@ -7876,10 +7336,10 @@
         </p:nvGrpSpPr>
         <p:grpSpPr>
           <a:xfrm>
-            <a:off x="-360" y="4322520"/>
-            <a:ext cx="3378240" cy="2535120"/>
-            <a:chOff x="-360" y="4322520"/>
-            <a:chExt cx="3378240" cy="2535120"/>
+            <a:off x="0" y="4322160"/>
+            <a:ext cx="3377520" cy="2534760"/>
+            <a:chOff x="0" y="4322160"/>
+            <a:chExt cx="3377520" cy="2534760"/>
           </a:xfrm>
         </p:grpSpPr>
         <p:sp>
@@ -7890,8 +7350,8 @@
           </p:nvSpPr>
           <p:spPr>
             <a:xfrm flipV="1">
-              <a:off x="360" y="4519080"/>
-              <a:ext cx="3362760" cy="2338560"/>
+              <a:off x="360" y="4518360"/>
+              <a:ext cx="3362400" cy="2338200"/>
             </a:xfrm>
             <a:custGeom>
               <a:avLst/>
@@ -7970,7 +7430,7 @@
                   </a:srgbClr>
                 </a:gs>
               </a:gsLst>
-              <a:lin ang="9600000"/>
+              <a:lin ang="12000000"/>
             </a:gradFill>
             <a:ln>
               <a:noFill/>
@@ -7999,8 +7459,8 @@
           </p:nvSpPr>
           <p:spPr>
             <a:xfrm flipV="1">
-              <a:off x="360" y="4519080"/>
-              <a:ext cx="3362760" cy="2338560"/>
+              <a:off x="360" y="4518360"/>
+              <a:ext cx="3362400" cy="2338200"/>
             </a:xfrm>
             <a:custGeom>
               <a:avLst/>
@@ -8079,7 +7539,7 @@
                   </a:srgbClr>
                 </a:gs>
               </a:gsLst>
-              <a:lin ang="9600000"/>
+              <a:lin ang="12000000"/>
             </a:gradFill>
             <a:ln>
               <a:noFill/>
@@ -8109,7 +7569,7 @@
           <p:spPr>
             <a:xfrm flipV="1">
               <a:off x="0" y="4498560"/>
-              <a:ext cx="3363120" cy="2358360"/>
+              <a:ext cx="3362760" cy="2358000"/>
             </a:xfrm>
             <a:custGeom>
               <a:avLst/>
@@ -8243,7 +7703,7 @@
                   </a:srgbClr>
                 </a:gs>
               </a:gsLst>
-              <a:lin ang="9600000"/>
+              <a:lin ang="12000000"/>
             </a:gradFill>
             <a:ln>
               <a:noFill/>
@@ -8273,7 +7733,7 @@
           <p:spPr>
             <a:xfrm flipV="1">
               <a:off x="360" y="4322160"/>
-              <a:ext cx="3377520" cy="2534760"/>
+              <a:ext cx="3377160" cy="2534400"/>
             </a:xfrm>
             <a:custGeom>
               <a:avLst/>
@@ -8483,7 +7943,7 @@
                   </a:srgbClr>
                 </a:gs>
               </a:gsLst>
-              <a:lin ang="9600000"/>
+              <a:lin ang="12000000"/>
             </a:gradFill>
             <a:ln>
               <a:noFill/>
@@ -8548,18 +8008,18 @@
         <p:spPr>
           <a:xfrm>
             <a:off x="838080" y="365040"/>
-            <a:ext cx="10515240" cy="1325160"/>
-          </a:xfrm>
-          <a:prstGeom prst="rect">
-            <a:avLst/>
-          </a:prstGeom>
-          <a:noFill/>
-          <a:ln w="0">
-            <a:noFill/>
-          </a:ln>
-        </p:spPr>
-        <p:txBody>
-          <a:bodyPr anchor="ctr">
+            <a:ext cx="10514880" cy="1324800"/>
+          </a:xfrm>
+          <a:prstGeom prst="rect">
+            <a:avLst/>
+          </a:prstGeom>
+          <a:noFill/>
+          <a:ln w="0">
+            <a:noFill/>
+          </a:ln>
+        </p:spPr>
+        <p:txBody>
+          <a:bodyPr lIns="90000" rIns="90000" tIns="45000" bIns="45000" anchor="ctr">
             <a:noAutofit/>
           </a:bodyPr>
           <a:p>
@@ -8578,11 +8038,8 @@
               </a:rPr>
               <a:t>Tekton [Details]</a:t>
             </a:r>
-            <a:endParaRPr b="0" lang="en-US" sz="4400" spc="-1" strike="noStrike">
-              <a:solidFill>
-                <a:srgbClr val="000000"/>
-              </a:solidFill>
-              <a:latin typeface="Calibri"/>
+            <a:endParaRPr b="0" lang="en-IN" sz="4400" spc="-1" strike="noStrike">
+              <a:latin typeface="Arial"/>
             </a:endParaRPr>
           </a:p>
         </p:txBody>
@@ -8600,18 +8057,18 @@
         <p:spPr>
           <a:xfrm>
             <a:off x="838080" y="1825560"/>
-            <a:ext cx="10515240" cy="4350960"/>
-          </a:xfrm>
-          <a:prstGeom prst="rect">
-            <a:avLst/>
-          </a:prstGeom>
-          <a:noFill/>
-          <a:ln w="0">
-            <a:noFill/>
-          </a:ln>
-        </p:spPr>
-        <p:txBody>
-          <a:bodyPr anchor="t">
+            <a:ext cx="10514880" cy="4350600"/>
+          </a:xfrm>
+          <a:prstGeom prst="rect">
+            <a:avLst/>
+          </a:prstGeom>
+          <a:noFill/>
+          <a:ln w="0">
+            <a:noFill/>
+          </a:ln>
+        </p:spPr>
+        <p:txBody>
+          <a:bodyPr lIns="90000" rIns="90000" tIns="45000" bIns="45000" anchor="t">
             <a:noAutofit/>
           </a:bodyPr>
           <a:p>
@@ -8634,20 +8091,18 @@
               <a:t>Github = </a:t>
             </a:r>
             <a:r>
-              <a:rPr b="0" lang="en-US" sz="2800" spc="-1" strike="noStrike">
+              <a:rPr b="0" lang="en-US" sz="2800" spc="-1" strike="noStrike" u="sng">
                 <a:solidFill>
-                  <a:srgbClr val="000000"/>
+                  <a:srgbClr val="0563c1"/>
                 </a:solidFill>
+                <a:uFillTx/>
                 <a:latin typeface="Calibri"/>
                 <a:hlinkClick r:id="rId1"/>
               </a:rPr>
               <a:t>https://github.com/tektoncd</a:t>
             </a:r>
-            <a:endParaRPr b="0" lang="en-US" sz="2800" spc="-1" strike="noStrike">
-              <a:solidFill>
-                <a:srgbClr val="000000"/>
-              </a:solidFill>
-              <a:latin typeface="Calibri"/>
+            <a:endParaRPr b="0" lang="en-IN" sz="2800" spc="-1" strike="noStrike">
+              <a:latin typeface="Arial"/>
             </a:endParaRPr>
           </a:p>
           <a:p>
@@ -8670,20 +8125,18 @@
               <a:t>website = </a:t>
             </a:r>
             <a:r>
-              <a:rPr b="0" lang="en-US" sz="2800" spc="-1" strike="noStrike">
+              <a:rPr b="0" lang="en-US" sz="2800" spc="-1" strike="noStrike" u="sng">
                 <a:solidFill>
-                  <a:srgbClr val="000000"/>
+                  <a:srgbClr val="0563c1"/>
                 </a:solidFill>
+                <a:uFillTx/>
                 <a:latin typeface="Calibri"/>
                 <a:hlinkClick r:id="rId2"/>
               </a:rPr>
               <a:t>https://tekton.dev/</a:t>
             </a:r>
-            <a:endParaRPr b="0" lang="en-US" sz="2800" spc="-1" strike="noStrike">
-              <a:solidFill>
-                <a:srgbClr val="000000"/>
-              </a:solidFill>
-              <a:latin typeface="Calibri"/>
+            <a:endParaRPr b="0" lang="en-IN" sz="2800" spc="-1" strike="noStrike">
+              <a:latin typeface="Arial"/>
             </a:endParaRPr>
           </a:p>
           <a:p>
@@ -8705,11 +8158,8 @@
               </a:rPr>
               <a:t>Tekton cli = tkn</a:t>
             </a:r>
-            <a:endParaRPr b="0" lang="en-US" sz="2800" spc="-1" strike="noStrike">
-              <a:solidFill>
-                <a:srgbClr val="000000"/>
-              </a:solidFill>
-              <a:latin typeface="Calibri"/>
+            <a:endParaRPr b="0" lang="en-IN" sz="2800" spc="-1" strike="noStrike">
+              <a:latin typeface="Arial"/>
             </a:endParaRPr>
           </a:p>
           <a:p>
@@ -8731,11 +8181,8 @@
               </a:rPr>
               <a:t>Tekton Triggers</a:t>
             </a:r>
-            <a:endParaRPr b="0" lang="en-US" sz="2800" spc="-1" strike="noStrike">
-              <a:solidFill>
-                <a:srgbClr val="000000"/>
-              </a:solidFill>
-              <a:latin typeface="Calibri"/>
+            <a:endParaRPr b="0" lang="en-IN" sz="2800" spc="-1" strike="noStrike">
+              <a:latin typeface="Arial"/>
             </a:endParaRPr>
           </a:p>
           <a:p>
@@ -8758,20 +8205,18 @@
               <a:t>Tekton Catalog = </a:t>
             </a:r>
             <a:r>
-              <a:rPr b="0" lang="en-US" sz="2800" spc="-1" strike="noStrike">
+              <a:rPr b="0" lang="en-US" sz="2800" spc="-1" strike="noStrike" u="sng">
                 <a:solidFill>
-                  <a:srgbClr val="000000"/>
+                  <a:srgbClr val="0563c1"/>
                 </a:solidFill>
+                <a:uFillTx/>
                 <a:latin typeface="Calibri"/>
                 <a:hlinkClick r:id="rId3"/>
               </a:rPr>
               <a:t>https://hub.tekton.dev/</a:t>
             </a:r>
-            <a:endParaRPr b="0" lang="en-US" sz="2800" spc="-1" strike="noStrike">
-              <a:solidFill>
-                <a:srgbClr val="000000"/>
-              </a:solidFill>
-              <a:latin typeface="Calibri"/>
+            <a:endParaRPr b="0" lang="en-IN" sz="2800" spc="-1" strike="noStrike">
+              <a:latin typeface="Arial"/>
             </a:endParaRPr>
           </a:p>
           <a:p>
@@ -8793,11 +8238,8 @@
               </a:rPr>
               <a:t>Tekton Dashboard</a:t>
             </a:r>
-            <a:endParaRPr b="0" lang="en-US" sz="2800" spc="-1" strike="noStrike">
-              <a:solidFill>
-                <a:srgbClr val="000000"/>
-              </a:solidFill>
-              <a:latin typeface="Calibri"/>
+            <a:endParaRPr b="0" lang="en-IN" sz="2800" spc="-1" strike="noStrike">
+              <a:latin typeface="Arial"/>
             </a:endParaRPr>
           </a:p>
           <a:p>
@@ -8810,11 +8252,8 @@
               </a:spcBef>
               <a:buNone/>
             </a:pPr>
-            <a:endParaRPr b="0" lang="en-US" sz="2800" spc="-1" strike="noStrike">
-              <a:solidFill>
-                <a:srgbClr val="000000"/>
-              </a:solidFill>
-              <a:latin typeface="Calibri"/>
+            <a:endParaRPr b="0" lang="en-IN" sz="2800" spc="-1" strike="noStrike">
+              <a:latin typeface="Arial"/>
             </a:endParaRPr>
           </a:p>
           <a:p>
@@ -8836,11 +8275,8 @@
               </a:rPr>
               <a:t> </a:t>
             </a:r>
-            <a:endParaRPr b="0" lang="en-US" sz="2800" spc="-1" strike="noStrike">
-              <a:solidFill>
-                <a:srgbClr val="000000"/>
-              </a:solidFill>
-              <a:latin typeface="Calibri"/>
+            <a:endParaRPr b="0" lang="en-IN" sz="2800" spc="-1" strike="noStrike">
+              <a:latin typeface="Arial"/>
             </a:endParaRPr>
           </a:p>
         </p:txBody>
@@ -8888,18 +8324,18 @@
         <p:spPr>
           <a:xfrm>
             <a:off x="838080" y="307800"/>
-            <a:ext cx="10515240" cy="1325160"/>
-          </a:xfrm>
-          <a:prstGeom prst="rect">
-            <a:avLst/>
-          </a:prstGeom>
-          <a:noFill/>
-          <a:ln w="0">
-            <a:noFill/>
-          </a:ln>
-        </p:spPr>
-        <p:txBody>
-          <a:bodyPr anchor="ctr">
+            <a:ext cx="10514880" cy="1324800"/>
+          </a:xfrm>
+          <a:prstGeom prst="rect">
+            <a:avLst/>
+          </a:prstGeom>
+          <a:noFill/>
+          <a:ln w="0">
+            <a:noFill/>
+          </a:ln>
+        </p:spPr>
+        <p:txBody>
+          <a:bodyPr lIns="90000" rIns="90000" tIns="45000" bIns="45000" anchor="ctr">
             <a:noAutofit/>
           </a:bodyPr>
           <a:p>
@@ -8918,11 +8354,8 @@
               </a:rPr>
               <a:t>Tekton(Greek) (Builder)</a:t>
             </a:r>
-            <a:endParaRPr b="0" lang="en-US" sz="4400" spc="-1" strike="noStrike">
-              <a:solidFill>
-                <a:srgbClr val="000000"/>
-              </a:solidFill>
-              <a:latin typeface="Calibri"/>
+            <a:endParaRPr b="0" lang="en-IN" sz="4400" spc="-1" strike="noStrike">
+              <a:latin typeface="Arial"/>
             </a:endParaRPr>
           </a:p>
         </p:txBody>
@@ -8940,18 +8373,18 @@
         <p:spPr>
           <a:xfrm>
             <a:off x="838080" y="1825560"/>
-            <a:ext cx="10515240" cy="4350960"/>
-          </a:xfrm>
-          <a:prstGeom prst="rect">
-            <a:avLst/>
-          </a:prstGeom>
-          <a:noFill/>
-          <a:ln w="0">
-            <a:noFill/>
-          </a:ln>
-        </p:spPr>
-        <p:txBody>
-          <a:bodyPr anchor="t">
+            <a:ext cx="10514880" cy="4350600"/>
+          </a:xfrm>
+          <a:prstGeom prst="rect">
+            <a:avLst/>
+          </a:prstGeom>
+          <a:noFill/>
+          <a:ln w="0">
+            <a:noFill/>
+          </a:ln>
+        </p:spPr>
+        <p:txBody>
+          <a:bodyPr lIns="90000" rIns="90000" tIns="45000" bIns="45000" anchor="t">
             <a:noAutofit/>
           </a:bodyPr>
           <a:p>
@@ -8977,11 +8410,8 @@
               </a:rPr>
               <a:t>CDF(Continuous Delivery Foundation) Graduated</a:t>
             </a:r>
-            <a:endParaRPr b="0" lang="en-US" sz="2800" spc="-1" strike="noStrike">
-              <a:solidFill>
-                <a:srgbClr val="000000"/>
-              </a:solidFill>
-              <a:latin typeface="Calibri"/>
+            <a:endParaRPr b="0" lang="en-IN" sz="2800" spc="-1" strike="noStrike">
+              <a:latin typeface="Arial"/>
             </a:endParaRPr>
           </a:p>
           <a:p>
@@ -8994,11 +8424,8 @@
               </a:spcBef>
               <a:buNone/>
             </a:pPr>
-            <a:endParaRPr b="0" lang="en-US" sz="2800" spc="-1" strike="noStrike">
-              <a:solidFill>
-                <a:srgbClr val="000000"/>
-              </a:solidFill>
-              <a:latin typeface="Calibri"/>
+            <a:endParaRPr b="0" lang="en-IN" sz="2800" spc="-1" strike="noStrike">
+              <a:latin typeface="Arial"/>
             </a:endParaRPr>
           </a:p>
           <a:p>
@@ -9011,11 +8438,8 @@
               </a:spcBef>
               <a:buNone/>
             </a:pPr>
-            <a:endParaRPr b="0" lang="en-US" sz="2800" spc="-1" strike="noStrike">
-              <a:solidFill>
-                <a:srgbClr val="000000"/>
-              </a:solidFill>
-              <a:latin typeface="Calibri"/>
+            <a:endParaRPr b="0" lang="en-IN" sz="2800" spc="-1" strike="noStrike">
+              <a:latin typeface="Arial"/>
             </a:endParaRPr>
           </a:p>
           <a:p>
@@ -9028,11 +8452,8 @@
               </a:spcBef>
               <a:buNone/>
             </a:pPr>
-            <a:endParaRPr b="0" lang="en-US" sz="2800" spc="-1" strike="noStrike">
-              <a:solidFill>
-                <a:srgbClr val="000000"/>
-              </a:solidFill>
-              <a:latin typeface="Calibri"/>
+            <a:endParaRPr b="0" lang="en-IN" sz="2800" spc="-1" strike="noStrike">
+              <a:latin typeface="Arial"/>
             </a:endParaRPr>
           </a:p>
           <a:p>
@@ -9045,11 +8466,8 @@
               </a:spcBef>
               <a:buNone/>
             </a:pPr>
-            <a:endParaRPr b="0" lang="en-US" sz="2800" spc="-1" strike="noStrike">
-              <a:solidFill>
-                <a:srgbClr val="000000"/>
-              </a:solidFill>
-              <a:latin typeface="Calibri"/>
+            <a:endParaRPr b="0" lang="en-IN" sz="2800" spc="-1" strike="noStrike">
+              <a:latin typeface="Arial"/>
             </a:endParaRPr>
           </a:p>
         </p:txBody>
@@ -9067,7 +8485,7 @@
         <p:spPr>
           <a:xfrm>
             <a:off x="994680" y="2638440"/>
-            <a:ext cx="10359000" cy="3248640"/>
+            <a:ext cx="10358640" cy="3248280"/>
           </a:xfrm>
           <a:prstGeom prst="rect">
             <a:avLst/>
@@ -9122,8 +8540,8 @@
         </p:nvSpPr>
         <p:spPr>
           <a:xfrm rot="16200000">
-            <a:off x="800280" y="1491840"/>
-            <a:ext cx="3333240" cy="3498840"/>
+            <a:off x="800280" y="1492200"/>
+            <a:ext cx="3332880" cy="3498480"/>
           </a:xfrm>
           <a:prstGeom prst="downArrow">
             <a:avLst>
@@ -9166,18 +8584,18 @@
         <p:spPr>
           <a:xfrm>
             <a:off x="1028880" y="1967400"/>
-            <a:ext cx="2628720" cy="2547000"/>
-          </a:xfrm>
-          <a:prstGeom prst="rect">
-            <a:avLst/>
-          </a:prstGeom>
-          <a:noFill/>
-          <a:ln w="0">
-            <a:noFill/>
-          </a:ln>
-        </p:spPr>
-        <p:txBody>
-          <a:bodyPr anchor="ctr">
+            <a:ext cx="2628360" cy="2546640"/>
+          </a:xfrm>
+          <a:prstGeom prst="rect">
+            <a:avLst/>
+          </a:prstGeom>
+          <a:noFill/>
+          <a:ln w="0">
+            <a:noFill/>
+          </a:ln>
+        </p:spPr>
+        <p:txBody>
+          <a:bodyPr lIns="90000" rIns="90000" tIns="45000" bIns="45000" anchor="ctr">
             <a:normAutofit/>
           </a:bodyPr>
           <a:p>
@@ -9196,11 +8614,8 @@
               </a:rPr>
               <a:t>Tekton</a:t>
             </a:r>
-            <a:endParaRPr b="0" lang="en-US" sz="3600" spc="-1" strike="noStrike">
-              <a:solidFill>
-                <a:srgbClr val="000000"/>
-              </a:solidFill>
-              <a:latin typeface="Calibri"/>
+            <a:endParaRPr b="0" lang="en-IN" sz="3600" spc="-1" strike="noStrike">
+              <a:latin typeface="Arial"/>
             </a:endParaRPr>
           </a:p>
         </p:txBody>
@@ -9218,7 +8633,7 @@
         <p:spPr>
           <a:xfrm>
             <a:off x="4777200" y="885240"/>
-            <a:ext cx="6780240" cy="5643720"/>
+            <a:ext cx="6779880" cy="5643360"/>
           </a:xfrm>
           <a:prstGeom prst="rect">
             <a:avLst/>
@@ -9271,18 +8686,18 @@
         <p:spPr>
           <a:xfrm>
             <a:off x="838080" y="365040"/>
-            <a:ext cx="10515240" cy="1325160"/>
-          </a:xfrm>
-          <a:prstGeom prst="rect">
-            <a:avLst/>
-          </a:prstGeom>
-          <a:noFill/>
-          <a:ln w="0">
-            <a:noFill/>
-          </a:ln>
-        </p:spPr>
-        <p:txBody>
-          <a:bodyPr anchor="ctr">
+            <a:ext cx="10514880" cy="1324800"/>
+          </a:xfrm>
+          <a:prstGeom prst="rect">
+            <a:avLst/>
+          </a:prstGeom>
+          <a:noFill/>
+          <a:ln w="0">
+            <a:noFill/>
+          </a:ln>
+        </p:spPr>
+        <p:txBody>
+          <a:bodyPr lIns="90000" rIns="90000" tIns="45000" bIns="45000" anchor="ctr">
             <a:noAutofit/>
           </a:bodyPr>
           <a:p>
@@ -9301,11 +8716,8 @@
               </a:rPr>
               <a:t>Tekton CRD</a:t>
             </a:r>
-            <a:endParaRPr b="0" lang="en-US" sz="4400" spc="-1" strike="noStrike">
-              <a:solidFill>
-                <a:srgbClr val="000000"/>
-              </a:solidFill>
-              <a:latin typeface="Calibri"/>
+            <a:endParaRPr b="0" lang="en-IN" sz="4400" spc="-1" strike="noStrike">
+              <a:latin typeface="Arial"/>
             </a:endParaRPr>
           </a:p>
         </p:txBody>
@@ -9323,18 +8735,18 @@
         <p:spPr>
           <a:xfrm>
             <a:off x="838080" y="1825560"/>
-            <a:ext cx="10515240" cy="4350960"/>
-          </a:xfrm>
-          <a:prstGeom prst="rect">
-            <a:avLst/>
-          </a:prstGeom>
-          <a:noFill/>
-          <a:ln w="0">
-            <a:noFill/>
-          </a:ln>
-        </p:spPr>
-        <p:txBody>
-          <a:bodyPr anchor="t">
+            <a:ext cx="10514880" cy="4350600"/>
+          </a:xfrm>
+          <a:prstGeom prst="rect">
+            <a:avLst/>
+          </a:prstGeom>
+          <a:noFill/>
+          <a:ln w="0">
+            <a:noFill/>
+          </a:ln>
+        </p:spPr>
+        <p:txBody>
+          <a:bodyPr lIns="90000" rIns="90000" tIns="45000" bIns="45000" anchor="t">
             <a:noAutofit/>
           </a:bodyPr>
           <a:p>
@@ -9360,11 +8772,8 @@
               </a:rPr>
               <a:t>Task - defines a series of ordered Steps</a:t>
             </a:r>
-            <a:endParaRPr b="0" lang="en-US" sz="2800" spc="-1" strike="noStrike">
-              <a:solidFill>
-                <a:srgbClr val="000000"/>
-              </a:solidFill>
-              <a:latin typeface="Calibri"/>
+            <a:endParaRPr b="0" lang="en-IN" sz="2800" spc="-1" strike="noStrike">
+              <a:latin typeface="Arial"/>
             </a:endParaRPr>
           </a:p>
           <a:p>
@@ -9390,11 +8799,8 @@
               </a:rPr>
               <a:t>ClusterTask – defines a series of ordered Steps for entire Cluster</a:t>
             </a:r>
-            <a:endParaRPr b="0" lang="en-US" sz="2800" spc="-1" strike="noStrike">
-              <a:solidFill>
-                <a:srgbClr val="000000"/>
-              </a:solidFill>
-              <a:latin typeface="Calibri"/>
+            <a:endParaRPr b="0" lang="en-IN" sz="2800" spc="-1" strike="noStrike">
+              <a:latin typeface="Arial"/>
             </a:endParaRPr>
           </a:p>
           <a:p>
@@ -9420,11 +8826,8 @@
               </a:rPr>
               <a:t>TaskRun - instantiates a specific Task</a:t>
             </a:r>
-            <a:endParaRPr b="0" lang="en-US" sz="2800" spc="-1" strike="noStrike">
-              <a:solidFill>
-                <a:srgbClr val="000000"/>
-              </a:solidFill>
-              <a:latin typeface="Calibri"/>
+            <a:endParaRPr b="0" lang="en-IN" sz="2800" spc="-1" strike="noStrike">
+              <a:latin typeface="Arial"/>
             </a:endParaRPr>
           </a:p>
           <a:p>
@@ -9450,11 +8853,8 @@
               </a:rPr>
               <a:t>Pipeline - defines a series of ordered Tasks</a:t>
             </a:r>
-            <a:endParaRPr b="0" lang="en-US" sz="2800" spc="-1" strike="noStrike">
-              <a:solidFill>
-                <a:srgbClr val="000000"/>
-              </a:solidFill>
-              <a:latin typeface="Calibri"/>
+            <a:endParaRPr b="0" lang="en-IN" sz="2800" spc="-1" strike="noStrike">
+              <a:latin typeface="Arial"/>
             </a:endParaRPr>
           </a:p>
           <a:p>
@@ -9480,11 +8880,8 @@
               </a:rPr>
               <a:t>PipelineRun - instantiates a specific Pipeline</a:t>
             </a:r>
-            <a:endParaRPr b="0" lang="en-US" sz="2800" spc="-1" strike="noStrike">
-              <a:solidFill>
-                <a:srgbClr val="000000"/>
-              </a:solidFill>
-              <a:latin typeface="Calibri"/>
+            <a:endParaRPr b="0" lang="en-IN" sz="2800" spc="-1" strike="noStrike">
+              <a:latin typeface="Arial"/>
             </a:endParaRPr>
           </a:p>
         </p:txBody>
